--- a/app/static/media/pptx/temp.pptx
+++ b/app/static/media/pptx/temp.pptx
@@ -11,6 +11,20 @@
     <p:sldId id="259" r:id="rId10"/>
     <p:sldId id="260" r:id="rId11"/>
     <p:sldId id="261" r:id="rId12"/>
+    <p:sldId id="262" r:id="rId13"/>
+    <p:sldId id="263" r:id="rId14"/>
+    <p:sldId id="264" r:id="rId15"/>
+    <p:sldId id="265" r:id="rId16"/>
+    <p:sldId id="266" r:id="rId17"/>
+    <p:sldId id="267" r:id="rId18"/>
+    <p:sldId id="268" r:id="rId19"/>
+    <p:sldId id="269" r:id="rId20"/>
+    <p:sldId id="270" r:id="rId21"/>
+    <p:sldId id="271" r:id="rId22"/>
+    <p:sldId id="272" r:id="rId23"/>
+    <p:sldId id="273" r:id="rId24"/>
+    <p:sldId id="274" r:id="rId25"/>
+    <p:sldId id="275" r:id="rId26"/>
   </p:sldIdLst>
   <p:sldSz cx="14400000" cy="7920000" type="screen4x3"/>
   <p:notesSz cx="6858000" cy="9144000"/>
@@ -3157,6 +3171,4598 @@
 </p:sld>
 </file>
 
+<file path=ppt/slides/slide10.xml><?xml version="1.0" encoding="utf-8"?>
+<p:sld xmlns:a="http://schemas.openxmlformats.org/drawingml/2006/main" xmlns:p="http://schemas.openxmlformats.org/presentationml/2006/main" xmlns:r="http://schemas.openxmlformats.org/officeDocument/2006/relationships">
+  <p:cSld>
+    <p:spTree>
+      <p:nvGrpSpPr>
+        <p:cNvPr id="1" name=""/>
+        <p:cNvGrpSpPr/>
+        <p:nvPr/>
+      </p:nvGrpSpPr>
+      <p:grpSpPr/>
+      <p:pic>
+        <p:nvPicPr>
+          <p:cNvPr id="2" name="Picture 1" descr="template_pdf.jpg"/>
+          <p:cNvPicPr>
+            <a:picLocks noChangeAspect="1"/>
+          </p:cNvPicPr>
+          <p:nvPr/>
+        </p:nvPicPr>
+        <p:blipFill>
+          <a:blip r:embed="rId2"/>
+          <a:stretch>
+            <a:fillRect/>
+          </a:stretch>
+        </p:blipFill>
+        <p:spPr>
+          <a:xfrm>
+            <a:off x="0" y="0"/>
+            <a:ext cx="14400000" cy="7920000"/>
+          </a:xfrm>
+          <a:prstGeom prst="rect">
+            <a:avLst/>
+          </a:prstGeom>
+        </p:spPr>
+      </p:pic>
+      <p:sp>
+        <p:nvSpPr>
+          <p:cNvPr id="3" name="TextBox 2"/>
+          <p:cNvSpPr txBox="1"/>
+          <p:nvPr/>
+        </p:nvSpPr>
+        <p:spPr>
+          <a:xfrm>
+            <a:off x="0" y="180000"/>
+            <a:ext cx="15120000" cy="180000"/>
+          </a:xfrm>
+          <a:prstGeom prst="rect">
+            <a:avLst/>
+          </a:prstGeom>
+          <a:noFill/>
+        </p:spPr>
+        <p:txBody>
+          <a:bodyPr wrap="none">
+            <a:spAutoFit/>
+          </a:bodyPr>
+          <a:lstStyle/>
+          <a:p>
+            <a:pPr algn="ctr"/>
+            <a:r>
+              <a:rPr b="1" sz="1984">
+                <a:solidFill>
+                  <a:srgbClr val="FFFFFF"/>
+                </a:solidFill>
+                <a:latin typeface="Helvetica"/>
+              </a:rPr>
+              <a:t>Av. Mem De Sá Frontal - Esq. Rua Gomes Freire, Centro Nervoso Da Lapa</a:t>
+            </a:r>
+          </a:p>
+        </p:txBody>
+      </p:sp>
+      <p:pic>
+        <p:nvPicPr>
+          <p:cNvPr id="4" name="Picture 3" descr="temp_image8.jpg"/>
+          <p:cNvPicPr>
+            <a:picLocks noChangeAspect="1"/>
+          </p:cNvPicPr>
+          <p:nvPr/>
+        </p:nvPicPr>
+        <p:blipFill>
+          <a:blip r:embed="rId3"/>
+          <a:stretch>
+            <a:fillRect/>
+          </a:stretch>
+        </p:blipFill>
+        <p:spPr>
+          <a:xfrm>
+            <a:off x="108000" y="785160"/>
+            <a:ext cx="11160000" cy="6480000"/>
+          </a:xfrm>
+          <a:prstGeom prst="rect">
+            <a:avLst/>
+          </a:prstGeom>
+        </p:spPr>
+      </p:pic>
+      <p:sp>
+        <p:nvSpPr>
+          <p:cNvPr id="5" name="TextBox 4"/>
+          <p:cNvSpPr txBox="1"/>
+          <p:nvPr/>
+        </p:nvSpPr>
+        <p:spPr>
+          <a:xfrm>
+            <a:off x="108000" y="7380000"/>
+            <a:ext cx="1080000" cy="180000"/>
+          </a:xfrm>
+          <a:prstGeom prst="rect">
+            <a:avLst/>
+          </a:prstGeom>
+          <a:noFill/>
+        </p:spPr>
+        <p:txBody>
+          <a:bodyPr wrap="none">
+            <a:spAutoFit/>
+          </a:bodyPr>
+          <a:lstStyle/>
+          <a:p>
+            <a:pPr algn="l"/>
+            <a:r>
+              <a:rPr b="1" sz="1417">
+                <a:latin typeface="Helvetica"/>
+              </a:rPr>
+              <a:t>Coordenadas:</a:t>
+            </a:r>
+          </a:p>
+        </p:txBody>
+      </p:sp>
+      <p:sp>
+        <p:nvSpPr>
+          <p:cNvPr id="6" name="TextBox 5"/>
+          <p:cNvSpPr txBox="1"/>
+          <p:nvPr/>
+        </p:nvSpPr>
+        <p:spPr>
+          <a:xfrm>
+            <a:off x="1458000" y="7380000"/>
+            <a:ext cx="1800000" cy="216000"/>
+          </a:xfrm>
+          <a:prstGeom prst="rect">
+            <a:avLst/>
+          </a:prstGeom>
+          <a:noFill/>
+        </p:spPr>
+        <p:txBody>
+          <a:bodyPr wrap="none">
+            <a:spAutoFit/>
+          </a:bodyPr>
+          <a:lstStyle/>
+          <a:p>
+            <a:pPr algn="l"/>
+            <a:r>
+              <a:rPr sz="1417">
+                <a:latin typeface="Helvetica"/>
+              </a:rPr>
+              <a:t>-22.91286  -43.18288</a:t>
+            </a:r>
+          </a:p>
+        </p:txBody>
+      </p:sp>
+      <p:sp>
+        <p:nvSpPr>
+          <p:cNvPr id="7" name="TextBox 6"/>
+          <p:cNvSpPr txBox="1"/>
+          <p:nvPr/>
+        </p:nvSpPr>
+        <p:spPr>
+          <a:xfrm>
+            <a:off x="6480000" y="7380000"/>
+            <a:ext cx="1080000" cy="180000"/>
+          </a:xfrm>
+          <a:prstGeom prst="rect">
+            <a:avLst/>
+          </a:prstGeom>
+          <a:noFill/>
+        </p:spPr>
+        <p:txBody>
+          <a:bodyPr wrap="none">
+            <a:spAutoFit/>
+          </a:bodyPr>
+          <a:lstStyle/>
+          <a:p>
+            <a:pPr algn="l"/>
+            <a:r>
+              <a:rPr b="1" sz="1417">
+                <a:latin typeface="Helvetica"/>
+              </a:rPr>
+              <a:t>Codigo:</a:t>
+            </a:r>
+          </a:p>
+        </p:txBody>
+      </p:sp>
+      <p:sp>
+        <p:nvSpPr>
+          <p:cNvPr id="8" name="TextBox 7"/>
+          <p:cNvSpPr txBox="1"/>
+          <p:nvPr/>
+        </p:nvSpPr>
+        <p:spPr>
+          <a:xfrm>
+            <a:off x="7272000" y="7380000"/>
+            <a:ext cx="1800000" cy="216000"/>
+          </a:xfrm>
+          <a:prstGeom prst="rect">
+            <a:avLst/>
+          </a:prstGeom>
+          <a:noFill/>
+        </p:spPr>
+        <p:txBody>
+          <a:bodyPr wrap="none">
+            <a:spAutoFit/>
+          </a:bodyPr>
+          <a:lstStyle/>
+          <a:p>
+            <a:pPr algn="l"/>
+            <a:r>
+              <a:rPr sz="1417">
+                <a:latin typeface="Helvetica"/>
+              </a:rPr>
+              <a:t>MAI778</a:t>
+            </a:r>
+          </a:p>
+        </p:txBody>
+      </p:sp>
+      <p:sp>
+        <p:nvSpPr>
+          <p:cNvPr id="9" name="TextBox 8"/>
+          <p:cNvSpPr txBox="1"/>
+          <p:nvPr/>
+        </p:nvSpPr>
+        <p:spPr>
+          <a:xfrm>
+            <a:off x="11340000" y="720000"/>
+            <a:ext cx="1080000" cy="216000"/>
+          </a:xfrm>
+          <a:prstGeom prst="rect">
+            <a:avLst/>
+          </a:prstGeom>
+          <a:noFill/>
+        </p:spPr>
+        <p:txBody>
+          <a:bodyPr wrap="none">
+            <a:spAutoFit/>
+          </a:bodyPr>
+          <a:lstStyle/>
+          <a:p>
+            <a:pPr algn="l"/>
+            <a:r>
+              <a:rPr b="1" sz="1417">
+                <a:latin typeface="Helvetica"/>
+              </a:rPr>
+              <a:t>Bairro</a:t>
+            </a:r>
+          </a:p>
+        </p:txBody>
+      </p:sp>
+      <p:sp>
+        <p:nvSpPr>
+          <p:cNvPr id="10" name="TextBox 9"/>
+          <p:cNvSpPr txBox="1"/>
+          <p:nvPr/>
+        </p:nvSpPr>
+        <p:spPr>
+          <a:xfrm>
+            <a:off x="11340000" y="972000"/>
+            <a:ext cx="1080000" cy="216000"/>
+          </a:xfrm>
+          <a:prstGeom prst="rect">
+            <a:avLst/>
+          </a:prstGeom>
+          <a:noFill/>
+        </p:spPr>
+        <p:txBody>
+          <a:bodyPr wrap="none">
+            <a:spAutoFit/>
+          </a:bodyPr>
+          <a:lstStyle/>
+          <a:p>
+            <a:pPr algn="l"/>
+            <a:r>
+              <a:rPr sz="1417">
+                <a:latin typeface="Helvetica"/>
+              </a:rPr>
+              <a:t>Lapa</a:t>
+            </a:r>
+          </a:p>
+        </p:txBody>
+      </p:sp>
+      <p:sp>
+        <p:nvSpPr>
+          <p:cNvPr id="11" name="TextBox 10"/>
+          <p:cNvSpPr txBox="1"/>
+          <p:nvPr/>
+        </p:nvSpPr>
+        <p:spPr>
+          <a:xfrm>
+            <a:off x="11340000" y="1440000"/>
+            <a:ext cx="1080000" cy="216000"/>
+          </a:xfrm>
+          <a:prstGeom prst="rect">
+            <a:avLst/>
+          </a:prstGeom>
+          <a:noFill/>
+        </p:spPr>
+        <p:txBody>
+          <a:bodyPr wrap="none">
+            <a:spAutoFit/>
+          </a:bodyPr>
+          <a:lstStyle/>
+          <a:p>
+            <a:pPr algn="l"/>
+            <a:r>
+              <a:rPr b="1" sz="1417">
+                <a:latin typeface="Helvetica"/>
+              </a:rPr>
+              <a:t>Cidade </a:t>
+            </a:r>
+          </a:p>
+        </p:txBody>
+      </p:sp>
+      <p:sp>
+        <p:nvSpPr>
+          <p:cNvPr id="12" name="TextBox 11"/>
+          <p:cNvSpPr txBox="1"/>
+          <p:nvPr/>
+        </p:nvSpPr>
+        <p:spPr>
+          <a:xfrm>
+            <a:off x="11340000" y="1692000"/>
+            <a:ext cx="1080000" cy="216000"/>
+          </a:xfrm>
+          <a:prstGeom prst="rect">
+            <a:avLst/>
+          </a:prstGeom>
+          <a:noFill/>
+        </p:spPr>
+        <p:txBody>
+          <a:bodyPr wrap="none">
+            <a:spAutoFit/>
+          </a:bodyPr>
+          <a:lstStyle/>
+          <a:p>
+            <a:pPr algn="l"/>
+            <a:r>
+              <a:rPr sz="1417">
+                <a:latin typeface="Helvetica"/>
+              </a:rPr>
+              <a:t>Rio de Janeiro</a:t>
+            </a:r>
+          </a:p>
+        </p:txBody>
+      </p:sp>
+      <p:sp>
+        <p:nvSpPr>
+          <p:cNvPr id="13" name="TextBox 12"/>
+          <p:cNvSpPr txBox="1"/>
+          <p:nvPr/>
+        </p:nvSpPr>
+        <p:spPr>
+          <a:xfrm>
+            <a:off x="11340000" y="2160000"/>
+            <a:ext cx="1080000" cy="216000"/>
+          </a:xfrm>
+          <a:prstGeom prst="rect">
+            <a:avLst/>
+          </a:prstGeom>
+          <a:noFill/>
+        </p:spPr>
+        <p:txBody>
+          <a:bodyPr wrap="none">
+            <a:spAutoFit/>
+          </a:bodyPr>
+          <a:lstStyle/>
+          <a:p>
+            <a:pPr algn="l"/>
+            <a:r>
+              <a:rPr b="1" sz="1417">
+                <a:latin typeface="Helvetica"/>
+              </a:rPr>
+              <a:t>Formato</a:t>
+            </a:r>
+          </a:p>
+        </p:txBody>
+      </p:sp>
+      <p:sp>
+        <p:nvSpPr>
+          <p:cNvPr id="14" name="TextBox 13"/>
+          <p:cNvSpPr txBox="1"/>
+          <p:nvPr/>
+        </p:nvSpPr>
+        <p:spPr>
+          <a:xfrm>
+            <a:off x="11340000" y="2412000"/>
+            <a:ext cx="1080000" cy="216000"/>
+          </a:xfrm>
+          <a:prstGeom prst="rect">
+            <a:avLst/>
+          </a:prstGeom>
+          <a:noFill/>
+        </p:spPr>
+        <p:txBody>
+          <a:bodyPr wrap="none">
+            <a:spAutoFit/>
+          </a:bodyPr>
+          <a:lstStyle/>
+          <a:p>
+            <a:pPr algn="l"/>
+            <a:r>
+              <a:rPr sz="1417">
+                <a:latin typeface="Helvetica"/>
+              </a:rPr>
+              <a:t>Banca - 3,90 x 1,90</a:t>
+            </a:r>
+          </a:p>
+        </p:txBody>
+      </p:sp>
+      <p:sp>
+        <p:nvSpPr>
+          <p:cNvPr id="15" name="TextBox 14"/>
+          <p:cNvSpPr txBox="1"/>
+          <p:nvPr/>
+        </p:nvSpPr>
+        <p:spPr>
+          <a:xfrm>
+            <a:off x="13680000" y="7326000"/>
+            <a:ext cx="360000" cy="360000"/>
+          </a:xfrm>
+          <a:prstGeom prst="rect">
+            <a:avLst/>
+          </a:prstGeom>
+          <a:noFill/>
+        </p:spPr>
+        <p:txBody>
+          <a:bodyPr wrap="none">
+            <a:spAutoFit/>
+          </a:bodyPr>
+          <a:lstStyle/>
+          <a:p>
+            <a:pPr algn="ctr"/>
+            <a:r>
+              <a:rPr b="1" sz="2267">
+                <a:solidFill>
+                  <a:srgbClr val="FFFFFF"/>
+                </a:solidFill>
+                <a:latin typeface="Helvetica"/>
+              </a:rPr>
+              <a:t>10</a:t>
+            </a:r>
+          </a:p>
+        </p:txBody>
+      </p:sp>
+    </p:spTree>
+  </p:cSld>
+  <p:clrMapOvr>
+    <a:masterClrMapping/>
+  </p:clrMapOvr>
+</p:sld>
+</file>
+
+<file path=ppt/slides/slide11.xml><?xml version="1.0" encoding="utf-8"?>
+<p:sld xmlns:a="http://schemas.openxmlformats.org/drawingml/2006/main" xmlns:p="http://schemas.openxmlformats.org/presentationml/2006/main" xmlns:r="http://schemas.openxmlformats.org/officeDocument/2006/relationships">
+  <p:cSld>
+    <p:spTree>
+      <p:nvGrpSpPr>
+        <p:cNvPr id="1" name=""/>
+        <p:cNvGrpSpPr/>
+        <p:nvPr/>
+      </p:nvGrpSpPr>
+      <p:grpSpPr/>
+      <p:pic>
+        <p:nvPicPr>
+          <p:cNvPr id="2" name="Picture 1" descr="template_pdf.jpg"/>
+          <p:cNvPicPr>
+            <a:picLocks noChangeAspect="1"/>
+          </p:cNvPicPr>
+          <p:nvPr/>
+        </p:nvPicPr>
+        <p:blipFill>
+          <a:blip r:embed="rId2"/>
+          <a:stretch>
+            <a:fillRect/>
+          </a:stretch>
+        </p:blipFill>
+        <p:spPr>
+          <a:xfrm>
+            <a:off x="0" y="0"/>
+            <a:ext cx="14400000" cy="7920000"/>
+          </a:xfrm>
+          <a:prstGeom prst="rect">
+            <a:avLst/>
+          </a:prstGeom>
+        </p:spPr>
+      </p:pic>
+      <p:sp>
+        <p:nvSpPr>
+          <p:cNvPr id="3" name="TextBox 2"/>
+          <p:cNvSpPr txBox="1"/>
+          <p:nvPr/>
+        </p:nvSpPr>
+        <p:spPr>
+          <a:xfrm>
+            <a:off x="0" y="180000"/>
+            <a:ext cx="15120000" cy="180000"/>
+          </a:xfrm>
+          <a:prstGeom prst="rect">
+            <a:avLst/>
+          </a:prstGeom>
+          <a:noFill/>
+        </p:spPr>
+        <p:txBody>
+          <a:bodyPr wrap="none">
+            <a:spAutoFit/>
+          </a:bodyPr>
+          <a:lstStyle/>
+          <a:p>
+            <a:pPr algn="ctr"/>
+            <a:r>
+              <a:rPr b="1" sz="1984">
+                <a:solidFill>
+                  <a:srgbClr val="FFFFFF"/>
+                </a:solidFill>
+                <a:latin typeface="Helvetica"/>
+              </a:rPr>
+              <a:t>Av. Mem De Sá - Esq. Com Rua Ubaldino Do Amaral</a:t>
+            </a:r>
+          </a:p>
+        </p:txBody>
+      </p:sp>
+      <p:pic>
+        <p:nvPicPr>
+          <p:cNvPr id="4" name="Picture 3" descr="temp_image9.jpg"/>
+          <p:cNvPicPr>
+            <a:picLocks noChangeAspect="1"/>
+          </p:cNvPicPr>
+          <p:nvPr/>
+        </p:nvPicPr>
+        <p:blipFill>
+          <a:blip r:embed="rId3"/>
+          <a:stretch>
+            <a:fillRect/>
+          </a:stretch>
+        </p:blipFill>
+        <p:spPr>
+          <a:xfrm>
+            <a:off x="108000" y="785160"/>
+            <a:ext cx="11160000" cy="6480000"/>
+          </a:xfrm>
+          <a:prstGeom prst="rect">
+            <a:avLst/>
+          </a:prstGeom>
+        </p:spPr>
+      </p:pic>
+      <p:sp>
+        <p:nvSpPr>
+          <p:cNvPr id="5" name="TextBox 4"/>
+          <p:cNvSpPr txBox="1"/>
+          <p:nvPr/>
+        </p:nvSpPr>
+        <p:spPr>
+          <a:xfrm>
+            <a:off x="108000" y="7380000"/>
+            <a:ext cx="1080000" cy="180000"/>
+          </a:xfrm>
+          <a:prstGeom prst="rect">
+            <a:avLst/>
+          </a:prstGeom>
+          <a:noFill/>
+        </p:spPr>
+        <p:txBody>
+          <a:bodyPr wrap="none">
+            <a:spAutoFit/>
+          </a:bodyPr>
+          <a:lstStyle/>
+          <a:p>
+            <a:pPr algn="l"/>
+            <a:r>
+              <a:rPr b="1" sz="1417">
+                <a:latin typeface="Helvetica"/>
+              </a:rPr>
+              <a:t>Coordenadas:</a:t>
+            </a:r>
+          </a:p>
+        </p:txBody>
+      </p:sp>
+      <p:sp>
+        <p:nvSpPr>
+          <p:cNvPr id="6" name="TextBox 5"/>
+          <p:cNvSpPr txBox="1"/>
+          <p:nvPr/>
+        </p:nvSpPr>
+        <p:spPr>
+          <a:xfrm>
+            <a:off x="1458000" y="7380000"/>
+            <a:ext cx="1800000" cy="216000"/>
+          </a:xfrm>
+          <a:prstGeom prst="rect">
+            <a:avLst/>
+          </a:prstGeom>
+          <a:noFill/>
+        </p:spPr>
+        <p:txBody>
+          <a:bodyPr wrap="none">
+            <a:spAutoFit/>
+          </a:bodyPr>
+          <a:lstStyle/>
+          <a:p>
+            <a:pPr algn="l"/>
+            <a:r>
+              <a:rPr sz="1417">
+                <a:latin typeface="Helvetica"/>
+              </a:rPr>
+              <a:t>-22.912281156979983  -43.18626713007688</a:t>
+            </a:r>
+          </a:p>
+        </p:txBody>
+      </p:sp>
+      <p:sp>
+        <p:nvSpPr>
+          <p:cNvPr id="7" name="TextBox 6"/>
+          <p:cNvSpPr txBox="1"/>
+          <p:nvPr/>
+        </p:nvSpPr>
+        <p:spPr>
+          <a:xfrm>
+            <a:off x="6480000" y="7380000"/>
+            <a:ext cx="1080000" cy="180000"/>
+          </a:xfrm>
+          <a:prstGeom prst="rect">
+            <a:avLst/>
+          </a:prstGeom>
+          <a:noFill/>
+        </p:spPr>
+        <p:txBody>
+          <a:bodyPr wrap="none">
+            <a:spAutoFit/>
+          </a:bodyPr>
+          <a:lstStyle/>
+          <a:p>
+            <a:pPr algn="l"/>
+            <a:r>
+              <a:rPr b="1" sz="1417">
+                <a:latin typeface="Helvetica"/>
+              </a:rPr>
+              <a:t>Codigo:</a:t>
+            </a:r>
+          </a:p>
+        </p:txBody>
+      </p:sp>
+      <p:sp>
+        <p:nvSpPr>
+          <p:cNvPr id="8" name="TextBox 7"/>
+          <p:cNvSpPr txBox="1"/>
+          <p:nvPr/>
+        </p:nvSpPr>
+        <p:spPr>
+          <a:xfrm>
+            <a:off x="7272000" y="7380000"/>
+            <a:ext cx="1800000" cy="216000"/>
+          </a:xfrm>
+          <a:prstGeom prst="rect">
+            <a:avLst/>
+          </a:prstGeom>
+          <a:noFill/>
+        </p:spPr>
+        <p:txBody>
+          <a:bodyPr wrap="none">
+            <a:spAutoFit/>
+          </a:bodyPr>
+          <a:lstStyle/>
+          <a:p>
+            <a:pPr algn="l"/>
+            <a:r>
+              <a:rPr sz="1417">
+                <a:latin typeface="Helvetica"/>
+              </a:rPr>
+              <a:t>MAI779</a:t>
+            </a:r>
+          </a:p>
+        </p:txBody>
+      </p:sp>
+      <p:sp>
+        <p:nvSpPr>
+          <p:cNvPr id="9" name="TextBox 8"/>
+          <p:cNvSpPr txBox="1"/>
+          <p:nvPr/>
+        </p:nvSpPr>
+        <p:spPr>
+          <a:xfrm>
+            <a:off x="11340000" y="720000"/>
+            <a:ext cx="1080000" cy="216000"/>
+          </a:xfrm>
+          <a:prstGeom prst="rect">
+            <a:avLst/>
+          </a:prstGeom>
+          <a:noFill/>
+        </p:spPr>
+        <p:txBody>
+          <a:bodyPr wrap="none">
+            <a:spAutoFit/>
+          </a:bodyPr>
+          <a:lstStyle/>
+          <a:p>
+            <a:pPr algn="l"/>
+            <a:r>
+              <a:rPr b="1" sz="1417">
+                <a:latin typeface="Helvetica"/>
+              </a:rPr>
+              <a:t>Bairro</a:t>
+            </a:r>
+          </a:p>
+        </p:txBody>
+      </p:sp>
+      <p:sp>
+        <p:nvSpPr>
+          <p:cNvPr id="10" name="TextBox 9"/>
+          <p:cNvSpPr txBox="1"/>
+          <p:nvPr/>
+        </p:nvSpPr>
+        <p:spPr>
+          <a:xfrm>
+            <a:off x="11340000" y="972000"/>
+            <a:ext cx="1080000" cy="216000"/>
+          </a:xfrm>
+          <a:prstGeom prst="rect">
+            <a:avLst/>
+          </a:prstGeom>
+          <a:noFill/>
+        </p:spPr>
+        <p:txBody>
+          <a:bodyPr wrap="none">
+            <a:spAutoFit/>
+          </a:bodyPr>
+          <a:lstStyle/>
+          <a:p>
+            <a:pPr algn="l"/>
+            <a:r>
+              <a:rPr sz="1417">
+                <a:latin typeface="Helvetica"/>
+              </a:rPr>
+              <a:t>Lapa</a:t>
+            </a:r>
+          </a:p>
+        </p:txBody>
+      </p:sp>
+      <p:sp>
+        <p:nvSpPr>
+          <p:cNvPr id="11" name="TextBox 10"/>
+          <p:cNvSpPr txBox="1"/>
+          <p:nvPr/>
+        </p:nvSpPr>
+        <p:spPr>
+          <a:xfrm>
+            <a:off x="11340000" y="1440000"/>
+            <a:ext cx="1080000" cy="216000"/>
+          </a:xfrm>
+          <a:prstGeom prst="rect">
+            <a:avLst/>
+          </a:prstGeom>
+          <a:noFill/>
+        </p:spPr>
+        <p:txBody>
+          <a:bodyPr wrap="none">
+            <a:spAutoFit/>
+          </a:bodyPr>
+          <a:lstStyle/>
+          <a:p>
+            <a:pPr algn="l"/>
+            <a:r>
+              <a:rPr b="1" sz="1417">
+                <a:latin typeface="Helvetica"/>
+              </a:rPr>
+              <a:t>Cidade </a:t>
+            </a:r>
+          </a:p>
+        </p:txBody>
+      </p:sp>
+      <p:sp>
+        <p:nvSpPr>
+          <p:cNvPr id="12" name="TextBox 11"/>
+          <p:cNvSpPr txBox="1"/>
+          <p:nvPr/>
+        </p:nvSpPr>
+        <p:spPr>
+          <a:xfrm>
+            <a:off x="11340000" y="1692000"/>
+            <a:ext cx="1080000" cy="216000"/>
+          </a:xfrm>
+          <a:prstGeom prst="rect">
+            <a:avLst/>
+          </a:prstGeom>
+          <a:noFill/>
+        </p:spPr>
+        <p:txBody>
+          <a:bodyPr wrap="none">
+            <a:spAutoFit/>
+          </a:bodyPr>
+          <a:lstStyle/>
+          <a:p>
+            <a:pPr algn="l"/>
+            <a:r>
+              <a:rPr sz="1417">
+                <a:latin typeface="Helvetica"/>
+              </a:rPr>
+              <a:t>Rio de Janeiro</a:t>
+            </a:r>
+          </a:p>
+        </p:txBody>
+      </p:sp>
+      <p:sp>
+        <p:nvSpPr>
+          <p:cNvPr id="13" name="TextBox 12"/>
+          <p:cNvSpPr txBox="1"/>
+          <p:nvPr/>
+        </p:nvSpPr>
+        <p:spPr>
+          <a:xfrm>
+            <a:off x="11340000" y="2160000"/>
+            <a:ext cx="1080000" cy="216000"/>
+          </a:xfrm>
+          <a:prstGeom prst="rect">
+            <a:avLst/>
+          </a:prstGeom>
+          <a:noFill/>
+        </p:spPr>
+        <p:txBody>
+          <a:bodyPr wrap="none">
+            <a:spAutoFit/>
+          </a:bodyPr>
+          <a:lstStyle/>
+          <a:p>
+            <a:pPr algn="l"/>
+            <a:r>
+              <a:rPr b="1" sz="1417">
+                <a:latin typeface="Helvetica"/>
+              </a:rPr>
+              <a:t>Formato</a:t>
+            </a:r>
+          </a:p>
+        </p:txBody>
+      </p:sp>
+      <p:sp>
+        <p:nvSpPr>
+          <p:cNvPr id="14" name="TextBox 13"/>
+          <p:cNvSpPr txBox="1"/>
+          <p:nvPr/>
+        </p:nvSpPr>
+        <p:spPr>
+          <a:xfrm>
+            <a:off x="11340000" y="2412000"/>
+            <a:ext cx="1080000" cy="216000"/>
+          </a:xfrm>
+          <a:prstGeom prst="rect">
+            <a:avLst/>
+          </a:prstGeom>
+          <a:noFill/>
+        </p:spPr>
+        <p:txBody>
+          <a:bodyPr wrap="none">
+            <a:spAutoFit/>
+          </a:bodyPr>
+          <a:lstStyle/>
+          <a:p>
+            <a:pPr algn="l"/>
+            <a:r>
+              <a:rPr sz="1417">
+                <a:latin typeface="Helvetica"/>
+              </a:rPr>
+              <a:t>Banca - 2,40 x 1,90</a:t>
+            </a:r>
+          </a:p>
+        </p:txBody>
+      </p:sp>
+      <p:sp>
+        <p:nvSpPr>
+          <p:cNvPr id="15" name="TextBox 14"/>
+          <p:cNvSpPr txBox="1"/>
+          <p:nvPr/>
+        </p:nvSpPr>
+        <p:spPr>
+          <a:xfrm>
+            <a:off x="13680000" y="7326000"/>
+            <a:ext cx="360000" cy="360000"/>
+          </a:xfrm>
+          <a:prstGeom prst="rect">
+            <a:avLst/>
+          </a:prstGeom>
+          <a:noFill/>
+        </p:spPr>
+        <p:txBody>
+          <a:bodyPr wrap="none">
+            <a:spAutoFit/>
+          </a:bodyPr>
+          <a:lstStyle/>
+          <a:p>
+            <a:pPr algn="ctr"/>
+            <a:r>
+              <a:rPr b="1" sz="2267">
+                <a:solidFill>
+                  <a:srgbClr val="FFFFFF"/>
+                </a:solidFill>
+                <a:latin typeface="Helvetica"/>
+              </a:rPr>
+              <a:t>11</a:t>
+            </a:r>
+          </a:p>
+        </p:txBody>
+      </p:sp>
+    </p:spTree>
+  </p:cSld>
+  <p:clrMapOvr>
+    <a:masterClrMapping/>
+  </p:clrMapOvr>
+</p:sld>
+</file>
+
+<file path=ppt/slides/slide12.xml><?xml version="1.0" encoding="utf-8"?>
+<p:sld xmlns:a="http://schemas.openxmlformats.org/drawingml/2006/main" xmlns:p="http://schemas.openxmlformats.org/presentationml/2006/main" xmlns:r="http://schemas.openxmlformats.org/officeDocument/2006/relationships">
+  <p:cSld>
+    <p:spTree>
+      <p:nvGrpSpPr>
+        <p:cNvPr id="1" name=""/>
+        <p:cNvGrpSpPr/>
+        <p:nvPr/>
+      </p:nvGrpSpPr>
+      <p:grpSpPr/>
+      <p:pic>
+        <p:nvPicPr>
+          <p:cNvPr id="2" name="Picture 1" descr="template_pdf.jpg"/>
+          <p:cNvPicPr>
+            <a:picLocks noChangeAspect="1"/>
+          </p:cNvPicPr>
+          <p:nvPr/>
+        </p:nvPicPr>
+        <p:blipFill>
+          <a:blip r:embed="rId2"/>
+          <a:stretch>
+            <a:fillRect/>
+          </a:stretch>
+        </p:blipFill>
+        <p:spPr>
+          <a:xfrm>
+            <a:off x="0" y="0"/>
+            <a:ext cx="14400000" cy="7920000"/>
+          </a:xfrm>
+          <a:prstGeom prst="rect">
+            <a:avLst/>
+          </a:prstGeom>
+        </p:spPr>
+      </p:pic>
+      <p:sp>
+        <p:nvSpPr>
+          <p:cNvPr id="3" name="TextBox 2"/>
+          <p:cNvSpPr txBox="1"/>
+          <p:nvPr/>
+        </p:nvSpPr>
+        <p:spPr>
+          <a:xfrm>
+            <a:off x="0" y="180000"/>
+            <a:ext cx="15120000" cy="180000"/>
+          </a:xfrm>
+          <a:prstGeom prst="rect">
+            <a:avLst/>
+          </a:prstGeom>
+          <a:noFill/>
+        </p:spPr>
+        <p:txBody>
+          <a:bodyPr wrap="none">
+            <a:spAutoFit/>
+          </a:bodyPr>
+          <a:lstStyle/>
+          <a:p>
+            <a:pPr algn="ctr"/>
+            <a:r>
+              <a:rPr b="1" sz="1984">
+                <a:solidFill>
+                  <a:srgbClr val="FFFFFF"/>
+                </a:solidFill>
+                <a:latin typeface="Helvetica"/>
+              </a:rPr>
+              <a:t>Av. Mem De Sá, 72</a:t>
+            </a:r>
+          </a:p>
+        </p:txBody>
+      </p:sp>
+      <p:sp>
+        <p:nvSpPr>
+          <p:cNvPr id="4" name="TextBox 3"/>
+          <p:cNvSpPr txBox="1"/>
+          <p:nvPr/>
+        </p:nvSpPr>
+        <p:spPr>
+          <a:xfrm>
+            <a:off x="252000" y="4500000"/>
+            <a:ext cx="1080000" cy="180000"/>
+          </a:xfrm>
+          <a:prstGeom prst="rect">
+            <a:avLst/>
+          </a:prstGeom>
+          <a:noFill/>
+        </p:spPr>
+        <p:txBody>
+          <a:bodyPr wrap="none">
+            <a:spAutoFit/>
+          </a:bodyPr>
+          <a:lstStyle/>
+          <a:p>
+            <a:pPr algn="l"/>
+            <a:r>
+              <a:rPr b="1" sz="1417">
+                <a:latin typeface="Helvetica"/>
+              </a:rPr>
+              <a:t>Link inválido ou bloqueado pelo provedor.</a:t>
+            </a:r>
+          </a:p>
+        </p:txBody>
+      </p:sp>
+      <p:sp>
+        <p:nvSpPr>
+          <p:cNvPr id="5" name="TextBox 4"/>
+          <p:cNvSpPr txBox="1"/>
+          <p:nvPr/>
+        </p:nvSpPr>
+        <p:spPr>
+          <a:xfrm>
+            <a:off x="108000" y="7380000"/>
+            <a:ext cx="1080000" cy="180000"/>
+          </a:xfrm>
+          <a:prstGeom prst="rect">
+            <a:avLst/>
+          </a:prstGeom>
+          <a:noFill/>
+        </p:spPr>
+        <p:txBody>
+          <a:bodyPr wrap="none">
+            <a:spAutoFit/>
+          </a:bodyPr>
+          <a:lstStyle/>
+          <a:p>
+            <a:pPr algn="l"/>
+            <a:r>
+              <a:rPr b="1" sz="1417">
+                <a:latin typeface="Helvetica"/>
+              </a:rPr>
+              <a:t>Coordenadas:</a:t>
+            </a:r>
+          </a:p>
+        </p:txBody>
+      </p:sp>
+      <p:sp>
+        <p:nvSpPr>
+          <p:cNvPr id="6" name="TextBox 5"/>
+          <p:cNvSpPr txBox="1"/>
+          <p:nvPr/>
+        </p:nvSpPr>
+        <p:spPr>
+          <a:xfrm>
+            <a:off x="1458000" y="7380000"/>
+            <a:ext cx="1800000" cy="216000"/>
+          </a:xfrm>
+          <a:prstGeom prst="rect">
+            <a:avLst/>
+          </a:prstGeom>
+          <a:noFill/>
+        </p:spPr>
+        <p:txBody>
+          <a:bodyPr wrap="none">
+            <a:spAutoFit/>
+          </a:bodyPr>
+          <a:lstStyle/>
+          <a:p>
+            <a:pPr algn="l"/>
+            <a:r>
+              <a:rPr sz="1417">
+                <a:latin typeface="Helvetica"/>
+              </a:rPr>
+              <a:t>-22.91314  -43.181119</a:t>
+            </a:r>
+          </a:p>
+        </p:txBody>
+      </p:sp>
+      <p:sp>
+        <p:nvSpPr>
+          <p:cNvPr id="7" name="TextBox 6"/>
+          <p:cNvSpPr txBox="1"/>
+          <p:nvPr/>
+        </p:nvSpPr>
+        <p:spPr>
+          <a:xfrm>
+            <a:off x="6480000" y="7380000"/>
+            <a:ext cx="1080000" cy="180000"/>
+          </a:xfrm>
+          <a:prstGeom prst="rect">
+            <a:avLst/>
+          </a:prstGeom>
+          <a:noFill/>
+        </p:spPr>
+        <p:txBody>
+          <a:bodyPr wrap="none">
+            <a:spAutoFit/>
+          </a:bodyPr>
+          <a:lstStyle/>
+          <a:p>
+            <a:pPr algn="l"/>
+            <a:r>
+              <a:rPr b="1" sz="1417">
+                <a:latin typeface="Helvetica"/>
+              </a:rPr>
+              <a:t>Codigo:</a:t>
+            </a:r>
+          </a:p>
+        </p:txBody>
+      </p:sp>
+      <p:sp>
+        <p:nvSpPr>
+          <p:cNvPr id="8" name="TextBox 7"/>
+          <p:cNvSpPr txBox="1"/>
+          <p:nvPr/>
+        </p:nvSpPr>
+        <p:spPr>
+          <a:xfrm>
+            <a:off x="7272000" y="7380000"/>
+            <a:ext cx="1800000" cy="216000"/>
+          </a:xfrm>
+          <a:prstGeom prst="rect">
+            <a:avLst/>
+          </a:prstGeom>
+          <a:noFill/>
+        </p:spPr>
+        <p:txBody>
+          <a:bodyPr wrap="none">
+            <a:spAutoFit/>
+          </a:bodyPr>
+          <a:lstStyle/>
+          <a:p>
+            <a:pPr algn="l"/>
+            <a:r>
+              <a:rPr sz="1417">
+                <a:latin typeface="Helvetica"/>
+              </a:rPr>
+              <a:t>MEM143</a:t>
+            </a:r>
+          </a:p>
+        </p:txBody>
+      </p:sp>
+      <p:sp>
+        <p:nvSpPr>
+          <p:cNvPr id="9" name="TextBox 8"/>
+          <p:cNvSpPr txBox="1"/>
+          <p:nvPr/>
+        </p:nvSpPr>
+        <p:spPr>
+          <a:xfrm>
+            <a:off x="11340000" y="720000"/>
+            <a:ext cx="1080000" cy="216000"/>
+          </a:xfrm>
+          <a:prstGeom prst="rect">
+            <a:avLst/>
+          </a:prstGeom>
+          <a:noFill/>
+        </p:spPr>
+        <p:txBody>
+          <a:bodyPr wrap="none">
+            <a:spAutoFit/>
+          </a:bodyPr>
+          <a:lstStyle/>
+          <a:p>
+            <a:pPr algn="l"/>
+            <a:r>
+              <a:rPr b="1" sz="1417">
+                <a:latin typeface="Helvetica"/>
+              </a:rPr>
+              <a:t>Bairro</a:t>
+            </a:r>
+          </a:p>
+        </p:txBody>
+      </p:sp>
+      <p:sp>
+        <p:nvSpPr>
+          <p:cNvPr id="10" name="TextBox 9"/>
+          <p:cNvSpPr txBox="1"/>
+          <p:nvPr/>
+        </p:nvSpPr>
+        <p:spPr>
+          <a:xfrm>
+            <a:off x="11340000" y="972000"/>
+            <a:ext cx="1080000" cy="216000"/>
+          </a:xfrm>
+          <a:prstGeom prst="rect">
+            <a:avLst/>
+          </a:prstGeom>
+          <a:noFill/>
+        </p:spPr>
+        <p:txBody>
+          <a:bodyPr wrap="none">
+            <a:spAutoFit/>
+          </a:bodyPr>
+          <a:lstStyle/>
+          <a:p>
+            <a:pPr algn="l"/>
+            <a:r>
+              <a:rPr sz="1417">
+                <a:latin typeface="Helvetica"/>
+              </a:rPr>
+              <a:t>Lapa</a:t>
+            </a:r>
+          </a:p>
+        </p:txBody>
+      </p:sp>
+      <p:sp>
+        <p:nvSpPr>
+          <p:cNvPr id="11" name="TextBox 10"/>
+          <p:cNvSpPr txBox="1"/>
+          <p:nvPr/>
+        </p:nvSpPr>
+        <p:spPr>
+          <a:xfrm>
+            <a:off x="11340000" y="1440000"/>
+            <a:ext cx="1080000" cy="216000"/>
+          </a:xfrm>
+          <a:prstGeom prst="rect">
+            <a:avLst/>
+          </a:prstGeom>
+          <a:noFill/>
+        </p:spPr>
+        <p:txBody>
+          <a:bodyPr wrap="none">
+            <a:spAutoFit/>
+          </a:bodyPr>
+          <a:lstStyle/>
+          <a:p>
+            <a:pPr algn="l"/>
+            <a:r>
+              <a:rPr b="1" sz="1417">
+                <a:latin typeface="Helvetica"/>
+              </a:rPr>
+              <a:t>Cidade </a:t>
+            </a:r>
+          </a:p>
+        </p:txBody>
+      </p:sp>
+      <p:sp>
+        <p:nvSpPr>
+          <p:cNvPr id="12" name="TextBox 11"/>
+          <p:cNvSpPr txBox="1"/>
+          <p:nvPr/>
+        </p:nvSpPr>
+        <p:spPr>
+          <a:xfrm>
+            <a:off x="11340000" y="1692000"/>
+            <a:ext cx="1080000" cy="216000"/>
+          </a:xfrm>
+          <a:prstGeom prst="rect">
+            <a:avLst/>
+          </a:prstGeom>
+          <a:noFill/>
+        </p:spPr>
+        <p:txBody>
+          <a:bodyPr wrap="none">
+            <a:spAutoFit/>
+          </a:bodyPr>
+          <a:lstStyle/>
+          <a:p>
+            <a:pPr algn="l"/>
+            <a:r>
+              <a:rPr sz="1417">
+                <a:latin typeface="Helvetica"/>
+              </a:rPr>
+              <a:t>Rio de Janeiro</a:t>
+            </a:r>
+          </a:p>
+        </p:txBody>
+      </p:sp>
+      <p:sp>
+        <p:nvSpPr>
+          <p:cNvPr id="13" name="TextBox 12"/>
+          <p:cNvSpPr txBox="1"/>
+          <p:nvPr/>
+        </p:nvSpPr>
+        <p:spPr>
+          <a:xfrm>
+            <a:off x="11340000" y="2160000"/>
+            <a:ext cx="1080000" cy="216000"/>
+          </a:xfrm>
+          <a:prstGeom prst="rect">
+            <a:avLst/>
+          </a:prstGeom>
+          <a:noFill/>
+        </p:spPr>
+        <p:txBody>
+          <a:bodyPr wrap="none">
+            <a:spAutoFit/>
+          </a:bodyPr>
+          <a:lstStyle/>
+          <a:p>
+            <a:pPr algn="l"/>
+            <a:r>
+              <a:rPr b="1" sz="1417">
+                <a:latin typeface="Helvetica"/>
+              </a:rPr>
+              <a:t>Formato</a:t>
+            </a:r>
+          </a:p>
+        </p:txBody>
+      </p:sp>
+      <p:sp>
+        <p:nvSpPr>
+          <p:cNvPr id="14" name="TextBox 13"/>
+          <p:cNvSpPr txBox="1"/>
+          <p:nvPr/>
+        </p:nvSpPr>
+        <p:spPr>
+          <a:xfrm>
+            <a:off x="11340000" y="2412000"/>
+            <a:ext cx="1080000" cy="216000"/>
+          </a:xfrm>
+          <a:prstGeom prst="rect">
+            <a:avLst/>
+          </a:prstGeom>
+          <a:noFill/>
+        </p:spPr>
+        <p:txBody>
+          <a:bodyPr wrap="none">
+            <a:spAutoFit/>
+          </a:bodyPr>
+          <a:lstStyle/>
+          <a:p>
+            <a:pPr algn="l"/>
+            <a:r>
+              <a:rPr sz="1417">
+                <a:latin typeface="Helvetica"/>
+              </a:rPr>
+              <a:t>Banca2,40 x 1,70</a:t>
+            </a:r>
+          </a:p>
+        </p:txBody>
+      </p:sp>
+      <p:sp>
+        <p:nvSpPr>
+          <p:cNvPr id="15" name="TextBox 14"/>
+          <p:cNvSpPr txBox="1"/>
+          <p:nvPr/>
+        </p:nvSpPr>
+        <p:spPr>
+          <a:xfrm>
+            <a:off x="13680000" y="7326000"/>
+            <a:ext cx="360000" cy="360000"/>
+          </a:xfrm>
+          <a:prstGeom prst="rect">
+            <a:avLst/>
+          </a:prstGeom>
+          <a:noFill/>
+        </p:spPr>
+        <p:txBody>
+          <a:bodyPr wrap="none">
+            <a:spAutoFit/>
+          </a:bodyPr>
+          <a:lstStyle/>
+          <a:p>
+            <a:pPr algn="ctr"/>
+            <a:r>
+              <a:rPr b="1" sz="2267">
+                <a:solidFill>
+                  <a:srgbClr val="FFFFFF"/>
+                </a:solidFill>
+                <a:latin typeface="Helvetica"/>
+              </a:rPr>
+              <a:t>12</a:t>
+            </a:r>
+          </a:p>
+        </p:txBody>
+      </p:sp>
+    </p:spTree>
+  </p:cSld>
+  <p:clrMapOvr>
+    <a:masterClrMapping/>
+  </p:clrMapOvr>
+</p:sld>
+</file>
+
+<file path=ppt/slides/slide13.xml><?xml version="1.0" encoding="utf-8"?>
+<p:sld xmlns:a="http://schemas.openxmlformats.org/drawingml/2006/main" xmlns:p="http://schemas.openxmlformats.org/presentationml/2006/main" xmlns:r="http://schemas.openxmlformats.org/officeDocument/2006/relationships">
+  <p:cSld>
+    <p:spTree>
+      <p:nvGrpSpPr>
+        <p:cNvPr id="1" name=""/>
+        <p:cNvGrpSpPr/>
+        <p:nvPr/>
+      </p:nvGrpSpPr>
+      <p:grpSpPr/>
+      <p:pic>
+        <p:nvPicPr>
+          <p:cNvPr id="2" name="Picture 1" descr="template_pdf.jpg"/>
+          <p:cNvPicPr>
+            <a:picLocks noChangeAspect="1"/>
+          </p:cNvPicPr>
+          <p:nvPr/>
+        </p:nvPicPr>
+        <p:blipFill>
+          <a:blip r:embed="rId2"/>
+          <a:stretch>
+            <a:fillRect/>
+          </a:stretch>
+        </p:blipFill>
+        <p:spPr>
+          <a:xfrm>
+            <a:off x="0" y="0"/>
+            <a:ext cx="14400000" cy="7920000"/>
+          </a:xfrm>
+          <a:prstGeom prst="rect">
+            <a:avLst/>
+          </a:prstGeom>
+        </p:spPr>
+      </p:pic>
+      <p:sp>
+        <p:nvSpPr>
+          <p:cNvPr id="3" name="TextBox 2"/>
+          <p:cNvSpPr txBox="1"/>
+          <p:nvPr/>
+        </p:nvSpPr>
+        <p:spPr>
+          <a:xfrm>
+            <a:off x="0" y="180000"/>
+            <a:ext cx="15120000" cy="180000"/>
+          </a:xfrm>
+          <a:prstGeom prst="rect">
+            <a:avLst/>
+          </a:prstGeom>
+          <a:noFill/>
+        </p:spPr>
+        <p:txBody>
+          <a:bodyPr wrap="none">
+            <a:spAutoFit/>
+          </a:bodyPr>
+          <a:lstStyle/>
+          <a:p>
+            <a:pPr algn="ctr"/>
+            <a:r>
+              <a:rPr b="1" sz="1984">
+                <a:solidFill>
+                  <a:srgbClr val="FFFFFF"/>
+                </a:solidFill>
+                <a:latin typeface="Helvetica"/>
+              </a:rPr>
+              <a:t>Av. Mem De Sá Esq. Com Rua Dos Inválidos</a:t>
+            </a:r>
+          </a:p>
+        </p:txBody>
+      </p:sp>
+      <p:sp>
+        <p:nvSpPr>
+          <p:cNvPr id="4" name="TextBox 3"/>
+          <p:cNvSpPr txBox="1"/>
+          <p:nvPr/>
+        </p:nvSpPr>
+        <p:spPr>
+          <a:xfrm>
+            <a:off x="252000" y="4500000"/>
+            <a:ext cx="1080000" cy="180000"/>
+          </a:xfrm>
+          <a:prstGeom prst="rect">
+            <a:avLst/>
+          </a:prstGeom>
+          <a:noFill/>
+        </p:spPr>
+        <p:txBody>
+          <a:bodyPr wrap="none">
+            <a:spAutoFit/>
+          </a:bodyPr>
+          <a:lstStyle/>
+          <a:p>
+            <a:pPr algn="l"/>
+            <a:r>
+              <a:rPr b="1" sz="1417">
+                <a:latin typeface="Helvetica"/>
+              </a:rPr>
+              <a:t>Link inválido ou bloqueado pelo provedor.</a:t>
+            </a:r>
+          </a:p>
+        </p:txBody>
+      </p:sp>
+      <p:sp>
+        <p:nvSpPr>
+          <p:cNvPr id="5" name="TextBox 4"/>
+          <p:cNvSpPr txBox="1"/>
+          <p:nvPr/>
+        </p:nvSpPr>
+        <p:spPr>
+          <a:xfrm>
+            <a:off x="108000" y="7380000"/>
+            <a:ext cx="1080000" cy="180000"/>
+          </a:xfrm>
+          <a:prstGeom prst="rect">
+            <a:avLst/>
+          </a:prstGeom>
+          <a:noFill/>
+        </p:spPr>
+        <p:txBody>
+          <a:bodyPr wrap="none">
+            <a:spAutoFit/>
+          </a:bodyPr>
+          <a:lstStyle/>
+          <a:p>
+            <a:pPr algn="l"/>
+            <a:r>
+              <a:rPr b="1" sz="1417">
+                <a:latin typeface="Helvetica"/>
+              </a:rPr>
+              <a:t>Coordenadas:</a:t>
+            </a:r>
+          </a:p>
+        </p:txBody>
+      </p:sp>
+      <p:sp>
+        <p:nvSpPr>
+          <p:cNvPr id="6" name="TextBox 5"/>
+          <p:cNvSpPr txBox="1"/>
+          <p:nvPr/>
+        </p:nvSpPr>
+        <p:spPr>
+          <a:xfrm>
+            <a:off x="1458000" y="7380000"/>
+            <a:ext cx="1800000" cy="216000"/>
+          </a:xfrm>
+          <a:prstGeom prst="rect">
+            <a:avLst/>
+          </a:prstGeom>
+          <a:noFill/>
+        </p:spPr>
+        <p:txBody>
+          <a:bodyPr wrap="none">
+            <a:spAutoFit/>
+          </a:bodyPr>
+          <a:lstStyle/>
+          <a:p>
+            <a:pPr algn="l"/>
+            <a:r>
+              <a:rPr sz="1417">
+                <a:latin typeface="Helvetica"/>
+              </a:rPr>
+              <a:t>-22.912556  -43.184618</a:t>
+            </a:r>
+          </a:p>
+        </p:txBody>
+      </p:sp>
+      <p:sp>
+        <p:nvSpPr>
+          <p:cNvPr id="7" name="TextBox 6"/>
+          <p:cNvSpPr txBox="1"/>
+          <p:nvPr/>
+        </p:nvSpPr>
+        <p:spPr>
+          <a:xfrm>
+            <a:off x="6480000" y="7380000"/>
+            <a:ext cx="1080000" cy="180000"/>
+          </a:xfrm>
+          <a:prstGeom prst="rect">
+            <a:avLst/>
+          </a:prstGeom>
+          <a:noFill/>
+        </p:spPr>
+        <p:txBody>
+          <a:bodyPr wrap="none">
+            <a:spAutoFit/>
+          </a:bodyPr>
+          <a:lstStyle/>
+          <a:p>
+            <a:pPr algn="l"/>
+            <a:r>
+              <a:rPr b="1" sz="1417">
+                <a:latin typeface="Helvetica"/>
+              </a:rPr>
+              <a:t>Codigo:</a:t>
+            </a:r>
+          </a:p>
+        </p:txBody>
+      </p:sp>
+      <p:sp>
+        <p:nvSpPr>
+          <p:cNvPr id="8" name="TextBox 7"/>
+          <p:cNvSpPr txBox="1"/>
+          <p:nvPr/>
+        </p:nvSpPr>
+        <p:spPr>
+          <a:xfrm>
+            <a:off x="7272000" y="7380000"/>
+            <a:ext cx="1800000" cy="216000"/>
+          </a:xfrm>
+          <a:prstGeom prst="rect">
+            <a:avLst/>
+          </a:prstGeom>
+          <a:noFill/>
+        </p:spPr>
+        <p:txBody>
+          <a:bodyPr wrap="none">
+            <a:spAutoFit/>
+          </a:bodyPr>
+          <a:lstStyle/>
+          <a:p>
+            <a:pPr algn="l"/>
+            <a:r>
+              <a:rPr sz="1417">
+                <a:latin typeface="Helvetica"/>
+              </a:rPr>
+              <a:t>MEM24</a:t>
+            </a:r>
+          </a:p>
+        </p:txBody>
+      </p:sp>
+      <p:sp>
+        <p:nvSpPr>
+          <p:cNvPr id="9" name="TextBox 8"/>
+          <p:cNvSpPr txBox="1"/>
+          <p:nvPr/>
+        </p:nvSpPr>
+        <p:spPr>
+          <a:xfrm>
+            <a:off x="11340000" y="720000"/>
+            <a:ext cx="1080000" cy="216000"/>
+          </a:xfrm>
+          <a:prstGeom prst="rect">
+            <a:avLst/>
+          </a:prstGeom>
+          <a:noFill/>
+        </p:spPr>
+        <p:txBody>
+          <a:bodyPr wrap="none">
+            <a:spAutoFit/>
+          </a:bodyPr>
+          <a:lstStyle/>
+          <a:p>
+            <a:pPr algn="l"/>
+            <a:r>
+              <a:rPr b="1" sz="1417">
+                <a:latin typeface="Helvetica"/>
+              </a:rPr>
+              <a:t>Bairro</a:t>
+            </a:r>
+          </a:p>
+        </p:txBody>
+      </p:sp>
+      <p:sp>
+        <p:nvSpPr>
+          <p:cNvPr id="10" name="TextBox 9"/>
+          <p:cNvSpPr txBox="1"/>
+          <p:nvPr/>
+        </p:nvSpPr>
+        <p:spPr>
+          <a:xfrm>
+            <a:off x="11340000" y="972000"/>
+            <a:ext cx="1080000" cy="216000"/>
+          </a:xfrm>
+          <a:prstGeom prst="rect">
+            <a:avLst/>
+          </a:prstGeom>
+          <a:noFill/>
+        </p:spPr>
+        <p:txBody>
+          <a:bodyPr wrap="none">
+            <a:spAutoFit/>
+          </a:bodyPr>
+          <a:lstStyle/>
+          <a:p>
+            <a:pPr algn="l"/>
+            <a:r>
+              <a:rPr sz="1417">
+                <a:latin typeface="Helvetica"/>
+              </a:rPr>
+              <a:t>Lapa</a:t>
+            </a:r>
+          </a:p>
+        </p:txBody>
+      </p:sp>
+      <p:sp>
+        <p:nvSpPr>
+          <p:cNvPr id="11" name="TextBox 10"/>
+          <p:cNvSpPr txBox="1"/>
+          <p:nvPr/>
+        </p:nvSpPr>
+        <p:spPr>
+          <a:xfrm>
+            <a:off x="11340000" y="1440000"/>
+            <a:ext cx="1080000" cy="216000"/>
+          </a:xfrm>
+          <a:prstGeom prst="rect">
+            <a:avLst/>
+          </a:prstGeom>
+          <a:noFill/>
+        </p:spPr>
+        <p:txBody>
+          <a:bodyPr wrap="none">
+            <a:spAutoFit/>
+          </a:bodyPr>
+          <a:lstStyle/>
+          <a:p>
+            <a:pPr algn="l"/>
+            <a:r>
+              <a:rPr b="1" sz="1417">
+                <a:latin typeface="Helvetica"/>
+              </a:rPr>
+              <a:t>Cidade </a:t>
+            </a:r>
+          </a:p>
+        </p:txBody>
+      </p:sp>
+      <p:sp>
+        <p:nvSpPr>
+          <p:cNvPr id="12" name="TextBox 11"/>
+          <p:cNvSpPr txBox="1"/>
+          <p:nvPr/>
+        </p:nvSpPr>
+        <p:spPr>
+          <a:xfrm>
+            <a:off x="11340000" y="1692000"/>
+            <a:ext cx="1080000" cy="216000"/>
+          </a:xfrm>
+          <a:prstGeom prst="rect">
+            <a:avLst/>
+          </a:prstGeom>
+          <a:noFill/>
+        </p:spPr>
+        <p:txBody>
+          <a:bodyPr wrap="none">
+            <a:spAutoFit/>
+          </a:bodyPr>
+          <a:lstStyle/>
+          <a:p>
+            <a:pPr algn="l"/>
+            <a:r>
+              <a:rPr sz="1417">
+                <a:latin typeface="Helvetica"/>
+              </a:rPr>
+              <a:t>Rio de Janeiro</a:t>
+            </a:r>
+          </a:p>
+        </p:txBody>
+      </p:sp>
+      <p:sp>
+        <p:nvSpPr>
+          <p:cNvPr id="13" name="TextBox 12"/>
+          <p:cNvSpPr txBox="1"/>
+          <p:nvPr/>
+        </p:nvSpPr>
+        <p:spPr>
+          <a:xfrm>
+            <a:off x="11340000" y="2160000"/>
+            <a:ext cx="1080000" cy="216000"/>
+          </a:xfrm>
+          <a:prstGeom prst="rect">
+            <a:avLst/>
+          </a:prstGeom>
+          <a:noFill/>
+        </p:spPr>
+        <p:txBody>
+          <a:bodyPr wrap="none">
+            <a:spAutoFit/>
+          </a:bodyPr>
+          <a:lstStyle/>
+          <a:p>
+            <a:pPr algn="l"/>
+            <a:r>
+              <a:rPr b="1" sz="1417">
+                <a:latin typeface="Helvetica"/>
+              </a:rPr>
+              <a:t>Formato</a:t>
+            </a:r>
+          </a:p>
+        </p:txBody>
+      </p:sp>
+      <p:sp>
+        <p:nvSpPr>
+          <p:cNvPr id="14" name="TextBox 13"/>
+          <p:cNvSpPr txBox="1"/>
+          <p:nvPr/>
+        </p:nvSpPr>
+        <p:spPr>
+          <a:xfrm>
+            <a:off x="11340000" y="2412000"/>
+            <a:ext cx="1080000" cy="216000"/>
+          </a:xfrm>
+          <a:prstGeom prst="rect">
+            <a:avLst/>
+          </a:prstGeom>
+          <a:noFill/>
+        </p:spPr>
+        <p:txBody>
+          <a:bodyPr wrap="none">
+            <a:spAutoFit/>
+          </a:bodyPr>
+          <a:lstStyle/>
+          <a:p>
+            <a:pPr algn="l"/>
+            <a:r>
+              <a:rPr sz="1417">
+                <a:latin typeface="Helvetica"/>
+              </a:rPr>
+              <a:t>Banca3,02 x 1,87</a:t>
+            </a:r>
+          </a:p>
+        </p:txBody>
+      </p:sp>
+      <p:sp>
+        <p:nvSpPr>
+          <p:cNvPr id="15" name="TextBox 14"/>
+          <p:cNvSpPr txBox="1"/>
+          <p:nvPr/>
+        </p:nvSpPr>
+        <p:spPr>
+          <a:xfrm>
+            <a:off x="13680000" y="7326000"/>
+            <a:ext cx="360000" cy="360000"/>
+          </a:xfrm>
+          <a:prstGeom prst="rect">
+            <a:avLst/>
+          </a:prstGeom>
+          <a:noFill/>
+        </p:spPr>
+        <p:txBody>
+          <a:bodyPr wrap="none">
+            <a:spAutoFit/>
+          </a:bodyPr>
+          <a:lstStyle/>
+          <a:p>
+            <a:pPr algn="ctr"/>
+            <a:r>
+              <a:rPr b="1" sz="2267">
+                <a:solidFill>
+                  <a:srgbClr val="FFFFFF"/>
+                </a:solidFill>
+                <a:latin typeface="Helvetica"/>
+              </a:rPr>
+              <a:t>13</a:t>
+            </a:r>
+          </a:p>
+        </p:txBody>
+      </p:sp>
+    </p:spTree>
+  </p:cSld>
+  <p:clrMapOvr>
+    <a:masterClrMapping/>
+  </p:clrMapOvr>
+</p:sld>
+</file>
+
+<file path=ppt/slides/slide14.xml><?xml version="1.0" encoding="utf-8"?>
+<p:sld xmlns:a="http://schemas.openxmlformats.org/drawingml/2006/main" xmlns:p="http://schemas.openxmlformats.org/presentationml/2006/main" xmlns:r="http://schemas.openxmlformats.org/officeDocument/2006/relationships">
+  <p:cSld>
+    <p:spTree>
+      <p:nvGrpSpPr>
+        <p:cNvPr id="1" name=""/>
+        <p:cNvGrpSpPr/>
+        <p:nvPr/>
+      </p:nvGrpSpPr>
+      <p:grpSpPr/>
+      <p:pic>
+        <p:nvPicPr>
+          <p:cNvPr id="2" name="Picture 1" descr="template_pdf.jpg"/>
+          <p:cNvPicPr>
+            <a:picLocks noChangeAspect="1"/>
+          </p:cNvPicPr>
+          <p:nvPr/>
+        </p:nvPicPr>
+        <p:blipFill>
+          <a:blip r:embed="rId2"/>
+          <a:stretch>
+            <a:fillRect/>
+          </a:stretch>
+        </p:blipFill>
+        <p:spPr>
+          <a:xfrm>
+            <a:off x="0" y="0"/>
+            <a:ext cx="14400000" cy="7920000"/>
+          </a:xfrm>
+          <a:prstGeom prst="rect">
+            <a:avLst/>
+          </a:prstGeom>
+        </p:spPr>
+      </p:pic>
+      <p:sp>
+        <p:nvSpPr>
+          <p:cNvPr id="3" name="TextBox 2"/>
+          <p:cNvSpPr txBox="1"/>
+          <p:nvPr/>
+        </p:nvSpPr>
+        <p:spPr>
+          <a:xfrm>
+            <a:off x="0" y="180000"/>
+            <a:ext cx="15120000" cy="180000"/>
+          </a:xfrm>
+          <a:prstGeom prst="rect">
+            <a:avLst/>
+          </a:prstGeom>
+          <a:noFill/>
+        </p:spPr>
+        <p:txBody>
+          <a:bodyPr wrap="none">
+            <a:spAutoFit/>
+          </a:bodyPr>
+          <a:lstStyle/>
+          <a:p>
+            <a:pPr algn="ctr"/>
+            <a:r>
+              <a:rPr b="1" sz="1984">
+                <a:solidFill>
+                  <a:srgbClr val="FFFFFF"/>
+                </a:solidFill>
+                <a:latin typeface="Helvetica"/>
+              </a:rPr>
+              <a:t>Rua Do Senado, 230</a:t>
+            </a:r>
+          </a:p>
+        </p:txBody>
+      </p:sp>
+      <p:sp>
+        <p:nvSpPr>
+          <p:cNvPr id="4" name="TextBox 3"/>
+          <p:cNvSpPr txBox="1"/>
+          <p:nvPr/>
+        </p:nvSpPr>
+        <p:spPr>
+          <a:xfrm>
+            <a:off x="252000" y="4500000"/>
+            <a:ext cx="1080000" cy="180000"/>
+          </a:xfrm>
+          <a:prstGeom prst="rect">
+            <a:avLst/>
+          </a:prstGeom>
+          <a:noFill/>
+        </p:spPr>
+        <p:txBody>
+          <a:bodyPr wrap="none">
+            <a:spAutoFit/>
+          </a:bodyPr>
+          <a:lstStyle/>
+          <a:p>
+            <a:pPr algn="l"/>
+            <a:r>
+              <a:rPr b="1" sz="1417">
+                <a:latin typeface="Helvetica"/>
+              </a:rPr>
+              <a:t>Link inválido ou bloqueado pelo provedor.</a:t>
+            </a:r>
+          </a:p>
+        </p:txBody>
+      </p:sp>
+      <p:sp>
+        <p:nvSpPr>
+          <p:cNvPr id="5" name="TextBox 4"/>
+          <p:cNvSpPr txBox="1"/>
+          <p:nvPr/>
+        </p:nvSpPr>
+        <p:spPr>
+          <a:xfrm>
+            <a:off x="108000" y="7380000"/>
+            <a:ext cx="1080000" cy="180000"/>
+          </a:xfrm>
+          <a:prstGeom prst="rect">
+            <a:avLst/>
+          </a:prstGeom>
+          <a:noFill/>
+        </p:spPr>
+        <p:txBody>
+          <a:bodyPr wrap="none">
+            <a:spAutoFit/>
+          </a:bodyPr>
+          <a:lstStyle/>
+          <a:p>
+            <a:pPr algn="l"/>
+            <a:r>
+              <a:rPr b="1" sz="1417">
+                <a:latin typeface="Helvetica"/>
+              </a:rPr>
+              <a:t>Coordenadas:</a:t>
+            </a:r>
+          </a:p>
+        </p:txBody>
+      </p:sp>
+      <p:sp>
+        <p:nvSpPr>
+          <p:cNvPr id="6" name="TextBox 5"/>
+          <p:cNvSpPr txBox="1"/>
+          <p:nvPr/>
+        </p:nvSpPr>
+        <p:spPr>
+          <a:xfrm>
+            <a:off x="1458000" y="7380000"/>
+            <a:ext cx="1800000" cy="216000"/>
+          </a:xfrm>
+          <a:prstGeom prst="rect">
+            <a:avLst/>
+          </a:prstGeom>
+          <a:noFill/>
+        </p:spPr>
+        <p:txBody>
+          <a:bodyPr wrap="none">
+            <a:spAutoFit/>
+          </a:bodyPr>
+          <a:lstStyle/>
+          <a:p>
+            <a:pPr algn="l"/>
+            <a:r>
+              <a:rPr sz="1417">
+                <a:latin typeface="Helvetica"/>
+              </a:rPr>
+              <a:t>-22.91054  -43.189515</a:t>
+            </a:r>
+          </a:p>
+        </p:txBody>
+      </p:sp>
+      <p:sp>
+        <p:nvSpPr>
+          <p:cNvPr id="7" name="TextBox 6"/>
+          <p:cNvSpPr txBox="1"/>
+          <p:nvPr/>
+        </p:nvSpPr>
+        <p:spPr>
+          <a:xfrm>
+            <a:off x="6480000" y="7380000"/>
+            <a:ext cx="1080000" cy="180000"/>
+          </a:xfrm>
+          <a:prstGeom prst="rect">
+            <a:avLst/>
+          </a:prstGeom>
+          <a:noFill/>
+        </p:spPr>
+        <p:txBody>
+          <a:bodyPr wrap="none">
+            <a:spAutoFit/>
+          </a:bodyPr>
+          <a:lstStyle/>
+          <a:p>
+            <a:pPr algn="l"/>
+            <a:r>
+              <a:rPr b="1" sz="1417">
+                <a:latin typeface="Helvetica"/>
+              </a:rPr>
+              <a:t>Codigo:</a:t>
+            </a:r>
+          </a:p>
+        </p:txBody>
+      </p:sp>
+      <p:sp>
+        <p:nvSpPr>
+          <p:cNvPr id="8" name="TextBox 7"/>
+          <p:cNvSpPr txBox="1"/>
+          <p:nvPr/>
+        </p:nvSpPr>
+        <p:spPr>
+          <a:xfrm>
+            <a:off x="7272000" y="7380000"/>
+            <a:ext cx="1800000" cy="216000"/>
+          </a:xfrm>
+          <a:prstGeom prst="rect">
+            <a:avLst/>
+          </a:prstGeom>
+          <a:noFill/>
+        </p:spPr>
+        <p:txBody>
+          <a:bodyPr wrap="none">
+            <a:spAutoFit/>
+          </a:bodyPr>
+          <a:lstStyle/>
+          <a:p>
+            <a:pPr algn="l"/>
+            <a:r>
+              <a:rPr sz="1417">
+                <a:latin typeface="Helvetica"/>
+              </a:rPr>
+              <a:t>MEM26</a:t>
+            </a:r>
+          </a:p>
+        </p:txBody>
+      </p:sp>
+      <p:sp>
+        <p:nvSpPr>
+          <p:cNvPr id="9" name="TextBox 8"/>
+          <p:cNvSpPr txBox="1"/>
+          <p:nvPr/>
+        </p:nvSpPr>
+        <p:spPr>
+          <a:xfrm>
+            <a:off x="11340000" y="720000"/>
+            <a:ext cx="1080000" cy="216000"/>
+          </a:xfrm>
+          <a:prstGeom prst="rect">
+            <a:avLst/>
+          </a:prstGeom>
+          <a:noFill/>
+        </p:spPr>
+        <p:txBody>
+          <a:bodyPr wrap="none">
+            <a:spAutoFit/>
+          </a:bodyPr>
+          <a:lstStyle/>
+          <a:p>
+            <a:pPr algn="l"/>
+            <a:r>
+              <a:rPr b="1" sz="1417">
+                <a:latin typeface="Helvetica"/>
+              </a:rPr>
+              <a:t>Bairro</a:t>
+            </a:r>
+          </a:p>
+        </p:txBody>
+      </p:sp>
+      <p:sp>
+        <p:nvSpPr>
+          <p:cNvPr id="10" name="TextBox 9"/>
+          <p:cNvSpPr txBox="1"/>
+          <p:nvPr/>
+        </p:nvSpPr>
+        <p:spPr>
+          <a:xfrm>
+            <a:off x="11340000" y="972000"/>
+            <a:ext cx="1080000" cy="216000"/>
+          </a:xfrm>
+          <a:prstGeom prst="rect">
+            <a:avLst/>
+          </a:prstGeom>
+          <a:noFill/>
+        </p:spPr>
+        <p:txBody>
+          <a:bodyPr wrap="none">
+            <a:spAutoFit/>
+          </a:bodyPr>
+          <a:lstStyle/>
+          <a:p>
+            <a:pPr algn="l"/>
+            <a:r>
+              <a:rPr sz="1417">
+                <a:latin typeface="Helvetica"/>
+              </a:rPr>
+              <a:t>Lapa</a:t>
+            </a:r>
+          </a:p>
+        </p:txBody>
+      </p:sp>
+      <p:sp>
+        <p:nvSpPr>
+          <p:cNvPr id="11" name="TextBox 10"/>
+          <p:cNvSpPr txBox="1"/>
+          <p:nvPr/>
+        </p:nvSpPr>
+        <p:spPr>
+          <a:xfrm>
+            <a:off x="11340000" y="1440000"/>
+            <a:ext cx="1080000" cy="216000"/>
+          </a:xfrm>
+          <a:prstGeom prst="rect">
+            <a:avLst/>
+          </a:prstGeom>
+          <a:noFill/>
+        </p:spPr>
+        <p:txBody>
+          <a:bodyPr wrap="none">
+            <a:spAutoFit/>
+          </a:bodyPr>
+          <a:lstStyle/>
+          <a:p>
+            <a:pPr algn="l"/>
+            <a:r>
+              <a:rPr b="1" sz="1417">
+                <a:latin typeface="Helvetica"/>
+              </a:rPr>
+              <a:t>Cidade </a:t>
+            </a:r>
+          </a:p>
+        </p:txBody>
+      </p:sp>
+      <p:sp>
+        <p:nvSpPr>
+          <p:cNvPr id="12" name="TextBox 11"/>
+          <p:cNvSpPr txBox="1"/>
+          <p:nvPr/>
+        </p:nvSpPr>
+        <p:spPr>
+          <a:xfrm>
+            <a:off x="11340000" y="1692000"/>
+            <a:ext cx="1080000" cy="216000"/>
+          </a:xfrm>
+          <a:prstGeom prst="rect">
+            <a:avLst/>
+          </a:prstGeom>
+          <a:noFill/>
+        </p:spPr>
+        <p:txBody>
+          <a:bodyPr wrap="none">
+            <a:spAutoFit/>
+          </a:bodyPr>
+          <a:lstStyle/>
+          <a:p>
+            <a:pPr algn="l"/>
+            <a:r>
+              <a:rPr sz="1417">
+                <a:latin typeface="Helvetica"/>
+              </a:rPr>
+              <a:t>Rio de Janeiro</a:t>
+            </a:r>
+          </a:p>
+        </p:txBody>
+      </p:sp>
+      <p:sp>
+        <p:nvSpPr>
+          <p:cNvPr id="13" name="TextBox 12"/>
+          <p:cNvSpPr txBox="1"/>
+          <p:nvPr/>
+        </p:nvSpPr>
+        <p:spPr>
+          <a:xfrm>
+            <a:off x="11340000" y="2160000"/>
+            <a:ext cx="1080000" cy="216000"/>
+          </a:xfrm>
+          <a:prstGeom prst="rect">
+            <a:avLst/>
+          </a:prstGeom>
+          <a:noFill/>
+        </p:spPr>
+        <p:txBody>
+          <a:bodyPr wrap="none">
+            <a:spAutoFit/>
+          </a:bodyPr>
+          <a:lstStyle/>
+          <a:p>
+            <a:pPr algn="l"/>
+            <a:r>
+              <a:rPr b="1" sz="1417">
+                <a:latin typeface="Helvetica"/>
+              </a:rPr>
+              <a:t>Formato</a:t>
+            </a:r>
+          </a:p>
+        </p:txBody>
+      </p:sp>
+      <p:sp>
+        <p:nvSpPr>
+          <p:cNvPr id="14" name="TextBox 13"/>
+          <p:cNvSpPr txBox="1"/>
+          <p:nvPr/>
+        </p:nvSpPr>
+        <p:spPr>
+          <a:xfrm>
+            <a:off x="11340000" y="2412000"/>
+            <a:ext cx="1080000" cy="216000"/>
+          </a:xfrm>
+          <a:prstGeom prst="rect">
+            <a:avLst/>
+          </a:prstGeom>
+          <a:noFill/>
+        </p:spPr>
+        <p:txBody>
+          <a:bodyPr wrap="none">
+            <a:spAutoFit/>
+          </a:bodyPr>
+          <a:lstStyle/>
+          <a:p>
+            <a:pPr algn="l"/>
+            <a:r>
+              <a:rPr sz="1417">
+                <a:latin typeface="Helvetica"/>
+              </a:rPr>
+              <a:t>Banca2,30 x 1,40</a:t>
+            </a:r>
+          </a:p>
+        </p:txBody>
+      </p:sp>
+      <p:sp>
+        <p:nvSpPr>
+          <p:cNvPr id="15" name="TextBox 14"/>
+          <p:cNvSpPr txBox="1"/>
+          <p:nvPr/>
+        </p:nvSpPr>
+        <p:spPr>
+          <a:xfrm>
+            <a:off x="13680000" y="7326000"/>
+            <a:ext cx="360000" cy="360000"/>
+          </a:xfrm>
+          <a:prstGeom prst="rect">
+            <a:avLst/>
+          </a:prstGeom>
+          <a:noFill/>
+        </p:spPr>
+        <p:txBody>
+          <a:bodyPr wrap="none">
+            <a:spAutoFit/>
+          </a:bodyPr>
+          <a:lstStyle/>
+          <a:p>
+            <a:pPr algn="ctr"/>
+            <a:r>
+              <a:rPr b="1" sz="2267">
+                <a:solidFill>
+                  <a:srgbClr val="FFFFFF"/>
+                </a:solidFill>
+                <a:latin typeface="Helvetica"/>
+              </a:rPr>
+              <a:t>14</a:t>
+            </a:r>
+          </a:p>
+        </p:txBody>
+      </p:sp>
+    </p:spTree>
+  </p:cSld>
+  <p:clrMapOvr>
+    <a:masterClrMapping/>
+  </p:clrMapOvr>
+</p:sld>
+</file>
+
+<file path=ppt/slides/slide15.xml><?xml version="1.0" encoding="utf-8"?>
+<p:sld xmlns:a="http://schemas.openxmlformats.org/drawingml/2006/main" xmlns:p="http://schemas.openxmlformats.org/presentationml/2006/main" xmlns:r="http://schemas.openxmlformats.org/officeDocument/2006/relationships">
+  <p:cSld>
+    <p:spTree>
+      <p:nvGrpSpPr>
+        <p:cNvPr id="1" name=""/>
+        <p:cNvGrpSpPr/>
+        <p:nvPr/>
+      </p:nvGrpSpPr>
+      <p:grpSpPr/>
+      <p:pic>
+        <p:nvPicPr>
+          <p:cNvPr id="2" name="Picture 1" descr="template_pdf.jpg"/>
+          <p:cNvPicPr>
+            <a:picLocks noChangeAspect="1"/>
+          </p:cNvPicPr>
+          <p:nvPr/>
+        </p:nvPicPr>
+        <p:blipFill>
+          <a:blip r:embed="rId2"/>
+          <a:stretch>
+            <a:fillRect/>
+          </a:stretch>
+        </p:blipFill>
+        <p:spPr>
+          <a:xfrm>
+            <a:off x="0" y="0"/>
+            <a:ext cx="14400000" cy="7920000"/>
+          </a:xfrm>
+          <a:prstGeom prst="rect">
+            <a:avLst/>
+          </a:prstGeom>
+        </p:spPr>
+      </p:pic>
+      <p:sp>
+        <p:nvSpPr>
+          <p:cNvPr id="3" name="TextBox 2"/>
+          <p:cNvSpPr txBox="1"/>
+          <p:nvPr/>
+        </p:nvSpPr>
+        <p:spPr>
+          <a:xfrm>
+            <a:off x="0" y="180000"/>
+            <a:ext cx="15120000" cy="180000"/>
+          </a:xfrm>
+          <a:prstGeom prst="rect">
+            <a:avLst/>
+          </a:prstGeom>
+          <a:noFill/>
+        </p:spPr>
+        <p:txBody>
+          <a:bodyPr wrap="none">
+            <a:spAutoFit/>
+          </a:bodyPr>
+          <a:lstStyle/>
+          <a:p>
+            <a:pPr algn="ctr"/>
+            <a:r>
+              <a:rPr b="1" sz="1984">
+                <a:solidFill>
+                  <a:srgbClr val="FFFFFF"/>
+                </a:solidFill>
+                <a:latin typeface="Helvetica"/>
+              </a:rPr>
+              <a:t>Rua Tadeu Kosciusko Esq. Com Rua Do Riachuelo</a:t>
+            </a:r>
+          </a:p>
+        </p:txBody>
+      </p:sp>
+      <p:sp>
+        <p:nvSpPr>
+          <p:cNvPr id="4" name="TextBox 3"/>
+          <p:cNvSpPr txBox="1"/>
+          <p:nvPr/>
+        </p:nvSpPr>
+        <p:spPr>
+          <a:xfrm>
+            <a:off x="252000" y="4500000"/>
+            <a:ext cx="1080000" cy="180000"/>
+          </a:xfrm>
+          <a:prstGeom prst="rect">
+            <a:avLst/>
+          </a:prstGeom>
+          <a:noFill/>
+        </p:spPr>
+        <p:txBody>
+          <a:bodyPr wrap="none">
+            <a:spAutoFit/>
+          </a:bodyPr>
+          <a:lstStyle/>
+          <a:p>
+            <a:pPr algn="l"/>
+            <a:r>
+              <a:rPr b="1" sz="1417">
+                <a:latin typeface="Helvetica"/>
+              </a:rPr>
+              <a:t>Link inválido ou bloqueado pelo provedor.</a:t>
+            </a:r>
+          </a:p>
+        </p:txBody>
+      </p:sp>
+      <p:sp>
+        <p:nvSpPr>
+          <p:cNvPr id="5" name="TextBox 4"/>
+          <p:cNvSpPr txBox="1"/>
+          <p:nvPr/>
+        </p:nvSpPr>
+        <p:spPr>
+          <a:xfrm>
+            <a:off x="108000" y="7380000"/>
+            <a:ext cx="1080000" cy="180000"/>
+          </a:xfrm>
+          <a:prstGeom prst="rect">
+            <a:avLst/>
+          </a:prstGeom>
+          <a:noFill/>
+        </p:spPr>
+        <p:txBody>
+          <a:bodyPr wrap="none">
+            <a:spAutoFit/>
+          </a:bodyPr>
+          <a:lstStyle/>
+          <a:p>
+            <a:pPr algn="l"/>
+            <a:r>
+              <a:rPr b="1" sz="1417">
+                <a:latin typeface="Helvetica"/>
+              </a:rPr>
+              <a:t>Coordenadas:</a:t>
+            </a:r>
+          </a:p>
+        </p:txBody>
+      </p:sp>
+      <p:sp>
+        <p:nvSpPr>
+          <p:cNvPr id="6" name="TextBox 5"/>
+          <p:cNvSpPr txBox="1"/>
+          <p:nvPr/>
+        </p:nvSpPr>
+        <p:spPr>
+          <a:xfrm>
+            <a:off x="1458000" y="7380000"/>
+            <a:ext cx="1800000" cy="216000"/>
+          </a:xfrm>
+          <a:prstGeom prst="rect">
+            <a:avLst/>
+          </a:prstGeom>
+          <a:noFill/>
+        </p:spPr>
+        <p:txBody>
+          <a:bodyPr wrap="none">
+            <a:spAutoFit/>
+          </a:bodyPr>
+          <a:lstStyle/>
+          <a:p>
+            <a:pPr algn="l"/>
+            <a:r>
+              <a:rPr sz="1417">
+                <a:latin typeface="Helvetica"/>
+              </a:rPr>
+              <a:t>-22.914859  -43.188481</a:t>
+            </a:r>
+          </a:p>
+        </p:txBody>
+      </p:sp>
+      <p:sp>
+        <p:nvSpPr>
+          <p:cNvPr id="7" name="TextBox 6"/>
+          <p:cNvSpPr txBox="1"/>
+          <p:nvPr/>
+        </p:nvSpPr>
+        <p:spPr>
+          <a:xfrm>
+            <a:off x="6480000" y="7380000"/>
+            <a:ext cx="1080000" cy="180000"/>
+          </a:xfrm>
+          <a:prstGeom prst="rect">
+            <a:avLst/>
+          </a:prstGeom>
+          <a:noFill/>
+        </p:spPr>
+        <p:txBody>
+          <a:bodyPr wrap="none">
+            <a:spAutoFit/>
+          </a:bodyPr>
+          <a:lstStyle/>
+          <a:p>
+            <a:pPr algn="l"/>
+            <a:r>
+              <a:rPr b="1" sz="1417">
+                <a:latin typeface="Helvetica"/>
+              </a:rPr>
+              <a:t>Codigo:</a:t>
+            </a:r>
+          </a:p>
+        </p:txBody>
+      </p:sp>
+      <p:sp>
+        <p:nvSpPr>
+          <p:cNvPr id="8" name="TextBox 7"/>
+          <p:cNvSpPr txBox="1"/>
+          <p:nvPr/>
+        </p:nvSpPr>
+        <p:spPr>
+          <a:xfrm>
+            <a:off x="7272000" y="7380000"/>
+            <a:ext cx="1800000" cy="216000"/>
+          </a:xfrm>
+          <a:prstGeom prst="rect">
+            <a:avLst/>
+          </a:prstGeom>
+          <a:noFill/>
+        </p:spPr>
+        <p:txBody>
+          <a:bodyPr wrap="none">
+            <a:spAutoFit/>
+          </a:bodyPr>
+          <a:lstStyle/>
+          <a:p>
+            <a:pPr algn="l"/>
+            <a:r>
+              <a:rPr sz="1417">
+                <a:latin typeface="Helvetica"/>
+              </a:rPr>
+              <a:t>MEM27</a:t>
+            </a:r>
+          </a:p>
+        </p:txBody>
+      </p:sp>
+      <p:sp>
+        <p:nvSpPr>
+          <p:cNvPr id="9" name="TextBox 8"/>
+          <p:cNvSpPr txBox="1"/>
+          <p:nvPr/>
+        </p:nvSpPr>
+        <p:spPr>
+          <a:xfrm>
+            <a:off x="11340000" y="720000"/>
+            <a:ext cx="1080000" cy="216000"/>
+          </a:xfrm>
+          <a:prstGeom prst="rect">
+            <a:avLst/>
+          </a:prstGeom>
+          <a:noFill/>
+        </p:spPr>
+        <p:txBody>
+          <a:bodyPr wrap="none">
+            <a:spAutoFit/>
+          </a:bodyPr>
+          <a:lstStyle/>
+          <a:p>
+            <a:pPr algn="l"/>
+            <a:r>
+              <a:rPr b="1" sz="1417">
+                <a:latin typeface="Helvetica"/>
+              </a:rPr>
+              <a:t>Bairro</a:t>
+            </a:r>
+          </a:p>
+        </p:txBody>
+      </p:sp>
+      <p:sp>
+        <p:nvSpPr>
+          <p:cNvPr id="10" name="TextBox 9"/>
+          <p:cNvSpPr txBox="1"/>
+          <p:nvPr/>
+        </p:nvSpPr>
+        <p:spPr>
+          <a:xfrm>
+            <a:off x="11340000" y="972000"/>
+            <a:ext cx="1080000" cy="216000"/>
+          </a:xfrm>
+          <a:prstGeom prst="rect">
+            <a:avLst/>
+          </a:prstGeom>
+          <a:noFill/>
+        </p:spPr>
+        <p:txBody>
+          <a:bodyPr wrap="none">
+            <a:spAutoFit/>
+          </a:bodyPr>
+          <a:lstStyle/>
+          <a:p>
+            <a:pPr algn="l"/>
+            <a:r>
+              <a:rPr sz="1417">
+                <a:latin typeface="Helvetica"/>
+              </a:rPr>
+              <a:t>Lapa</a:t>
+            </a:r>
+          </a:p>
+        </p:txBody>
+      </p:sp>
+      <p:sp>
+        <p:nvSpPr>
+          <p:cNvPr id="11" name="TextBox 10"/>
+          <p:cNvSpPr txBox="1"/>
+          <p:nvPr/>
+        </p:nvSpPr>
+        <p:spPr>
+          <a:xfrm>
+            <a:off x="11340000" y="1440000"/>
+            <a:ext cx="1080000" cy="216000"/>
+          </a:xfrm>
+          <a:prstGeom prst="rect">
+            <a:avLst/>
+          </a:prstGeom>
+          <a:noFill/>
+        </p:spPr>
+        <p:txBody>
+          <a:bodyPr wrap="none">
+            <a:spAutoFit/>
+          </a:bodyPr>
+          <a:lstStyle/>
+          <a:p>
+            <a:pPr algn="l"/>
+            <a:r>
+              <a:rPr b="1" sz="1417">
+                <a:latin typeface="Helvetica"/>
+              </a:rPr>
+              <a:t>Cidade </a:t>
+            </a:r>
+          </a:p>
+        </p:txBody>
+      </p:sp>
+      <p:sp>
+        <p:nvSpPr>
+          <p:cNvPr id="12" name="TextBox 11"/>
+          <p:cNvSpPr txBox="1"/>
+          <p:nvPr/>
+        </p:nvSpPr>
+        <p:spPr>
+          <a:xfrm>
+            <a:off x="11340000" y="1692000"/>
+            <a:ext cx="1080000" cy="216000"/>
+          </a:xfrm>
+          <a:prstGeom prst="rect">
+            <a:avLst/>
+          </a:prstGeom>
+          <a:noFill/>
+        </p:spPr>
+        <p:txBody>
+          <a:bodyPr wrap="none">
+            <a:spAutoFit/>
+          </a:bodyPr>
+          <a:lstStyle/>
+          <a:p>
+            <a:pPr algn="l"/>
+            <a:r>
+              <a:rPr sz="1417">
+                <a:latin typeface="Helvetica"/>
+              </a:rPr>
+              <a:t>Rio de Janeiro</a:t>
+            </a:r>
+          </a:p>
+        </p:txBody>
+      </p:sp>
+      <p:sp>
+        <p:nvSpPr>
+          <p:cNvPr id="13" name="TextBox 12"/>
+          <p:cNvSpPr txBox="1"/>
+          <p:nvPr/>
+        </p:nvSpPr>
+        <p:spPr>
+          <a:xfrm>
+            <a:off x="11340000" y="2160000"/>
+            <a:ext cx="1080000" cy="216000"/>
+          </a:xfrm>
+          <a:prstGeom prst="rect">
+            <a:avLst/>
+          </a:prstGeom>
+          <a:noFill/>
+        </p:spPr>
+        <p:txBody>
+          <a:bodyPr wrap="none">
+            <a:spAutoFit/>
+          </a:bodyPr>
+          <a:lstStyle/>
+          <a:p>
+            <a:pPr algn="l"/>
+            <a:r>
+              <a:rPr b="1" sz="1417">
+                <a:latin typeface="Helvetica"/>
+              </a:rPr>
+              <a:t>Formato</a:t>
+            </a:r>
+          </a:p>
+        </p:txBody>
+      </p:sp>
+      <p:sp>
+        <p:nvSpPr>
+          <p:cNvPr id="14" name="TextBox 13"/>
+          <p:cNvSpPr txBox="1"/>
+          <p:nvPr/>
+        </p:nvSpPr>
+        <p:spPr>
+          <a:xfrm>
+            <a:off x="11340000" y="2412000"/>
+            <a:ext cx="1080000" cy="216000"/>
+          </a:xfrm>
+          <a:prstGeom prst="rect">
+            <a:avLst/>
+          </a:prstGeom>
+          <a:noFill/>
+        </p:spPr>
+        <p:txBody>
+          <a:bodyPr wrap="none">
+            <a:spAutoFit/>
+          </a:bodyPr>
+          <a:lstStyle/>
+          <a:p>
+            <a:pPr algn="l"/>
+            <a:r>
+              <a:rPr sz="1417">
+                <a:latin typeface="Helvetica"/>
+              </a:rPr>
+              <a:t>Banca2,40 x 1,70</a:t>
+            </a:r>
+          </a:p>
+        </p:txBody>
+      </p:sp>
+      <p:sp>
+        <p:nvSpPr>
+          <p:cNvPr id="15" name="TextBox 14"/>
+          <p:cNvSpPr txBox="1"/>
+          <p:nvPr/>
+        </p:nvSpPr>
+        <p:spPr>
+          <a:xfrm>
+            <a:off x="13680000" y="7326000"/>
+            <a:ext cx="360000" cy="360000"/>
+          </a:xfrm>
+          <a:prstGeom prst="rect">
+            <a:avLst/>
+          </a:prstGeom>
+          <a:noFill/>
+        </p:spPr>
+        <p:txBody>
+          <a:bodyPr wrap="none">
+            <a:spAutoFit/>
+          </a:bodyPr>
+          <a:lstStyle/>
+          <a:p>
+            <a:pPr algn="ctr"/>
+            <a:r>
+              <a:rPr b="1" sz="2267">
+                <a:solidFill>
+                  <a:srgbClr val="FFFFFF"/>
+                </a:solidFill>
+                <a:latin typeface="Helvetica"/>
+              </a:rPr>
+              <a:t>15</a:t>
+            </a:r>
+          </a:p>
+        </p:txBody>
+      </p:sp>
+    </p:spTree>
+  </p:cSld>
+  <p:clrMapOvr>
+    <a:masterClrMapping/>
+  </p:clrMapOvr>
+</p:sld>
+</file>
+
+<file path=ppt/slides/slide16.xml><?xml version="1.0" encoding="utf-8"?>
+<p:sld xmlns:a="http://schemas.openxmlformats.org/drawingml/2006/main" xmlns:p="http://schemas.openxmlformats.org/presentationml/2006/main" xmlns:r="http://schemas.openxmlformats.org/officeDocument/2006/relationships">
+  <p:cSld>
+    <p:spTree>
+      <p:nvGrpSpPr>
+        <p:cNvPr id="1" name=""/>
+        <p:cNvGrpSpPr/>
+        <p:nvPr/>
+      </p:nvGrpSpPr>
+      <p:grpSpPr/>
+      <p:pic>
+        <p:nvPicPr>
+          <p:cNvPr id="2" name="Picture 1" descr="template_pdf.jpg"/>
+          <p:cNvPicPr>
+            <a:picLocks noChangeAspect="1"/>
+          </p:cNvPicPr>
+          <p:nvPr/>
+        </p:nvPicPr>
+        <p:blipFill>
+          <a:blip r:embed="rId2"/>
+          <a:stretch>
+            <a:fillRect/>
+          </a:stretch>
+        </p:blipFill>
+        <p:spPr>
+          <a:xfrm>
+            <a:off x="0" y="0"/>
+            <a:ext cx="14400000" cy="7920000"/>
+          </a:xfrm>
+          <a:prstGeom prst="rect">
+            <a:avLst/>
+          </a:prstGeom>
+        </p:spPr>
+      </p:pic>
+      <p:sp>
+        <p:nvSpPr>
+          <p:cNvPr id="3" name="TextBox 2"/>
+          <p:cNvSpPr txBox="1"/>
+          <p:nvPr/>
+        </p:nvSpPr>
+        <p:spPr>
+          <a:xfrm>
+            <a:off x="0" y="180000"/>
+            <a:ext cx="15120000" cy="180000"/>
+          </a:xfrm>
+          <a:prstGeom prst="rect">
+            <a:avLst/>
+          </a:prstGeom>
+          <a:noFill/>
+        </p:spPr>
+        <p:txBody>
+          <a:bodyPr wrap="none">
+            <a:spAutoFit/>
+          </a:bodyPr>
+          <a:lstStyle/>
+          <a:p>
+            <a:pPr algn="ctr"/>
+            <a:r>
+              <a:rPr b="1" sz="1984">
+                <a:solidFill>
+                  <a:srgbClr val="FFFFFF"/>
+                </a:solidFill>
+                <a:latin typeface="Helvetica"/>
+              </a:rPr>
+              <a:t>Rua do Lavradio 71  fte. Cordão do Bola Preta e próx Rio Scenarium </a:t>
+            </a:r>
+          </a:p>
+        </p:txBody>
+      </p:sp>
+      <p:pic>
+        <p:nvPicPr>
+          <p:cNvPr id="4" name="Picture 3" descr="temp_image14.jpg"/>
+          <p:cNvPicPr>
+            <a:picLocks noChangeAspect="1"/>
+          </p:cNvPicPr>
+          <p:nvPr/>
+        </p:nvPicPr>
+        <p:blipFill>
+          <a:blip r:embed="rId3"/>
+          <a:stretch>
+            <a:fillRect/>
+          </a:stretch>
+        </p:blipFill>
+        <p:spPr>
+          <a:xfrm>
+            <a:off x="108000" y="785160"/>
+            <a:ext cx="11160000" cy="6480000"/>
+          </a:xfrm>
+          <a:prstGeom prst="rect">
+            <a:avLst/>
+          </a:prstGeom>
+        </p:spPr>
+      </p:pic>
+      <p:sp>
+        <p:nvSpPr>
+          <p:cNvPr id="5" name="TextBox 4"/>
+          <p:cNvSpPr txBox="1"/>
+          <p:nvPr/>
+        </p:nvSpPr>
+        <p:spPr>
+          <a:xfrm>
+            <a:off x="108000" y="7380000"/>
+            <a:ext cx="1080000" cy="180000"/>
+          </a:xfrm>
+          <a:prstGeom prst="rect">
+            <a:avLst/>
+          </a:prstGeom>
+          <a:noFill/>
+        </p:spPr>
+        <p:txBody>
+          <a:bodyPr wrap="none">
+            <a:spAutoFit/>
+          </a:bodyPr>
+          <a:lstStyle/>
+          <a:p>
+            <a:pPr algn="l"/>
+            <a:r>
+              <a:rPr b="1" sz="1417">
+                <a:latin typeface="Helvetica"/>
+              </a:rPr>
+              <a:t>Coordenadas:</a:t>
+            </a:r>
+          </a:p>
+        </p:txBody>
+      </p:sp>
+      <p:sp>
+        <p:nvSpPr>
+          <p:cNvPr id="6" name="TextBox 5"/>
+          <p:cNvSpPr txBox="1"/>
+          <p:nvPr/>
+        </p:nvSpPr>
+        <p:spPr>
+          <a:xfrm>
+            <a:off x="1458000" y="7380000"/>
+            <a:ext cx="1800000" cy="216000"/>
+          </a:xfrm>
+          <a:prstGeom prst="rect">
+            <a:avLst/>
+          </a:prstGeom>
+          <a:noFill/>
+        </p:spPr>
+        <p:txBody>
+          <a:bodyPr wrap="none">
+            <a:spAutoFit/>
+          </a:bodyPr>
+          <a:lstStyle/>
+          <a:p>
+            <a:pPr algn="l"/>
+            <a:r>
+              <a:rPr sz="1417">
+                <a:latin typeface="Helvetica"/>
+              </a:rPr>
+              <a:t>-22.90972  -43.18302</a:t>
+            </a:r>
+          </a:p>
+        </p:txBody>
+      </p:sp>
+      <p:sp>
+        <p:nvSpPr>
+          <p:cNvPr id="7" name="TextBox 6"/>
+          <p:cNvSpPr txBox="1"/>
+          <p:nvPr/>
+        </p:nvSpPr>
+        <p:spPr>
+          <a:xfrm>
+            <a:off x="6480000" y="7380000"/>
+            <a:ext cx="1080000" cy="180000"/>
+          </a:xfrm>
+          <a:prstGeom prst="rect">
+            <a:avLst/>
+          </a:prstGeom>
+          <a:noFill/>
+        </p:spPr>
+        <p:txBody>
+          <a:bodyPr wrap="none">
+            <a:spAutoFit/>
+          </a:bodyPr>
+          <a:lstStyle/>
+          <a:p>
+            <a:pPr algn="l"/>
+            <a:r>
+              <a:rPr b="1" sz="1417">
+                <a:latin typeface="Helvetica"/>
+              </a:rPr>
+              <a:t>Codigo:</a:t>
+            </a:r>
+          </a:p>
+        </p:txBody>
+      </p:sp>
+      <p:sp>
+        <p:nvSpPr>
+          <p:cNvPr id="8" name="TextBox 7"/>
+          <p:cNvSpPr txBox="1"/>
+          <p:nvPr/>
+        </p:nvSpPr>
+        <p:spPr>
+          <a:xfrm>
+            <a:off x="7272000" y="7380000"/>
+            <a:ext cx="1800000" cy="216000"/>
+          </a:xfrm>
+          <a:prstGeom prst="rect">
+            <a:avLst/>
+          </a:prstGeom>
+          <a:noFill/>
+        </p:spPr>
+        <p:txBody>
+          <a:bodyPr wrap="none">
+            <a:spAutoFit/>
+          </a:bodyPr>
+          <a:lstStyle/>
+          <a:p>
+            <a:pPr algn="l"/>
+            <a:r>
+              <a:rPr sz="1417">
+                <a:latin typeface="Helvetica"/>
+              </a:rPr>
+              <a:t>MPR75</a:t>
+            </a:r>
+          </a:p>
+        </p:txBody>
+      </p:sp>
+      <p:sp>
+        <p:nvSpPr>
+          <p:cNvPr id="9" name="TextBox 8"/>
+          <p:cNvSpPr txBox="1"/>
+          <p:nvPr/>
+        </p:nvSpPr>
+        <p:spPr>
+          <a:xfrm>
+            <a:off x="11340000" y="720000"/>
+            <a:ext cx="1080000" cy="216000"/>
+          </a:xfrm>
+          <a:prstGeom prst="rect">
+            <a:avLst/>
+          </a:prstGeom>
+          <a:noFill/>
+        </p:spPr>
+        <p:txBody>
+          <a:bodyPr wrap="none">
+            <a:spAutoFit/>
+          </a:bodyPr>
+          <a:lstStyle/>
+          <a:p>
+            <a:pPr algn="l"/>
+            <a:r>
+              <a:rPr b="1" sz="1417">
+                <a:latin typeface="Helvetica"/>
+              </a:rPr>
+              <a:t>Bairro</a:t>
+            </a:r>
+          </a:p>
+        </p:txBody>
+      </p:sp>
+      <p:sp>
+        <p:nvSpPr>
+          <p:cNvPr id="10" name="TextBox 9"/>
+          <p:cNvSpPr txBox="1"/>
+          <p:nvPr/>
+        </p:nvSpPr>
+        <p:spPr>
+          <a:xfrm>
+            <a:off x="11340000" y="972000"/>
+            <a:ext cx="1080000" cy="216000"/>
+          </a:xfrm>
+          <a:prstGeom prst="rect">
+            <a:avLst/>
+          </a:prstGeom>
+          <a:noFill/>
+        </p:spPr>
+        <p:txBody>
+          <a:bodyPr wrap="none">
+            <a:spAutoFit/>
+          </a:bodyPr>
+          <a:lstStyle/>
+          <a:p>
+            <a:pPr algn="l"/>
+            <a:r>
+              <a:rPr sz="1417">
+                <a:latin typeface="Helvetica"/>
+              </a:rPr>
+              <a:t>Lapa</a:t>
+            </a:r>
+          </a:p>
+        </p:txBody>
+      </p:sp>
+      <p:sp>
+        <p:nvSpPr>
+          <p:cNvPr id="11" name="TextBox 10"/>
+          <p:cNvSpPr txBox="1"/>
+          <p:nvPr/>
+        </p:nvSpPr>
+        <p:spPr>
+          <a:xfrm>
+            <a:off x="11340000" y="1440000"/>
+            <a:ext cx="1080000" cy="216000"/>
+          </a:xfrm>
+          <a:prstGeom prst="rect">
+            <a:avLst/>
+          </a:prstGeom>
+          <a:noFill/>
+        </p:spPr>
+        <p:txBody>
+          <a:bodyPr wrap="none">
+            <a:spAutoFit/>
+          </a:bodyPr>
+          <a:lstStyle/>
+          <a:p>
+            <a:pPr algn="l"/>
+            <a:r>
+              <a:rPr b="1" sz="1417">
+                <a:latin typeface="Helvetica"/>
+              </a:rPr>
+              <a:t>Cidade </a:t>
+            </a:r>
+          </a:p>
+        </p:txBody>
+      </p:sp>
+      <p:sp>
+        <p:nvSpPr>
+          <p:cNvPr id="12" name="TextBox 11"/>
+          <p:cNvSpPr txBox="1"/>
+          <p:nvPr/>
+        </p:nvSpPr>
+        <p:spPr>
+          <a:xfrm>
+            <a:off x="11340000" y="1692000"/>
+            <a:ext cx="1080000" cy="216000"/>
+          </a:xfrm>
+          <a:prstGeom prst="rect">
+            <a:avLst/>
+          </a:prstGeom>
+          <a:noFill/>
+        </p:spPr>
+        <p:txBody>
+          <a:bodyPr wrap="none">
+            <a:spAutoFit/>
+          </a:bodyPr>
+          <a:lstStyle/>
+          <a:p>
+            <a:pPr algn="l"/>
+            <a:r>
+              <a:rPr sz="1417">
+                <a:latin typeface="Helvetica"/>
+              </a:rPr>
+              <a:t>Rio de Janeiro</a:t>
+            </a:r>
+          </a:p>
+        </p:txBody>
+      </p:sp>
+      <p:sp>
+        <p:nvSpPr>
+          <p:cNvPr id="13" name="TextBox 12"/>
+          <p:cNvSpPr txBox="1"/>
+          <p:nvPr/>
+        </p:nvSpPr>
+        <p:spPr>
+          <a:xfrm>
+            <a:off x="11340000" y="2160000"/>
+            <a:ext cx="1080000" cy="216000"/>
+          </a:xfrm>
+          <a:prstGeom prst="rect">
+            <a:avLst/>
+          </a:prstGeom>
+          <a:noFill/>
+        </p:spPr>
+        <p:txBody>
+          <a:bodyPr wrap="none">
+            <a:spAutoFit/>
+          </a:bodyPr>
+          <a:lstStyle/>
+          <a:p>
+            <a:pPr algn="l"/>
+            <a:r>
+              <a:rPr b="1" sz="1417">
+                <a:latin typeface="Helvetica"/>
+              </a:rPr>
+              <a:t>Formato</a:t>
+            </a:r>
+          </a:p>
+        </p:txBody>
+      </p:sp>
+      <p:sp>
+        <p:nvSpPr>
+          <p:cNvPr id="14" name="TextBox 13"/>
+          <p:cNvSpPr txBox="1"/>
+          <p:nvPr/>
+        </p:nvSpPr>
+        <p:spPr>
+          <a:xfrm>
+            <a:off x="11340000" y="2412000"/>
+            <a:ext cx="1080000" cy="216000"/>
+          </a:xfrm>
+          <a:prstGeom prst="rect">
+            <a:avLst/>
+          </a:prstGeom>
+          <a:noFill/>
+        </p:spPr>
+        <p:txBody>
+          <a:bodyPr wrap="none">
+            <a:spAutoFit/>
+          </a:bodyPr>
+          <a:lstStyle/>
+          <a:p>
+            <a:pPr algn="l"/>
+            <a:r>
+              <a:rPr sz="1417">
+                <a:latin typeface="Helvetica"/>
+              </a:rPr>
+              <a:t>3,80m x 2,00m </a:t>
+            </a:r>
+          </a:p>
+        </p:txBody>
+      </p:sp>
+      <p:sp>
+        <p:nvSpPr>
+          <p:cNvPr id="15" name="TextBox 14"/>
+          <p:cNvSpPr txBox="1"/>
+          <p:nvPr/>
+        </p:nvSpPr>
+        <p:spPr>
+          <a:xfrm>
+            <a:off x="13680000" y="7326000"/>
+            <a:ext cx="360000" cy="360000"/>
+          </a:xfrm>
+          <a:prstGeom prst="rect">
+            <a:avLst/>
+          </a:prstGeom>
+          <a:noFill/>
+        </p:spPr>
+        <p:txBody>
+          <a:bodyPr wrap="none">
+            <a:spAutoFit/>
+          </a:bodyPr>
+          <a:lstStyle/>
+          <a:p>
+            <a:pPr algn="ctr"/>
+            <a:r>
+              <a:rPr b="1" sz="2267">
+                <a:solidFill>
+                  <a:srgbClr val="FFFFFF"/>
+                </a:solidFill>
+                <a:latin typeface="Helvetica"/>
+              </a:rPr>
+              <a:t>16</a:t>
+            </a:r>
+          </a:p>
+        </p:txBody>
+      </p:sp>
+    </p:spTree>
+  </p:cSld>
+  <p:clrMapOvr>
+    <a:masterClrMapping/>
+  </p:clrMapOvr>
+</p:sld>
+</file>
+
+<file path=ppt/slides/slide17.xml><?xml version="1.0" encoding="utf-8"?>
+<p:sld xmlns:a="http://schemas.openxmlformats.org/drawingml/2006/main" xmlns:p="http://schemas.openxmlformats.org/presentationml/2006/main" xmlns:r="http://schemas.openxmlformats.org/officeDocument/2006/relationships">
+  <p:cSld>
+    <p:spTree>
+      <p:nvGrpSpPr>
+        <p:cNvPr id="1" name=""/>
+        <p:cNvGrpSpPr/>
+        <p:nvPr/>
+      </p:nvGrpSpPr>
+      <p:grpSpPr/>
+      <p:pic>
+        <p:nvPicPr>
+          <p:cNvPr id="2" name="Picture 1" descr="template_pdf.jpg"/>
+          <p:cNvPicPr>
+            <a:picLocks noChangeAspect="1"/>
+          </p:cNvPicPr>
+          <p:nvPr/>
+        </p:nvPicPr>
+        <p:blipFill>
+          <a:blip r:embed="rId2"/>
+          <a:stretch>
+            <a:fillRect/>
+          </a:stretch>
+        </p:blipFill>
+        <p:spPr>
+          <a:xfrm>
+            <a:off x="0" y="0"/>
+            <a:ext cx="14400000" cy="7920000"/>
+          </a:xfrm>
+          <a:prstGeom prst="rect">
+            <a:avLst/>
+          </a:prstGeom>
+        </p:spPr>
+      </p:pic>
+      <p:sp>
+        <p:nvSpPr>
+          <p:cNvPr id="3" name="TextBox 2"/>
+          <p:cNvSpPr txBox="1"/>
+          <p:nvPr/>
+        </p:nvSpPr>
+        <p:spPr>
+          <a:xfrm>
+            <a:off x="0" y="180000"/>
+            <a:ext cx="15120000" cy="180000"/>
+          </a:xfrm>
+          <a:prstGeom prst="rect">
+            <a:avLst/>
+          </a:prstGeom>
+          <a:noFill/>
+        </p:spPr>
+        <p:txBody>
+          <a:bodyPr wrap="none">
+            <a:spAutoFit/>
+          </a:bodyPr>
+          <a:lstStyle/>
+          <a:p>
+            <a:pPr algn="ctr"/>
+            <a:r>
+              <a:rPr b="1" sz="1984">
+                <a:solidFill>
+                  <a:srgbClr val="FFFFFF"/>
+                </a:solidFill>
+                <a:latin typeface="Helvetica"/>
+              </a:rPr>
+              <a:t>Rua do Lavradio 71  próx Rio Scenarium </a:t>
+            </a:r>
+          </a:p>
+        </p:txBody>
+      </p:sp>
+      <p:pic>
+        <p:nvPicPr>
+          <p:cNvPr id="4" name="Picture 3" descr="temp_image15.jpg"/>
+          <p:cNvPicPr>
+            <a:picLocks noChangeAspect="1"/>
+          </p:cNvPicPr>
+          <p:nvPr/>
+        </p:nvPicPr>
+        <p:blipFill>
+          <a:blip r:embed="rId3"/>
+          <a:stretch>
+            <a:fillRect/>
+          </a:stretch>
+        </p:blipFill>
+        <p:spPr>
+          <a:xfrm>
+            <a:off x="108000" y="785160"/>
+            <a:ext cx="11160000" cy="6480000"/>
+          </a:xfrm>
+          <a:prstGeom prst="rect">
+            <a:avLst/>
+          </a:prstGeom>
+        </p:spPr>
+      </p:pic>
+      <p:sp>
+        <p:nvSpPr>
+          <p:cNvPr id="5" name="TextBox 4"/>
+          <p:cNvSpPr txBox="1"/>
+          <p:nvPr/>
+        </p:nvSpPr>
+        <p:spPr>
+          <a:xfrm>
+            <a:off x="108000" y="7380000"/>
+            <a:ext cx="1080000" cy="180000"/>
+          </a:xfrm>
+          <a:prstGeom prst="rect">
+            <a:avLst/>
+          </a:prstGeom>
+          <a:noFill/>
+        </p:spPr>
+        <p:txBody>
+          <a:bodyPr wrap="none">
+            <a:spAutoFit/>
+          </a:bodyPr>
+          <a:lstStyle/>
+          <a:p>
+            <a:pPr algn="l"/>
+            <a:r>
+              <a:rPr b="1" sz="1417">
+                <a:latin typeface="Helvetica"/>
+              </a:rPr>
+              <a:t>Coordenadas:</a:t>
+            </a:r>
+          </a:p>
+        </p:txBody>
+      </p:sp>
+      <p:sp>
+        <p:nvSpPr>
+          <p:cNvPr id="6" name="TextBox 5"/>
+          <p:cNvSpPr txBox="1"/>
+          <p:nvPr/>
+        </p:nvSpPr>
+        <p:spPr>
+          <a:xfrm>
+            <a:off x="1458000" y="7380000"/>
+            <a:ext cx="1800000" cy="216000"/>
+          </a:xfrm>
+          <a:prstGeom prst="rect">
+            <a:avLst/>
+          </a:prstGeom>
+          <a:noFill/>
+        </p:spPr>
+        <p:txBody>
+          <a:bodyPr wrap="none">
+            <a:spAutoFit/>
+          </a:bodyPr>
+          <a:lstStyle/>
+          <a:p>
+            <a:pPr algn="l"/>
+            <a:r>
+              <a:rPr sz="1417">
+                <a:latin typeface="Helvetica"/>
+              </a:rPr>
+              <a:t>-22.90922  -43.18324</a:t>
+            </a:r>
+          </a:p>
+        </p:txBody>
+      </p:sp>
+      <p:sp>
+        <p:nvSpPr>
+          <p:cNvPr id="7" name="TextBox 6"/>
+          <p:cNvSpPr txBox="1"/>
+          <p:nvPr/>
+        </p:nvSpPr>
+        <p:spPr>
+          <a:xfrm>
+            <a:off x="6480000" y="7380000"/>
+            <a:ext cx="1080000" cy="180000"/>
+          </a:xfrm>
+          <a:prstGeom prst="rect">
+            <a:avLst/>
+          </a:prstGeom>
+          <a:noFill/>
+        </p:spPr>
+        <p:txBody>
+          <a:bodyPr wrap="none">
+            <a:spAutoFit/>
+          </a:bodyPr>
+          <a:lstStyle/>
+          <a:p>
+            <a:pPr algn="l"/>
+            <a:r>
+              <a:rPr b="1" sz="1417">
+                <a:latin typeface="Helvetica"/>
+              </a:rPr>
+              <a:t>Codigo:</a:t>
+            </a:r>
+          </a:p>
+        </p:txBody>
+      </p:sp>
+      <p:sp>
+        <p:nvSpPr>
+          <p:cNvPr id="8" name="TextBox 7"/>
+          <p:cNvSpPr txBox="1"/>
+          <p:nvPr/>
+        </p:nvSpPr>
+        <p:spPr>
+          <a:xfrm>
+            <a:off x="7272000" y="7380000"/>
+            <a:ext cx="1800000" cy="216000"/>
+          </a:xfrm>
+          <a:prstGeom prst="rect">
+            <a:avLst/>
+          </a:prstGeom>
+          <a:noFill/>
+        </p:spPr>
+        <p:txBody>
+          <a:bodyPr wrap="none">
+            <a:spAutoFit/>
+          </a:bodyPr>
+          <a:lstStyle/>
+          <a:p>
+            <a:pPr algn="l"/>
+            <a:r>
+              <a:rPr sz="1417">
+                <a:latin typeface="Helvetica"/>
+              </a:rPr>
+              <a:t>MPR76</a:t>
+            </a:r>
+          </a:p>
+        </p:txBody>
+      </p:sp>
+      <p:sp>
+        <p:nvSpPr>
+          <p:cNvPr id="9" name="TextBox 8"/>
+          <p:cNvSpPr txBox="1"/>
+          <p:nvPr/>
+        </p:nvSpPr>
+        <p:spPr>
+          <a:xfrm>
+            <a:off x="11340000" y="720000"/>
+            <a:ext cx="1080000" cy="216000"/>
+          </a:xfrm>
+          <a:prstGeom prst="rect">
+            <a:avLst/>
+          </a:prstGeom>
+          <a:noFill/>
+        </p:spPr>
+        <p:txBody>
+          <a:bodyPr wrap="none">
+            <a:spAutoFit/>
+          </a:bodyPr>
+          <a:lstStyle/>
+          <a:p>
+            <a:pPr algn="l"/>
+            <a:r>
+              <a:rPr b="1" sz="1417">
+                <a:latin typeface="Helvetica"/>
+              </a:rPr>
+              <a:t>Bairro</a:t>
+            </a:r>
+          </a:p>
+        </p:txBody>
+      </p:sp>
+      <p:sp>
+        <p:nvSpPr>
+          <p:cNvPr id="10" name="TextBox 9"/>
+          <p:cNvSpPr txBox="1"/>
+          <p:nvPr/>
+        </p:nvSpPr>
+        <p:spPr>
+          <a:xfrm>
+            <a:off x="11340000" y="972000"/>
+            <a:ext cx="1080000" cy="216000"/>
+          </a:xfrm>
+          <a:prstGeom prst="rect">
+            <a:avLst/>
+          </a:prstGeom>
+          <a:noFill/>
+        </p:spPr>
+        <p:txBody>
+          <a:bodyPr wrap="none">
+            <a:spAutoFit/>
+          </a:bodyPr>
+          <a:lstStyle/>
+          <a:p>
+            <a:pPr algn="l"/>
+            <a:r>
+              <a:rPr sz="1417">
+                <a:latin typeface="Helvetica"/>
+              </a:rPr>
+              <a:t>Lapa</a:t>
+            </a:r>
+          </a:p>
+        </p:txBody>
+      </p:sp>
+      <p:sp>
+        <p:nvSpPr>
+          <p:cNvPr id="11" name="TextBox 10"/>
+          <p:cNvSpPr txBox="1"/>
+          <p:nvPr/>
+        </p:nvSpPr>
+        <p:spPr>
+          <a:xfrm>
+            <a:off x="11340000" y="1440000"/>
+            <a:ext cx="1080000" cy="216000"/>
+          </a:xfrm>
+          <a:prstGeom prst="rect">
+            <a:avLst/>
+          </a:prstGeom>
+          <a:noFill/>
+        </p:spPr>
+        <p:txBody>
+          <a:bodyPr wrap="none">
+            <a:spAutoFit/>
+          </a:bodyPr>
+          <a:lstStyle/>
+          <a:p>
+            <a:pPr algn="l"/>
+            <a:r>
+              <a:rPr b="1" sz="1417">
+                <a:latin typeface="Helvetica"/>
+              </a:rPr>
+              <a:t>Cidade </a:t>
+            </a:r>
+          </a:p>
+        </p:txBody>
+      </p:sp>
+      <p:sp>
+        <p:nvSpPr>
+          <p:cNvPr id="12" name="TextBox 11"/>
+          <p:cNvSpPr txBox="1"/>
+          <p:nvPr/>
+        </p:nvSpPr>
+        <p:spPr>
+          <a:xfrm>
+            <a:off x="11340000" y="1692000"/>
+            <a:ext cx="1080000" cy="216000"/>
+          </a:xfrm>
+          <a:prstGeom prst="rect">
+            <a:avLst/>
+          </a:prstGeom>
+          <a:noFill/>
+        </p:spPr>
+        <p:txBody>
+          <a:bodyPr wrap="none">
+            <a:spAutoFit/>
+          </a:bodyPr>
+          <a:lstStyle/>
+          <a:p>
+            <a:pPr algn="l"/>
+            <a:r>
+              <a:rPr sz="1417">
+                <a:latin typeface="Helvetica"/>
+              </a:rPr>
+              <a:t>Rio de Janeiro</a:t>
+            </a:r>
+          </a:p>
+        </p:txBody>
+      </p:sp>
+      <p:sp>
+        <p:nvSpPr>
+          <p:cNvPr id="13" name="TextBox 12"/>
+          <p:cNvSpPr txBox="1"/>
+          <p:nvPr/>
+        </p:nvSpPr>
+        <p:spPr>
+          <a:xfrm>
+            <a:off x="11340000" y="2160000"/>
+            <a:ext cx="1080000" cy="216000"/>
+          </a:xfrm>
+          <a:prstGeom prst="rect">
+            <a:avLst/>
+          </a:prstGeom>
+          <a:noFill/>
+        </p:spPr>
+        <p:txBody>
+          <a:bodyPr wrap="none">
+            <a:spAutoFit/>
+          </a:bodyPr>
+          <a:lstStyle/>
+          <a:p>
+            <a:pPr algn="l"/>
+            <a:r>
+              <a:rPr b="1" sz="1417">
+                <a:latin typeface="Helvetica"/>
+              </a:rPr>
+              <a:t>Formato</a:t>
+            </a:r>
+          </a:p>
+        </p:txBody>
+      </p:sp>
+      <p:sp>
+        <p:nvSpPr>
+          <p:cNvPr id="14" name="TextBox 13"/>
+          <p:cNvSpPr txBox="1"/>
+          <p:nvPr/>
+        </p:nvSpPr>
+        <p:spPr>
+          <a:xfrm>
+            <a:off x="11340000" y="2412000"/>
+            <a:ext cx="1080000" cy="216000"/>
+          </a:xfrm>
+          <a:prstGeom prst="rect">
+            <a:avLst/>
+          </a:prstGeom>
+          <a:noFill/>
+        </p:spPr>
+        <p:txBody>
+          <a:bodyPr wrap="none">
+            <a:spAutoFit/>
+          </a:bodyPr>
+          <a:lstStyle/>
+          <a:p>
+            <a:pPr algn="l"/>
+            <a:r>
+              <a:rPr sz="1417">
+                <a:latin typeface="Helvetica"/>
+              </a:rPr>
+              <a:t>3,80m x 2,00m </a:t>
+            </a:r>
+          </a:p>
+        </p:txBody>
+      </p:sp>
+      <p:sp>
+        <p:nvSpPr>
+          <p:cNvPr id="15" name="TextBox 14"/>
+          <p:cNvSpPr txBox="1"/>
+          <p:nvPr/>
+        </p:nvSpPr>
+        <p:spPr>
+          <a:xfrm>
+            <a:off x="13680000" y="7326000"/>
+            <a:ext cx="360000" cy="360000"/>
+          </a:xfrm>
+          <a:prstGeom prst="rect">
+            <a:avLst/>
+          </a:prstGeom>
+          <a:noFill/>
+        </p:spPr>
+        <p:txBody>
+          <a:bodyPr wrap="none">
+            <a:spAutoFit/>
+          </a:bodyPr>
+          <a:lstStyle/>
+          <a:p>
+            <a:pPr algn="ctr"/>
+            <a:r>
+              <a:rPr b="1" sz="2267">
+                <a:solidFill>
+                  <a:srgbClr val="FFFFFF"/>
+                </a:solidFill>
+                <a:latin typeface="Helvetica"/>
+              </a:rPr>
+              <a:t>17</a:t>
+            </a:r>
+          </a:p>
+        </p:txBody>
+      </p:sp>
+    </p:spTree>
+  </p:cSld>
+  <p:clrMapOvr>
+    <a:masterClrMapping/>
+  </p:clrMapOvr>
+</p:sld>
+</file>
+
+<file path=ppt/slides/slide18.xml><?xml version="1.0" encoding="utf-8"?>
+<p:sld xmlns:a="http://schemas.openxmlformats.org/drawingml/2006/main" xmlns:p="http://schemas.openxmlformats.org/presentationml/2006/main" xmlns:r="http://schemas.openxmlformats.org/officeDocument/2006/relationships">
+  <p:cSld>
+    <p:spTree>
+      <p:nvGrpSpPr>
+        <p:cNvPr id="1" name=""/>
+        <p:cNvGrpSpPr/>
+        <p:nvPr/>
+      </p:nvGrpSpPr>
+      <p:grpSpPr/>
+      <p:pic>
+        <p:nvPicPr>
+          <p:cNvPr id="2" name="Picture 1" descr="template_pdf.jpg"/>
+          <p:cNvPicPr>
+            <a:picLocks noChangeAspect="1"/>
+          </p:cNvPicPr>
+          <p:nvPr/>
+        </p:nvPicPr>
+        <p:blipFill>
+          <a:blip r:embed="rId2"/>
+          <a:stretch>
+            <a:fillRect/>
+          </a:stretch>
+        </p:blipFill>
+        <p:spPr>
+          <a:xfrm>
+            <a:off x="0" y="0"/>
+            <a:ext cx="14400000" cy="7920000"/>
+          </a:xfrm>
+          <a:prstGeom prst="rect">
+            <a:avLst/>
+          </a:prstGeom>
+        </p:spPr>
+      </p:pic>
+      <p:sp>
+        <p:nvSpPr>
+          <p:cNvPr id="3" name="TextBox 2"/>
+          <p:cNvSpPr txBox="1"/>
+          <p:nvPr/>
+        </p:nvSpPr>
+        <p:spPr>
+          <a:xfrm>
+            <a:off x="0" y="180000"/>
+            <a:ext cx="15120000" cy="180000"/>
+          </a:xfrm>
+          <a:prstGeom prst="rect">
+            <a:avLst/>
+          </a:prstGeom>
+          <a:noFill/>
+        </p:spPr>
+        <p:txBody>
+          <a:bodyPr wrap="none">
+            <a:spAutoFit/>
+          </a:bodyPr>
+          <a:lstStyle/>
+          <a:p>
+            <a:pPr algn="ctr"/>
+            <a:r>
+              <a:rPr b="1" sz="1984">
+                <a:solidFill>
+                  <a:srgbClr val="FFFFFF"/>
+                </a:solidFill>
+                <a:latin typeface="Helvetica"/>
+              </a:rPr>
+              <a:t>Rua do Riachuelo 278 </a:t>
+            </a:r>
+          </a:p>
+        </p:txBody>
+      </p:sp>
+      <p:pic>
+        <p:nvPicPr>
+          <p:cNvPr id="4" name="Picture 3" descr="temp_image16.jpg"/>
+          <p:cNvPicPr>
+            <a:picLocks noChangeAspect="1"/>
+          </p:cNvPicPr>
+          <p:nvPr/>
+        </p:nvPicPr>
+        <p:blipFill>
+          <a:blip r:embed="rId3"/>
+          <a:stretch>
+            <a:fillRect/>
+          </a:stretch>
+        </p:blipFill>
+        <p:spPr>
+          <a:xfrm>
+            <a:off x="108000" y="785160"/>
+            <a:ext cx="11160000" cy="6480000"/>
+          </a:xfrm>
+          <a:prstGeom prst="rect">
+            <a:avLst/>
+          </a:prstGeom>
+        </p:spPr>
+      </p:pic>
+      <p:sp>
+        <p:nvSpPr>
+          <p:cNvPr id="5" name="TextBox 4"/>
+          <p:cNvSpPr txBox="1"/>
+          <p:nvPr/>
+        </p:nvSpPr>
+        <p:spPr>
+          <a:xfrm>
+            <a:off x="108000" y="7380000"/>
+            <a:ext cx="1080000" cy="180000"/>
+          </a:xfrm>
+          <a:prstGeom prst="rect">
+            <a:avLst/>
+          </a:prstGeom>
+          <a:noFill/>
+        </p:spPr>
+        <p:txBody>
+          <a:bodyPr wrap="none">
+            <a:spAutoFit/>
+          </a:bodyPr>
+          <a:lstStyle/>
+          <a:p>
+            <a:pPr algn="l"/>
+            <a:r>
+              <a:rPr b="1" sz="1417">
+                <a:latin typeface="Helvetica"/>
+              </a:rPr>
+              <a:t>Coordenadas:</a:t>
+            </a:r>
+          </a:p>
+        </p:txBody>
+      </p:sp>
+      <p:sp>
+        <p:nvSpPr>
+          <p:cNvPr id="6" name="TextBox 5"/>
+          <p:cNvSpPr txBox="1"/>
+          <p:nvPr/>
+        </p:nvSpPr>
+        <p:spPr>
+          <a:xfrm>
+            <a:off x="1458000" y="7380000"/>
+            <a:ext cx="1800000" cy="216000"/>
+          </a:xfrm>
+          <a:prstGeom prst="rect">
+            <a:avLst/>
+          </a:prstGeom>
+          <a:noFill/>
+        </p:spPr>
+        <p:txBody>
+          <a:bodyPr wrap="none">
+            <a:spAutoFit/>
+          </a:bodyPr>
+          <a:lstStyle/>
+          <a:p>
+            <a:pPr algn="l"/>
+            <a:r>
+              <a:rPr sz="1417">
+                <a:latin typeface="Helvetica"/>
+              </a:rPr>
+              <a:t>-22.91399  -43.18988</a:t>
+            </a:r>
+          </a:p>
+        </p:txBody>
+      </p:sp>
+      <p:sp>
+        <p:nvSpPr>
+          <p:cNvPr id="7" name="TextBox 6"/>
+          <p:cNvSpPr txBox="1"/>
+          <p:nvPr/>
+        </p:nvSpPr>
+        <p:spPr>
+          <a:xfrm>
+            <a:off x="6480000" y="7380000"/>
+            <a:ext cx="1080000" cy="180000"/>
+          </a:xfrm>
+          <a:prstGeom prst="rect">
+            <a:avLst/>
+          </a:prstGeom>
+          <a:noFill/>
+        </p:spPr>
+        <p:txBody>
+          <a:bodyPr wrap="none">
+            <a:spAutoFit/>
+          </a:bodyPr>
+          <a:lstStyle/>
+          <a:p>
+            <a:pPr algn="l"/>
+            <a:r>
+              <a:rPr b="1" sz="1417">
+                <a:latin typeface="Helvetica"/>
+              </a:rPr>
+              <a:t>Codigo:</a:t>
+            </a:r>
+          </a:p>
+        </p:txBody>
+      </p:sp>
+      <p:sp>
+        <p:nvSpPr>
+          <p:cNvPr id="8" name="TextBox 7"/>
+          <p:cNvSpPr txBox="1"/>
+          <p:nvPr/>
+        </p:nvSpPr>
+        <p:spPr>
+          <a:xfrm>
+            <a:off x="7272000" y="7380000"/>
+            <a:ext cx="1800000" cy="216000"/>
+          </a:xfrm>
+          <a:prstGeom prst="rect">
+            <a:avLst/>
+          </a:prstGeom>
+          <a:noFill/>
+        </p:spPr>
+        <p:txBody>
+          <a:bodyPr wrap="none">
+            <a:spAutoFit/>
+          </a:bodyPr>
+          <a:lstStyle/>
+          <a:p>
+            <a:pPr algn="l"/>
+            <a:r>
+              <a:rPr sz="1417">
+                <a:latin typeface="Helvetica"/>
+              </a:rPr>
+              <a:t>MPR77</a:t>
+            </a:r>
+          </a:p>
+        </p:txBody>
+      </p:sp>
+      <p:sp>
+        <p:nvSpPr>
+          <p:cNvPr id="9" name="TextBox 8"/>
+          <p:cNvSpPr txBox="1"/>
+          <p:nvPr/>
+        </p:nvSpPr>
+        <p:spPr>
+          <a:xfrm>
+            <a:off x="11340000" y="720000"/>
+            <a:ext cx="1080000" cy="216000"/>
+          </a:xfrm>
+          <a:prstGeom prst="rect">
+            <a:avLst/>
+          </a:prstGeom>
+          <a:noFill/>
+        </p:spPr>
+        <p:txBody>
+          <a:bodyPr wrap="none">
+            <a:spAutoFit/>
+          </a:bodyPr>
+          <a:lstStyle/>
+          <a:p>
+            <a:pPr algn="l"/>
+            <a:r>
+              <a:rPr b="1" sz="1417">
+                <a:latin typeface="Helvetica"/>
+              </a:rPr>
+              <a:t>Bairro</a:t>
+            </a:r>
+          </a:p>
+        </p:txBody>
+      </p:sp>
+      <p:sp>
+        <p:nvSpPr>
+          <p:cNvPr id="10" name="TextBox 9"/>
+          <p:cNvSpPr txBox="1"/>
+          <p:nvPr/>
+        </p:nvSpPr>
+        <p:spPr>
+          <a:xfrm>
+            <a:off x="11340000" y="972000"/>
+            <a:ext cx="1080000" cy="216000"/>
+          </a:xfrm>
+          <a:prstGeom prst="rect">
+            <a:avLst/>
+          </a:prstGeom>
+          <a:noFill/>
+        </p:spPr>
+        <p:txBody>
+          <a:bodyPr wrap="none">
+            <a:spAutoFit/>
+          </a:bodyPr>
+          <a:lstStyle/>
+          <a:p>
+            <a:pPr algn="l"/>
+            <a:r>
+              <a:rPr sz="1417">
+                <a:latin typeface="Helvetica"/>
+              </a:rPr>
+              <a:t>Lapa</a:t>
+            </a:r>
+          </a:p>
+        </p:txBody>
+      </p:sp>
+      <p:sp>
+        <p:nvSpPr>
+          <p:cNvPr id="11" name="TextBox 10"/>
+          <p:cNvSpPr txBox="1"/>
+          <p:nvPr/>
+        </p:nvSpPr>
+        <p:spPr>
+          <a:xfrm>
+            <a:off x="11340000" y="1440000"/>
+            <a:ext cx="1080000" cy="216000"/>
+          </a:xfrm>
+          <a:prstGeom prst="rect">
+            <a:avLst/>
+          </a:prstGeom>
+          <a:noFill/>
+        </p:spPr>
+        <p:txBody>
+          <a:bodyPr wrap="none">
+            <a:spAutoFit/>
+          </a:bodyPr>
+          <a:lstStyle/>
+          <a:p>
+            <a:pPr algn="l"/>
+            <a:r>
+              <a:rPr b="1" sz="1417">
+                <a:latin typeface="Helvetica"/>
+              </a:rPr>
+              <a:t>Cidade </a:t>
+            </a:r>
+          </a:p>
+        </p:txBody>
+      </p:sp>
+      <p:sp>
+        <p:nvSpPr>
+          <p:cNvPr id="12" name="TextBox 11"/>
+          <p:cNvSpPr txBox="1"/>
+          <p:nvPr/>
+        </p:nvSpPr>
+        <p:spPr>
+          <a:xfrm>
+            <a:off x="11340000" y="1692000"/>
+            <a:ext cx="1080000" cy="216000"/>
+          </a:xfrm>
+          <a:prstGeom prst="rect">
+            <a:avLst/>
+          </a:prstGeom>
+          <a:noFill/>
+        </p:spPr>
+        <p:txBody>
+          <a:bodyPr wrap="none">
+            <a:spAutoFit/>
+          </a:bodyPr>
+          <a:lstStyle/>
+          <a:p>
+            <a:pPr algn="l"/>
+            <a:r>
+              <a:rPr sz="1417">
+                <a:latin typeface="Helvetica"/>
+              </a:rPr>
+              <a:t>Rio de Janeiro</a:t>
+            </a:r>
+          </a:p>
+        </p:txBody>
+      </p:sp>
+      <p:sp>
+        <p:nvSpPr>
+          <p:cNvPr id="13" name="TextBox 12"/>
+          <p:cNvSpPr txBox="1"/>
+          <p:nvPr/>
+        </p:nvSpPr>
+        <p:spPr>
+          <a:xfrm>
+            <a:off x="11340000" y="2160000"/>
+            <a:ext cx="1080000" cy="216000"/>
+          </a:xfrm>
+          <a:prstGeom prst="rect">
+            <a:avLst/>
+          </a:prstGeom>
+          <a:noFill/>
+        </p:spPr>
+        <p:txBody>
+          <a:bodyPr wrap="none">
+            <a:spAutoFit/>
+          </a:bodyPr>
+          <a:lstStyle/>
+          <a:p>
+            <a:pPr algn="l"/>
+            <a:r>
+              <a:rPr b="1" sz="1417">
+                <a:latin typeface="Helvetica"/>
+              </a:rPr>
+              <a:t>Formato</a:t>
+            </a:r>
+          </a:p>
+        </p:txBody>
+      </p:sp>
+      <p:sp>
+        <p:nvSpPr>
+          <p:cNvPr id="14" name="TextBox 13"/>
+          <p:cNvSpPr txBox="1"/>
+          <p:nvPr/>
+        </p:nvSpPr>
+        <p:spPr>
+          <a:xfrm>
+            <a:off x="11340000" y="2412000"/>
+            <a:ext cx="1080000" cy="216000"/>
+          </a:xfrm>
+          <a:prstGeom prst="rect">
+            <a:avLst/>
+          </a:prstGeom>
+          <a:noFill/>
+        </p:spPr>
+        <p:txBody>
+          <a:bodyPr wrap="none">
+            <a:spAutoFit/>
+          </a:bodyPr>
+          <a:lstStyle/>
+          <a:p>
+            <a:pPr algn="l"/>
+            <a:r>
+              <a:rPr sz="1417">
+                <a:latin typeface="Helvetica"/>
+              </a:rPr>
+              <a:t>2,90m x 1,90m </a:t>
+            </a:r>
+          </a:p>
+        </p:txBody>
+      </p:sp>
+      <p:sp>
+        <p:nvSpPr>
+          <p:cNvPr id="15" name="TextBox 14"/>
+          <p:cNvSpPr txBox="1"/>
+          <p:nvPr/>
+        </p:nvSpPr>
+        <p:spPr>
+          <a:xfrm>
+            <a:off x="13680000" y="7326000"/>
+            <a:ext cx="360000" cy="360000"/>
+          </a:xfrm>
+          <a:prstGeom prst="rect">
+            <a:avLst/>
+          </a:prstGeom>
+          <a:noFill/>
+        </p:spPr>
+        <p:txBody>
+          <a:bodyPr wrap="none">
+            <a:spAutoFit/>
+          </a:bodyPr>
+          <a:lstStyle/>
+          <a:p>
+            <a:pPr algn="ctr"/>
+            <a:r>
+              <a:rPr b="1" sz="2267">
+                <a:solidFill>
+                  <a:srgbClr val="FFFFFF"/>
+                </a:solidFill>
+                <a:latin typeface="Helvetica"/>
+              </a:rPr>
+              <a:t>18</a:t>
+            </a:r>
+          </a:p>
+        </p:txBody>
+      </p:sp>
+    </p:spTree>
+  </p:cSld>
+  <p:clrMapOvr>
+    <a:masterClrMapping/>
+  </p:clrMapOvr>
+</p:sld>
+</file>
+
+<file path=ppt/slides/slide19.xml><?xml version="1.0" encoding="utf-8"?>
+<p:sld xmlns:a="http://schemas.openxmlformats.org/drawingml/2006/main" xmlns:p="http://schemas.openxmlformats.org/presentationml/2006/main" xmlns:r="http://schemas.openxmlformats.org/officeDocument/2006/relationships">
+  <p:cSld>
+    <p:spTree>
+      <p:nvGrpSpPr>
+        <p:cNvPr id="1" name=""/>
+        <p:cNvGrpSpPr/>
+        <p:nvPr/>
+      </p:nvGrpSpPr>
+      <p:grpSpPr/>
+      <p:pic>
+        <p:nvPicPr>
+          <p:cNvPr id="2" name="Picture 1" descr="template_pdf.jpg"/>
+          <p:cNvPicPr>
+            <a:picLocks noChangeAspect="1"/>
+          </p:cNvPicPr>
+          <p:nvPr/>
+        </p:nvPicPr>
+        <p:blipFill>
+          <a:blip r:embed="rId2"/>
+          <a:stretch>
+            <a:fillRect/>
+          </a:stretch>
+        </p:blipFill>
+        <p:spPr>
+          <a:xfrm>
+            <a:off x="0" y="0"/>
+            <a:ext cx="14400000" cy="7920000"/>
+          </a:xfrm>
+          <a:prstGeom prst="rect">
+            <a:avLst/>
+          </a:prstGeom>
+        </p:spPr>
+      </p:pic>
+      <p:sp>
+        <p:nvSpPr>
+          <p:cNvPr id="3" name="TextBox 2"/>
+          <p:cNvSpPr txBox="1"/>
+          <p:nvPr/>
+        </p:nvSpPr>
+        <p:spPr>
+          <a:xfrm>
+            <a:off x="0" y="180000"/>
+            <a:ext cx="15120000" cy="180000"/>
+          </a:xfrm>
+          <a:prstGeom prst="rect">
+            <a:avLst/>
+          </a:prstGeom>
+          <a:noFill/>
+        </p:spPr>
+        <p:txBody>
+          <a:bodyPr wrap="none">
+            <a:spAutoFit/>
+          </a:bodyPr>
+          <a:lstStyle/>
+          <a:p>
+            <a:pPr algn="ctr"/>
+            <a:r>
+              <a:rPr b="1" sz="1984">
+                <a:solidFill>
+                  <a:srgbClr val="FFFFFF"/>
+                </a:solidFill>
+                <a:latin typeface="Helvetica"/>
+              </a:rPr>
+              <a:t>Rua do Riachuelo 92 frente Lapa 40º </a:t>
+            </a:r>
+          </a:p>
+        </p:txBody>
+      </p:sp>
+      <p:pic>
+        <p:nvPicPr>
+          <p:cNvPr id="4" name="Picture 3" descr="temp_image17.jpg"/>
+          <p:cNvPicPr>
+            <a:picLocks noChangeAspect="1"/>
+          </p:cNvPicPr>
+          <p:nvPr/>
+        </p:nvPicPr>
+        <p:blipFill>
+          <a:blip r:embed="rId3"/>
+          <a:stretch>
+            <a:fillRect/>
+          </a:stretch>
+        </p:blipFill>
+        <p:spPr>
+          <a:xfrm>
+            <a:off x="108000" y="785160"/>
+            <a:ext cx="11160000" cy="6480000"/>
+          </a:xfrm>
+          <a:prstGeom prst="rect">
+            <a:avLst/>
+          </a:prstGeom>
+        </p:spPr>
+      </p:pic>
+      <p:sp>
+        <p:nvSpPr>
+          <p:cNvPr id="5" name="TextBox 4"/>
+          <p:cNvSpPr txBox="1"/>
+          <p:nvPr/>
+        </p:nvSpPr>
+        <p:spPr>
+          <a:xfrm>
+            <a:off x="108000" y="7380000"/>
+            <a:ext cx="1080000" cy="180000"/>
+          </a:xfrm>
+          <a:prstGeom prst="rect">
+            <a:avLst/>
+          </a:prstGeom>
+          <a:noFill/>
+        </p:spPr>
+        <p:txBody>
+          <a:bodyPr wrap="none">
+            <a:spAutoFit/>
+          </a:bodyPr>
+          <a:lstStyle/>
+          <a:p>
+            <a:pPr algn="l"/>
+            <a:r>
+              <a:rPr b="1" sz="1417">
+                <a:latin typeface="Helvetica"/>
+              </a:rPr>
+              <a:t>Coordenadas:</a:t>
+            </a:r>
+          </a:p>
+        </p:txBody>
+      </p:sp>
+      <p:sp>
+        <p:nvSpPr>
+          <p:cNvPr id="6" name="TextBox 5"/>
+          <p:cNvSpPr txBox="1"/>
+          <p:nvPr/>
+        </p:nvSpPr>
+        <p:spPr>
+          <a:xfrm>
+            <a:off x="1458000" y="7380000"/>
+            <a:ext cx="1800000" cy="216000"/>
+          </a:xfrm>
+          <a:prstGeom prst="rect">
+            <a:avLst/>
+          </a:prstGeom>
+          <a:noFill/>
+        </p:spPr>
+        <p:txBody>
+          <a:bodyPr wrap="none">
+            <a:spAutoFit/>
+          </a:bodyPr>
+          <a:lstStyle/>
+          <a:p>
+            <a:pPr algn="l"/>
+            <a:r>
+              <a:rPr sz="1417">
+                <a:latin typeface="Helvetica"/>
+              </a:rPr>
+              <a:t>-22.91429  -43.18346</a:t>
+            </a:r>
+          </a:p>
+        </p:txBody>
+      </p:sp>
+      <p:sp>
+        <p:nvSpPr>
+          <p:cNvPr id="7" name="TextBox 6"/>
+          <p:cNvSpPr txBox="1"/>
+          <p:nvPr/>
+        </p:nvSpPr>
+        <p:spPr>
+          <a:xfrm>
+            <a:off x="6480000" y="7380000"/>
+            <a:ext cx="1080000" cy="180000"/>
+          </a:xfrm>
+          <a:prstGeom prst="rect">
+            <a:avLst/>
+          </a:prstGeom>
+          <a:noFill/>
+        </p:spPr>
+        <p:txBody>
+          <a:bodyPr wrap="none">
+            <a:spAutoFit/>
+          </a:bodyPr>
+          <a:lstStyle/>
+          <a:p>
+            <a:pPr algn="l"/>
+            <a:r>
+              <a:rPr b="1" sz="1417">
+                <a:latin typeface="Helvetica"/>
+              </a:rPr>
+              <a:t>Codigo:</a:t>
+            </a:r>
+          </a:p>
+        </p:txBody>
+      </p:sp>
+      <p:sp>
+        <p:nvSpPr>
+          <p:cNvPr id="8" name="TextBox 7"/>
+          <p:cNvSpPr txBox="1"/>
+          <p:nvPr/>
+        </p:nvSpPr>
+        <p:spPr>
+          <a:xfrm>
+            <a:off x="7272000" y="7380000"/>
+            <a:ext cx="1800000" cy="216000"/>
+          </a:xfrm>
+          <a:prstGeom prst="rect">
+            <a:avLst/>
+          </a:prstGeom>
+          <a:noFill/>
+        </p:spPr>
+        <p:txBody>
+          <a:bodyPr wrap="none">
+            <a:spAutoFit/>
+          </a:bodyPr>
+          <a:lstStyle/>
+          <a:p>
+            <a:pPr algn="l"/>
+            <a:r>
+              <a:rPr sz="1417">
+                <a:latin typeface="Helvetica"/>
+              </a:rPr>
+              <a:t>MPR78</a:t>
+            </a:r>
+          </a:p>
+        </p:txBody>
+      </p:sp>
+      <p:sp>
+        <p:nvSpPr>
+          <p:cNvPr id="9" name="TextBox 8"/>
+          <p:cNvSpPr txBox="1"/>
+          <p:nvPr/>
+        </p:nvSpPr>
+        <p:spPr>
+          <a:xfrm>
+            <a:off x="11340000" y="720000"/>
+            <a:ext cx="1080000" cy="216000"/>
+          </a:xfrm>
+          <a:prstGeom prst="rect">
+            <a:avLst/>
+          </a:prstGeom>
+          <a:noFill/>
+        </p:spPr>
+        <p:txBody>
+          <a:bodyPr wrap="none">
+            <a:spAutoFit/>
+          </a:bodyPr>
+          <a:lstStyle/>
+          <a:p>
+            <a:pPr algn="l"/>
+            <a:r>
+              <a:rPr b="1" sz="1417">
+                <a:latin typeface="Helvetica"/>
+              </a:rPr>
+              <a:t>Bairro</a:t>
+            </a:r>
+          </a:p>
+        </p:txBody>
+      </p:sp>
+      <p:sp>
+        <p:nvSpPr>
+          <p:cNvPr id="10" name="TextBox 9"/>
+          <p:cNvSpPr txBox="1"/>
+          <p:nvPr/>
+        </p:nvSpPr>
+        <p:spPr>
+          <a:xfrm>
+            <a:off x="11340000" y="972000"/>
+            <a:ext cx="1080000" cy="216000"/>
+          </a:xfrm>
+          <a:prstGeom prst="rect">
+            <a:avLst/>
+          </a:prstGeom>
+          <a:noFill/>
+        </p:spPr>
+        <p:txBody>
+          <a:bodyPr wrap="none">
+            <a:spAutoFit/>
+          </a:bodyPr>
+          <a:lstStyle/>
+          <a:p>
+            <a:pPr algn="l"/>
+            <a:r>
+              <a:rPr sz="1417">
+                <a:latin typeface="Helvetica"/>
+              </a:rPr>
+              <a:t>Lapa</a:t>
+            </a:r>
+          </a:p>
+        </p:txBody>
+      </p:sp>
+      <p:sp>
+        <p:nvSpPr>
+          <p:cNvPr id="11" name="TextBox 10"/>
+          <p:cNvSpPr txBox="1"/>
+          <p:nvPr/>
+        </p:nvSpPr>
+        <p:spPr>
+          <a:xfrm>
+            <a:off x="11340000" y="1440000"/>
+            <a:ext cx="1080000" cy="216000"/>
+          </a:xfrm>
+          <a:prstGeom prst="rect">
+            <a:avLst/>
+          </a:prstGeom>
+          <a:noFill/>
+        </p:spPr>
+        <p:txBody>
+          <a:bodyPr wrap="none">
+            <a:spAutoFit/>
+          </a:bodyPr>
+          <a:lstStyle/>
+          <a:p>
+            <a:pPr algn="l"/>
+            <a:r>
+              <a:rPr b="1" sz="1417">
+                <a:latin typeface="Helvetica"/>
+              </a:rPr>
+              <a:t>Cidade </a:t>
+            </a:r>
+          </a:p>
+        </p:txBody>
+      </p:sp>
+      <p:sp>
+        <p:nvSpPr>
+          <p:cNvPr id="12" name="TextBox 11"/>
+          <p:cNvSpPr txBox="1"/>
+          <p:nvPr/>
+        </p:nvSpPr>
+        <p:spPr>
+          <a:xfrm>
+            <a:off x="11340000" y="1692000"/>
+            <a:ext cx="1080000" cy="216000"/>
+          </a:xfrm>
+          <a:prstGeom prst="rect">
+            <a:avLst/>
+          </a:prstGeom>
+          <a:noFill/>
+        </p:spPr>
+        <p:txBody>
+          <a:bodyPr wrap="none">
+            <a:spAutoFit/>
+          </a:bodyPr>
+          <a:lstStyle/>
+          <a:p>
+            <a:pPr algn="l"/>
+            <a:r>
+              <a:rPr sz="1417">
+                <a:latin typeface="Helvetica"/>
+              </a:rPr>
+              <a:t>Rio de Janeiro</a:t>
+            </a:r>
+          </a:p>
+        </p:txBody>
+      </p:sp>
+      <p:sp>
+        <p:nvSpPr>
+          <p:cNvPr id="13" name="TextBox 12"/>
+          <p:cNvSpPr txBox="1"/>
+          <p:nvPr/>
+        </p:nvSpPr>
+        <p:spPr>
+          <a:xfrm>
+            <a:off x="11340000" y="2160000"/>
+            <a:ext cx="1080000" cy="216000"/>
+          </a:xfrm>
+          <a:prstGeom prst="rect">
+            <a:avLst/>
+          </a:prstGeom>
+          <a:noFill/>
+        </p:spPr>
+        <p:txBody>
+          <a:bodyPr wrap="none">
+            <a:spAutoFit/>
+          </a:bodyPr>
+          <a:lstStyle/>
+          <a:p>
+            <a:pPr algn="l"/>
+            <a:r>
+              <a:rPr b="1" sz="1417">
+                <a:latin typeface="Helvetica"/>
+              </a:rPr>
+              <a:t>Formato</a:t>
+            </a:r>
+          </a:p>
+        </p:txBody>
+      </p:sp>
+      <p:sp>
+        <p:nvSpPr>
+          <p:cNvPr id="14" name="TextBox 13"/>
+          <p:cNvSpPr txBox="1"/>
+          <p:nvPr/>
+        </p:nvSpPr>
+        <p:spPr>
+          <a:xfrm>
+            <a:off x="11340000" y="2412000"/>
+            <a:ext cx="1080000" cy="216000"/>
+          </a:xfrm>
+          <a:prstGeom prst="rect">
+            <a:avLst/>
+          </a:prstGeom>
+          <a:noFill/>
+        </p:spPr>
+        <p:txBody>
+          <a:bodyPr wrap="none">
+            <a:spAutoFit/>
+          </a:bodyPr>
+          <a:lstStyle/>
+          <a:p>
+            <a:pPr algn="l"/>
+            <a:r>
+              <a:rPr sz="1417">
+                <a:latin typeface="Helvetica"/>
+              </a:rPr>
+              <a:t>3,70m x 2,00m </a:t>
+            </a:r>
+          </a:p>
+        </p:txBody>
+      </p:sp>
+      <p:sp>
+        <p:nvSpPr>
+          <p:cNvPr id="15" name="TextBox 14"/>
+          <p:cNvSpPr txBox="1"/>
+          <p:nvPr/>
+        </p:nvSpPr>
+        <p:spPr>
+          <a:xfrm>
+            <a:off x="13680000" y="7326000"/>
+            <a:ext cx="360000" cy="360000"/>
+          </a:xfrm>
+          <a:prstGeom prst="rect">
+            <a:avLst/>
+          </a:prstGeom>
+          <a:noFill/>
+        </p:spPr>
+        <p:txBody>
+          <a:bodyPr wrap="none">
+            <a:spAutoFit/>
+          </a:bodyPr>
+          <a:lstStyle/>
+          <a:p>
+            <a:pPr algn="ctr"/>
+            <a:r>
+              <a:rPr b="1" sz="2267">
+                <a:solidFill>
+                  <a:srgbClr val="FFFFFF"/>
+                </a:solidFill>
+                <a:latin typeface="Helvetica"/>
+              </a:rPr>
+              <a:t>19</a:t>
+            </a:r>
+          </a:p>
+        </p:txBody>
+      </p:sp>
+    </p:spTree>
+  </p:cSld>
+  <p:clrMapOvr>
+    <a:masterClrMapping/>
+  </p:clrMapOvr>
+</p:sld>
+</file>
+
 <file path=ppt/slides/slide2.xml><?xml version="1.0" encoding="utf-8"?>
 <p:sld xmlns:a="http://schemas.openxmlformats.org/drawingml/2006/main" xmlns:p="http://schemas.openxmlformats.org/presentationml/2006/main" xmlns:r="http://schemas.openxmlformats.org/officeDocument/2006/relationships">
   <p:cSld>
@@ -3221,14 +7827,14 @@
                 </a:solidFill>
                 <a:latin typeface="Helvetica"/>
               </a:rPr>
-              <a:t>CARLOS PELLEGRINI 421 (OBELISCO)</a:t>
+              <a:t>Av. Almirante Barroso, 63 (Esq. Av. Rio Branco, 185)</a:t>
             </a:r>
           </a:p>
         </p:txBody>
       </p:sp>
       <p:pic>
         <p:nvPicPr>
-          <p:cNvPr id="4" name="Picture 3" descr="temp_image0.png"/>
+          <p:cNvPr id="4" name="Picture 3" descr="temp_image0.jpg"/>
           <p:cNvPicPr>
             <a:picLocks noChangeAspect="1"/>
           </p:cNvPicPr>
@@ -3309,7 +7915,7 @@
               <a:rPr sz="1417">
                 <a:latin typeface="Helvetica"/>
               </a:rPr>
-              <a:t>-34.6034324  -58.3830235</a:t>
+              <a:t>-22.907955  -43.176079</a:t>
             </a:r>
           </a:p>
         </p:txBody>
@@ -3373,7 +7979,7 @@
               <a:rPr sz="1417">
                 <a:latin typeface="Helvetica"/>
               </a:rPr>
-              <a:t>MA60</a:t>
+              <a:t>MEM199</a:t>
             </a:r>
           </a:p>
         </p:txBody>
@@ -3437,7 +8043,7 @@
               <a:rPr sz="1417">
                 <a:latin typeface="Helvetica"/>
               </a:rPr>
-              <a:t/>
+              <a:t>Centro </a:t>
             </a:r>
           </a:p>
         </p:txBody>
@@ -3469,7 +8075,7 @@
               <a:rPr b="1" sz="1417">
                 <a:latin typeface="Helvetica"/>
               </a:rPr>
-              <a:t>Ciudad</a:t>
+              <a:t>Cidade </a:t>
             </a:r>
           </a:p>
         </p:txBody>
@@ -3501,7 +8107,7 @@
               <a:rPr sz="1417">
                 <a:latin typeface="Helvetica"/>
               </a:rPr>
-              <a:t>CABA</a:t>
+              <a:t>Rio de Janeiro</a:t>
             </a:r>
           </a:p>
         </p:txBody>
@@ -3565,7 +8171,7 @@
               <a:rPr sz="1417">
                 <a:latin typeface="Helvetica"/>
               </a:rPr>
-              <a:t>Pantalla </a:t>
+              <a:t>Banca3,30 x 1,70</a:t>
             </a:r>
           </a:p>
         </p:txBody>
@@ -3601,6 +8207,462 @@
                 <a:latin typeface="Helvetica"/>
               </a:rPr>
               <a:t>2</a:t>
+            </a:r>
+          </a:p>
+        </p:txBody>
+      </p:sp>
+    </p:spTree>
+  </p:cSld>
+  <p:clrMapOvr>
+    <a:masterClrMapping/>
+  </p:clrMapOvr>
+</p:sld>
+</file>
+
+<file path=ppt/slides/slide20.xml><?xml version="1.0" encoding="utf-8"?>
+<p:sld xmlns:a="http://schemas.openxmlformats.org/drawingml/2006/main" xmlns:p="http://schemas.openxmlformats.org/presentationml/2006/main" xmlns:r="http://schemas.openxmlformats.org/officeDocument/2006/relationships">
+  <p:cSld>
+    <p:spTree>
+      <p:nvGrpSpPr>
+        <p:cNvPr id="1" name=""/>
+        <p:cNvGrpSpPr/>
+        <p:nvPr/>
+      </p:nvGrpSpPr>
+      <p:grpSpPr/>
+      <p:pic>
+        <p:nvPicPr>
+          <p:cNvPr id="2" name="Picture 1" descr="template_pdf.jpg"/>
+          <p:cNvPicPr>
+            <a:picLocks noChangeAspect="1"/>
+          </p:cNvPicPr>
+          <p:nvPr/>
+        </p:nvPicPr>
+        <p:blipFill>
+          <a:blip r:embed="rId2"/>
+          <a:stretch>
+            <a:fillRect/>
+          </a:stretch>
+        </p:blipFill>
+        <p:spPr>
+          <a:xfrm>
+            <a:off x="0" y="0"/>
+            <a:ext cx="14400000" cy="7920000"/>
+          </a:xfrm>
+          <a:prstGeom prst="rect">
+            <a:avLst/>
+          </a:prstGeom>
+        </p:spPr>
+      </p:pic>
+      <p:sp>
+        <p:nvSpPr>
+          <p:cNvPr id="3" name="TextBox 2"/>
+          <p:cNvSpPr txBox="1"/>
+          <p:nvPr/>
+        </p:nvSpPr>
+        <p:spPr>
+          <a:xfrm>
+            <a:off x="0" y="180000"/>
+            <a:ext cx="15120000" cy="180000"/>
+          </a:xfrm>
+          <a:prstGeom prst="rect">
+            <a:avLst/>
+          </a:prstGeom>
+          <a:noFill/>
+        </p:spPr>
+        <p:txBody>
+          <a:bodyPr wrap="none">
+            <a:spAutoFit/>
+          </a:bodyPr>
+          <a:lstStyle/>
+          <a:p>
+            <a:pPr algn="ctr"/>
+            <a:r>
+              <a:rPr b="1" sz="1984">
+                <a:solidFill>
+                  <a:srgbClr val="FFFFFF"/>
+                </a:solidFill>
+                <a:latin typeface="Helvetica"/>
+              </a:rPr>
+              <a:t>Rua Gomes Freire 373 </a:t>
+            </a:r>
+          </a:p>
+        </p:txBody>
+      </p:sp>
+      <p:pic>
+        <p:nvPicPr>
+          <p:cNvPr id="4" name="Picture 3" descr="temp_image18.jpg"/>
+          <p:cNvPicPr>
+            <a:picLocks noChangeAspect="1"/>
+          </p:cNvPicPr>
+          <p:nvPr/>
+        </p:nvPicPr>
+        <p:blipFill>
+          <a:blip r:embed="rId3"/>
+          <a:stretch>
+            <a:fillRect/>
+          </a:stretch>
+        </p:blipFill>
+        <p:spPr>
+          <a:xfrm>
+            <a:off x="108000" y="785160"/>
+            <a:ext cx="11160000" cy="6480000"/>
+          </a:xfrm>
+          <a:prstGeom prst="rect">
+            <a:avLst/>
+          </a:prstGeom>
+        </p:spPr>
+      </p:pic>
+      <p:sp>
+        <p:nvSpPr>
+          <p:cNvPr id="5" name="TextBox 4"/>
+          <p:cNvSpPr txBox="1"/>
+          <p:nvPr/>
+        </p:nvSpPr>
+        <p:spPr>
+          <a:xfrm>
+            <a:off x="108000" y="7380000"/>
+            <a:ext cx="1080000" cy="180000"/>
+          </a:xfrm>
+          <a:prstGeom prst="rect">
+            <a:avLst/>
+          </a:prstGeom>
+          <a:noFill/>
+        </p:spPr>
+        <p:txBody>
+          <a:bodyPr wrap="none">
+            <a:spAutoFit/>
+          </a:bodyPr>
+          <a:lstStyle/>
+          <a:p>
+            <a:pPr algn="l"/>
+            <a:r>
+              <a:rPr b="1" sz="1417">
+                <a:latin typeface="Helvetica"/>
+              </a:rPr>
+              <a:t>Coordenadas:</a:t>
+            </a:r>
+          </a:p>
+        </p:txBody>
+      </p:sp>
+      <p:sp>
+        <p:nvSpPr>
+          <p:cNvPr id="6" name="TextBox 5"/>
+          <p:cNvSpPr txBox="1"/>
+          <p:nvPr/>
+        </p:nvSpPr>
+        <p:spPr>
+          <a:xfrm>
+            <a:off x="1458000" y="7380000"/>
+            <a:ext cx="1800000" cy="216000"/>
+          </a:xfrm>
+          <a:prstGeom prst="rect">
+            <a:avLst/>
+          </a:prstGeom>
+          <a:noFill/>
+        </p:spPr>
+        <p:txBody>
+          <a:bodyPr wrap="none">
+            <a:spAutoFit/>
+          </a:bodyPr>
+          <a:lstStyle/>
+          <a:p>
+            <a:pPr algn="l"/>
+            <a:r>
+              <a:rPr sz="1417">
+                <a:latin typeface="Helvetica"/>
+              </a:rPr>
+              <a:t>-22.91015  -43.18398</a:t>
+            </a:r>
+          </a:p>
+        </p:txBody>
+      </p:sp>
+      <p:sp>
+        <p:nvSpPr>
+          <p:cNvPr id="7" name="TextBox 6"/>
+          <p:cNvSpPr txBox="1"/>
+          <p:nvPr/>
+        </p:nvSpPr>
+        <p:spPr>
+          <a:xfrm>
+            <a:off x="6480000" y="7380000"/>
+            <a:ext cx="1080000" cy="180000"/>
+          </a:xfrm>
+          <a:prstGeom prst="rect">
+            <a:avLst/>
+          </a:prstGeom>
+          <a:noFill/>
+        </p:spPr>
+        <p:txBody>
+          <a:bodyPr wrap="none">
+            <a:spAutoFit/>
+          </a:bodyPr>
+          <a:lstStyle/>
+          <a:p>
+            <a:pPr algn="l"/>
+            <a:r>
+              <a:rPr b="1" sz="1417">
+                <a:latin typeface="Helvetica"/>
+              </a:rPr>
+              <a:t>Codigo:</a:t>
+            </a:r>
+          </a:p>
+        </p:txBody>
+      </p:sp>
+      <p:sp>
+        <p:nvSpPr>
+          <p:cNvPr id="8" name="TextBox 7"/>
+          <p:cNvSpPr txBox="1"/>
+          <p:nvPr/>
+        </p:nvSpPr>
+        <p:spPr>
+          <a:xfrm>
+            <a:off x="7272000" y="7380000"/>
+            <a:ext cx="1800000" cy="216000"/>
+          </a:xfrm>
+          <a:prstGeom prst="rect">
+            <a:avLst/>
+          </a:prstGeom>
+          <a:noFill/>
+        </p:spPr>
+        <p:txBody>
+          <a:bodyPr wrap="none">
+            <a:spAutoFit/>
+          </a:bodyPr>
+          <a:lstStyle/>
+          <a:p>
+            <a:pPr algn="l"/>
+            <a:r>
+              <a:rPr sz="1417">
+                <a:latin typeface="Helvetica"/>
+              </a:rPr>
+              <a:t>MPR79</a:t>
+            </a:r>
+          </a:p>
+        </p:txBody>
+      </p:sp>
+      <p:sp>
+        <p:nvSpPr>
+          <p:cNvPr id="9" name="TextBox 8"/>
+          <p:cNvSpPr txBox="1"/>
+          <p:nvPr/>
+        </p:nvSpPr>
+        <p:spPr>
+          <a:xfrm>
+            <a:off x="11340000" y="720000"/>
+            <a:ext cx="1080000" cy="216000"/>
+          </a:xfrm>
+          <a:prstGeom prst="rect">
+            <a:avLst/>
+          </a:prstGeom>
+          <a:noFill/>
+        </p:spPr>
+        <p:txBody>
+          <a:bodyPr wrap="none">
+            <a:spAutoFit/>
+          </a:bodyPr>
+          <a:lstStyle/>
+          <a:p>
+            <a:pPr algn="l"/>
+            <a:r>
+              <a:rPr b="1" sz="1417">
+                <a:latin typeface="Helvetica"/>
+              </a:rPr>
+              <a:t>Bairro</a:t>
+            </a:r>
+          </a:p>
+        </p:txBody>
+      </p:sp>
+      <p:sp>
+        <p:nvSpPr>
+          <p:cNvPr id="10" name="TextBox 9"/>
+          <p:cNvSpPr txBox="1"/>
+          <p:nvPr/>
+        </p:nvSpPr>
+        <p:spPr>
+          <a:xfrm>
+            <a:off x="11340000" y="972000"/>
+            <a:ext cx="1080000" cy="216000"/>
+          </a:xfrm>
+          <a:prstGeom prst="rect">
+            <a:avLst/>
+          </a:prstGeom>
+          <a:noFill/>
+        </p:spPr>
+        <p:txBody>
+          <a:bodyPr wrap="none">
+            <a:spAutoFit/>
+          </a:bodyPr>
+          <a:lstStyle/>
+          <a:p>
+            <a:pPr algn="l"/>
+            <a:r>
+              <a:rPr sz="1417">
+                <a:latin typeface="Helvetica"/>
+              </a:rPr>
+              <a:t>Lapa</a:t>
+            </a:r>
+          </a:p>
+        </p:txBody>
+      </p:sp>
+      <p:sp>
+        <p:nvSpPr>
+          <p:cNvPr id="11" name="TextBox 10"/>
+          <p:cNvSpPr txBox="1"/>
+          <p:nvPr/>
+        </p:nvSpPr>
+        <p:spPr>
+          <a:xfrm>
+            <a:off x="11340000" y="1440000"/>
+            <a:ext cx="1080000" cy="216000"/>
+          </a:xfrm>
+          <a:prstGeom prst="rect">
+            <a:avLst/>
+          </a:prstGeom>
+          <a:noFill/>
+        </p:spPr>
+        <p:txBody>
+          <a:bodyPr wrap="none">
+            <a:spAutoFit/>
+          </a:bodyPr>
+          <a:lstStyle/>
+          <a:p>
+            <a:pPr algn="l"/>
+            <a:r>
+              <a:rPr b="1" sz="1417">
+                <a:latin typeface="Helvetica"/>
+              </a:rPr>
+              <a:t>Cidade </a:t>
+            </a:r>
+          </a:p>
+        </p:txBody>
+      </p:sp>
+      <p:sp>
+        <p:nvSpPr>
+          <p:cNvPr id="12" name="TextBox 11"/>
+          <p:cNvSpPr txBox="1"/>
+          <p:nvPr/>
+        </p:nvSpPr>
+        <p:spPr>
+          <a:xfrm>
+            <a:off x="11340000" y="1692000"/>
+            <a:ext cx="1080000" cy="216000"/>
+          </a:xfrm>
+          <a:prstGeom prst="rect">
+            <a:avLst/>
+          </a:prstGeom>
+          <a:noFill/>
+        </p:spPr>
+        <p:txBody>
+          <a:bodyPr wrap="none">
+            <a:spAutoFit/>
+          </a:bodyPr>
+          <a:lstStyle/>
+          <a:p>
+            <a:pPr algn="l"/>
+            <a:r>
+              <a:rPr sz="1417">
+                <a:latin typeface="Helvetica"/>
+              </a:rPr>
+              <a:t>Rio de Janeiro</a:t>
+            </a:r>
+          </a:p>
+        </p:txBody>
+      </p:sp>
+      <p:sp>
+        <p:nvSpPr>
+          <p:cNvPr id="13" name="TextBox 12"/>
+          <p:cNvSpPr txBox="1"/>
+          <p:nvPr/>
+        </p:nvSpPr>
+        <p:spPr>
+          <a:xfrm>
+            <a:off x="11340000" y="2160000"/>
+            <a:ext cx="1080000" cy="216000"/>
+          </a:xfrm>
+          <a:prstGeom prst="rect">
+            <a:avLst/>
+          </a:prstGeom>
+          <a:noFill/>
+        </p:spPr>
+        <p:txBody>
+          <a:bodyPr wrap="none">
+            <a:spAutoFit/>
+          </a:bodyPr>
+          <a:lstStyle/>
+          <a:p>
+            <a:pPr algn="l"/>
+            <a:r>
+              <a:rPr b="1" sz="1417">
+                <a:latin typeface="Helvetica"/>
+              </a:rPr>
+              <a:t>Formato</a:t>
+            </a:r>
+          </a:p>
+        </p:txBody>
+      </p:sp>
+      <p:sp>
+        <p:nvSpPr>
+          <p:cNvPr id="14" name="TextBox 13"/>
+          <p:cNvSpPr txBox="1"/>
+          <p:nvPr/>
+        </p:nvSpPr>
+        <p:spPr>
+          <a:xfrm>
+            <a:off x="11340000" y="2412000"/>
+            <a:ext cx="1080000" cy="216000"/>
+          </a:xfrm>
+          <a:prstGeom prst="rect">
+            <a:avLst/>
+          </a:prstGeom>
+          <a:noFill/>
+        </p:spPr>
+        <p:txBody>
+          <a:bodyPr wrap="none">
+            <a:spAutoFit/>
+          </a:bodyPr>
+          <a:lstStyle/>
+          <a:p>
+            <a:pPr algn="l"/>
+            <a:r>
+              <a:rPr sz="1417">
+                <a:latin typeface="Helvetica"/>
+              </a:rPr>
+              <a:t>2,90m x 2,00m</a:t>
+            </a:r>
+          </a:p>
+        </p:txBody>
+      </p:sp>
+      <p:sp>
+        <p:nvSpPr>
+          <p:cNvPr id="15" name="TextBox 14"/>
+          <p:cNvSpPr txBox="1"/>
+          <p:nvPr/>
+        </p:nvSpPr>
+        <p:spPr>
+          <a:xfrm>
+            <a:off x="13680000" y="7326000"/>
+            <a:ext cx="360000" cy="360000"/>
+          </a:xfrm>
+          <a:prstGeom prst="rect">
+            <a:avLst/>
+          </a:prstGeom>
+          <a:noFill/>
+        </p:spPr>
+        <p:txBody>
+          <a:bodyPr wrap="none">
+            <a:spAutoFit/>
+          </a:bodyPr>
+          <a:lstStyle/>
+          <a:p>
+            <a:pPr algn="ctr"/>
+            <a:r>
+              <a:rPr b="1" sz="2267">
+                <a:solidFill>
+                  <a:srgbClr val="FFFFFF"/>
+                </a:solidFill>
+                <a:latin typeface="Helvetica"/>
+              </a:rPr>
+              <a:t>20</a:t>
             </a:r>
           </a:p>
         </p:txBody>
@@ -3677,14 +8739,14 @@
                 </a:solidFill>
                 <a:latin typeface="Helvetica"/>
               </a:rPr>
-              <a:t>AV.CABILDO 2202</a:t>
+              <a:t>Av. Presidente Vargas, 583</a:t>
             </a:r>
           </a:p>
         </p:txBody>
       </p:sp>
       <p:pic>
         <p:nvPicPr>
-          <p:cNvPr id="4" name="Picture 3" descr="temp_image0.png"/>
+          <p:cNvPr id="4" name="Picture 3" descr="temp_image1.jpg"/>
           <p:cNvPicPr>
             <a:picLocks noChangeAspect="1"/>
           </p:cNvPicPr>
@@ -3765,7 +8827,7 @@
               <a:rPr sz="1417">
                 <a:latin typeface="Helvetica"/>
               </a:rPr>
-              <a:t>-34.6034324  -58.3830235</a:t>
+              <a:t>-22.9022902  -43.1807516</a:t>
             </a:r>
           </a:p>
         </p:txBody>
@@ -3829,7 +8891,7 @@
               <a:rPr sz="1417">
                 <a:latin typeface="Helvetica"/>
               </a:rPr>
-              <a:t>MA61</a:t>
+              <a:t>MEM245</a:t>
             </a:r>
           </a:p>
         </p:txBody>
@@ -3893,7 +8955,7 @@
               <a:rPr sz="1417">
                 <a:latin typeface="Helvetica"/>
               </a:rPr>
-              <a:t/>
+              <a:t>Centro </a:t>
             </a:r>
           </a:p>
         </p:txBody>
@@ -3925,7 +8987,7 @@
               <a:rPr b="1" sz="1417">
                 <a:latin typeface="Helvetica"/>
               </a:rPr>
-              <a:t>Ciudad</a:t>
+              <a:t>Cidade </a:t>
             </a:r>
           </a:p>
         </p:txBody>
@@ -3957,7 +9019,7 @@
               <a:rPr sz="1417">
                 <a:latin typeface="Helvetica"/>
               </a:rPr>
-              <a:t>CABA</a:t>
+              <a:t>Rio de Janeiro</a:t>
             </a:r>
           </a:p>
         </p:txBody>
@@ -4021,7 +9083,7 @@
               <a:rPr sz="1417">
                 <a:latin typeface="Helvetica"/>
               </a:rPr>
-              <a:t>Pantalla </a:t>
+              <a:t>Banca3,27 x 1,67</a:t>
             </a:r>
           </a:p>
         </p:txBody>
@@ -4133,14 +9195,14 @@
                 </a:solidFill>
                 <a:latin typeface="Helvetica"/>
               </a:rPr>
-              <a:t>AV.RIVADAVIA 3902</a:t>
+              <a:t>Av. Presidente Vargas, 824</a:t>
             </a:r>
           </a:p>
         </p:txBody>
       </p:sp>
       <p:pic>
         <p:nvPicPr>
-          <p:cNvPr id="4" name="Picture 3" descr="temp_image2.png"/>
+          <p:cNvPr id="4" name="Picture 3" descr="temp_image2.jpg"/>
           <p:cNvPicPr>
             <a:picLocks noChangeAspect="1"/>
           </p:cNvPicPr>
@@ -4221,7 +9283,7 @@
               <a:rPr sz="1417">
                 <a:latin typeface="Helvetica"/>
               </a:rPr>
-              <a:t>-34.5611276  -58.4575854</a:t>
+              <a:t>-22.90373  -43.186055</a:t>
             </a:r>
           </a:p>
         </p:txBody>
@@ -4285,7 +9347,7 @@
               <a:rPr sz="1417">
                 <a:latin typeface="Helvetica"/>
               </a:rPr>
-              <a:t>MA62</a:t>
+              <a:t>MEM246</a:t>
             </a:r>
           </a:p>
         </p:txBody>
@@ -4349,7 +9411,7 @@
               <a:rPr sz="1417">
                 <a:latin typeface="Helvetica"/>
               </a:rPr>
-              <a:t/>
+              <a:t>Centro </a:t>
             </a:r>
           </a:p>
         </p:txBody>
@@ -4381,7 +9443,7 @@
               <a:rPr b="1" sz="1417">
                 <a:latin typeface="Helvetica"/>
               </a:rPr>
-              <a:t>Ciudad</a:t>
+              <a:t>Cidade </a:t>
             </a:r>
           </a:p>
         </p:txBody>
@@ -4413,7 +9475,7 @@
               <a:rPr sz="1417">
                 <a:latin typeface="Helvetica"/>
               </a:rPr>
-              <a:t>CABA</a:t>
+              <a:t>Rio de Janeiro</a:t>
             </a:r>
           </a:p>
         </p:txBody>
@@ -4477,7 +9539,7 @@
               <a:rPr sz="1417">
                 <a:latin typeface="Helvetica"/>
               </a:rPr>
-              <a:t>Pantalla </a:t>
+              <a:t>Banca3,30 x 1,70</a:t>
             </a:r>
           </a:p>
         </p:txBody>
@@ -4589,14 +9651,14 @@
                 </a:solidFill>
                 <a:latin typeface="Helvetica"/>
               </a:rPr>
-              <a:t>AV.TRIUNVIRATO 3700</a:t>
+              <a:t>Rua Da Glória, 344 Acesso A Laranjeiras E Praia Do Flamengo</a:t>
             </a:r>
           </a:p>
         </p:txBody>
       </p:sp>
       <p:pic>
         <p:nvPicPr>
-          <p:cNvPr id="4" name="Picture 3" descr="temp_image3.png"/>
+          <p:cNvPr id="4" name="Picture 3" descr="temp_image3.jpg"/>
           <p:cNvPicPr>
             <a:picLocks noChangeAspect="1"/>
           </p:cNvPicPr>
@@ -4677,7 +9739,7 @@
               <a:rPr sz="1417">
                 <a:latin typeface="Helvetica"/>
               </a:rPr>
-              <a:t>-34.6117381  -58.4233365</a:t>
+              <a:t>-22.92000430393509  -43.17693840712309</a:t>
             </a:r>
           </a:p>
         </p:txBody>
@@ -4741,7 +9803,7 @@
               <a:rPr sz="1417">
                 <a:latin typeface="Helvetica"/>
               </a:rPr>
-              <a:t>MA63</a:t>
+              <a:t>MAI746</a:t>
             </a:r>
           </a:p>
         </p:txBody>
@@ -4805,7 +9867,7 @@
               <a:rPr sz="1417">
                 <a:latin typeface="Helvetica"/>
               </a:rPr>
-              <a:t/>
+              <a:t>Glória</a:t>
             </a:r>
           </a:p>
         </p:txBody>
@@ -4837,7 +9899,7 @@
               <a:rPr b="1" sz="1417">
                 <a:latin typeface="Helvetica"/>
               </a:rPr>
-              <a:t>Ciudad</a:t>
+              <a:t>Cidade </a:t>
             </a:r>
           </a:p>
         </p:txBody>
@@ -4869,7 +9931,7 @@
               <a:rPr sz="1417">
                 <a:latin typeface="Helvetica"/>
               </a:rPr>
-              <a:t>CABA</a:t>
+              <a:t>Rio de Janeiro</a:t>
             </a:r>
           </a:p>
         </p:txBody>
@@ -4933,7 +9995,7 @@
               <a:rPr sz="1417">
                 <a:latin typeface="Helvetica"/>
               </a:rPr>
-              <a:t>Pantalla </a:t>
+              <a:t>Banca - 5,70 x 1,90</a:t>
             </a:r>
           </a:p>
         </p:txBody>
@@ -5045,14 +10107,14 @@
                 </a:solidFill>
                 <a:latin typeface="Helvetica"/>
               </a:rPr>
-              <a:t>AV.CORDOBA 4276</a:t>
+              <a:t>Rua Do Russel</a:t>
             </a:r>
           </a:p>
         </p:txBody>
       </p:sp>
       <p:pic>
         <p:nvPicPr>
-          <p:cNvPr id="4" name="Picture 3" descr="temp_image4.png"/>
+          <p:cNvPr id="4" name="Picture 3" descr="temp_image4.jpg"/>
           <p:cNvPicPr>
             <a:picLocks noChangeAspect="1"/>
           </p:cNvPicPr>
@@ -5133,7 +10195,7 @@
               <a:rPr sz="1417">
                 <a:latin typeface="Helvetica"/>
               </a:rPr>
-              <a:t>-34.5817926  -58.4735196</a:t>
+              <a:t>-22.922006895435626  -43.174305148422725</a:t>
             </a:r>
           </a:p>
         </p:txBody>
@@ -5197,7 +10259,7 @@
               <a:rPr sz="1417">
                 <a:latin typeface="Helvetica"/>
               </a:rPr>
-              <a:t>MA64</a:t>
+              <a:t>MAI747</a:t>
             </a:r>
           </a:p>
         </p:txBody>
@@ -5261,7 +10323,7 @@
               <a:rPr sz="1417">
                 <a:latin typeface="Helvetica"/>
               </a:rPr>
-              <a:t/>
+              <a:t>Glória</a:t>
             </a:r>
           </a:p>
         </p:txBody>
@@ -5293,7 +10355,7 @@
               <a:rPr b="1" sz="1417">
                 <a:latin typeface="Helvetica"/>
               </a:rPr>
-              <a:t>Ciudad</a:t>
+              <a:t>Cidade </a:t>
             </a:r>
           </a:p>
         </p:txBody>
@@ -5325,7 +10387,7 @@
               <a:rPr sz="1417">
                 <a:latin typeface="Helvetica"/>
               </a:rPr>
-              <a:t>CABA</a:t>
+              <a:t>Rio de Janeiro</a:t>
             </a:r>
           </a:p>
         </p:txBody>
@@ -5389,7 +10451,7 @@
               <a:rPr sz="1417">
                 <a:latin typeface="Helvetica"/>
               </a:rPr>
-              <a:t>Pantalla </a:t>
+              <a:t>Banca - 1,85 x 1,85</a:t>
             </a:r>
           </a:p>
         </p:txBody>
@@ -5425,6 +10487,1374 @@
                 <a:latin typeface="Helvetica"/>
               </a:rPr>
               <a:t>6</a:t>
+            </a:r>
+          </a:p>
+        </p:txBody>
+      </p:sp>
+    </p:spTree>
+  </p:cSld>
+  <p:clrMapOvr>
+    <a:masterClrMapping/>
+  </p:clrMapOvr>
+</p:sld>
+</file>
+
+<file path=ppt/slides/slide7.xml><?xml version="1.0" encoding="utf-8"?>
+<p:sld xmlns:a="http://schemas.openxmlformats.org/drawingml/2006/main" xmlns:p="http://schemas.openxmlformats.org/presentationml/2006/main" xmlns:r="http://schemas.openxmlformats.org/officeDocument/2006/relationships">
+  <p:cSld>
+    <p:spTree>
+      <p:nvGrpSpPr>
+        <p:cNvPr id="1" name=""/>
+        <p:cNvGrpSpPr/>
+        <p:nvPr/>
+      </p:nvGrpSpPr>
+      <p:grpSpPr/>
+      <p:pic>
+        <p:nvPicPr>
+          <p:cNvPr id="2" name="Picture 1" descr="template_pdf.jpg"/>
+          <p:cNvPicPr>
+            <a:picLocks noChangeAspect="1"/>
+          </p:cNvPicPr>
+          <p:nvPr/>
+        </p:nvPicPr>
+        <p:blipFill>
+          <a:blip r:embed="rId2"/>
+          <a:stretch>
+            <a:fillRect/>
+          </a:stretch>
+        </p:blipFill>
+        <p:spPr>
+          <a:xfrm>
+            <a:off x="0" y="0"/>
+            <a:ext cx="14400000" cy="7920000"/>
+          </a:xfrm>
+          <a:prstGeom prst="rect">
+            <a:avLst/>
+          </a:prstGeom>
+        </p:spPr>
+      </p:pic>
+      <p:sp>
+        <p:nvSpPr>
+          <p:cNvPr id="3" name="TextBox 2"/>
+          <p:cNvSpPr txBox="1"/>
+          <p:nvPr/>
+        </p:nvSpPr>
+        <p:spPr>
+          <a:xfrm>
+            <a:off x="0" y="180000"/>
+            <a:ext cx="15120000" cy="180000"/>
+          </a:xfrm>
+          <a:prstGeom prst="rect">
+            <a:avLst/>
+          </a:prstGeom>
+          <a:noFill/>
+        </p:spPr>
+        <p:txBody>
+          <a:bodyPr wrap="none">
+            <a:spAutoFit/>
+          </a:bodyPr>
+          <a:lstStyle/>
+          <a:p>
+            <a:pPr algn="ctr"/>
+            <a:r>
+              <a:rPr b="1" sz="1984">
+                <a:solidFill>
+                  <a:srgbClr val="FFFFFF"/>
+                </a:solidFill>
+                <a:latin typeface="Helvetica"/>
+              </a:rPr>
+              <a:t>Rua Augusto Severo, 176 </a:t>
+            </a:r>
+          </a:p>
+        </p:txBody>
+      </p:sp>
+      <p:pic>
+        <p:nvPicPr>
+          <p:cNvPr id="4" name="Picture 3" descr="temp_image5.jpg"/>
+          <p:cNvPicPr>
+            <a:picLocks noChangeAspect="1"/>
+          </p:cNvPicPr>
+          <p:nvPr/>
+        </p:nvPicPr>
+        <p:blipFill>
+          <a:blip r:embed="rId3"/>
+          <a:stretch>
+            <a:fillRect/>
+          </a:stretch>
+        </p:blipFill>
+        <p:spPr>
+          <a:xfrm>
+            <a:off x="108000" y="785160"/>
+            <a:ext cx="11160000" cy="6480000"/>
+          </a:xfrm>
+          <a:prstGeom prst="rect">
+            <a:avLst/>
+          </a:prstGeom>
+        </p:spPr>
+      </p:pic>
+      <p:sp>
+        <p:nvSpPr>
+          <p:cNvPr id="5" name="TextBox 4"/>
+          <p:cNvSpPr txBox="1"/>
+          <p:nvPr/>
+        </p:nvSpPr>
+        <p:spPr>
+          <a:xfrm>
+            <a:off x="108000" y="7380000"/>
+            <a:ext cx="1080000" cy="180000"/>
+          </a:xfrm>
+          <a:prstGeom prst="rect">
+            <a:avLst/>
+          </a:prstGeom>
+          <a:noFill/>
+        </p:spPr>
+        <p:txBody>
+          <a:bodyPr wrap="none">
+            <a:spAutoFit/>
+          </a:bodyPr>
+          <a:lstStyle/>
+          <a:p>
+            <a:pPr algn="l"/>
+            <a:r>
+              <a:rPr b="1" sz="1417">
+                <a:latin typeface="Helvetica"/>
+              </a:rPr>
+              <a:t>Coordenadas:</a:t>
+            </a:r>
+          </a:p>
+        </p:txBody>
+      </p:sp>
+      <p:sp>
+        <p:nvSpPr>
+          <p:cNvPr id="6" name="TextBox 5"/>
+          <p:cNvSpPr txBox="1"/>
+          <p:nvPr/>
+        </p:nvSpPr>
+        <p:spPr>
+          <a:xfrm>
+            <a:off x="1458000" y="7380000"/>
+            <a:ext cx="1800000" cy="216000"/>
+          </a:xfrm>
+          <a:prstGeom prst="rect">
+            <a:avLst/>
+          </a:prstGeom>
+          <a:noFill/>
+        </p:spPr>
+        <p:txBody>
+          <a:bodyPr wrap="none">
+            <a:spAutoFit/>
+          </a:bodyPr>
+          <a:lstStyle/>
+          <a:p>
+            <a:pPr algn="l"/>
+            <a:r>
+              <a:rPr sz="1417">
+                <a:latin typeface="Helvetica"/>
+              </a:rPr>
+              <a:t>-22.91582  -43.17665</a:t>
+            </a:r>
+          </a:p>
+        </p:txBody>
+      </p:sp>
+      <p:sp>
+        <p:nvSpPr>
+          <p:cNvPr id="7" name="TextBox 6"/>
+          <p:cNvSpPr txBox="1"/>
+          <p:nvPr/>
+        </p:nvSpPr>
+        <p:spPr>
+          <a:xfrm>
+            <a:off x="6480000" y="7380000"/>
+            <a:ext cx="1080000" cy="180000"/>
+          </a:xfrm>
+          <a:prstGeom prst="rect">
+            <a:avLst/>
+          </a:prstGeom>
+          <a:noFill/>
+        </p:spPr>
+        <p:txBody>
+          <a:bodyPr wrap="none">
+            <a:spAutoFit/>
+          </a:bodyPr>
+          <a:lstStyle/>
+          <a:p>
+            <a:pPr algn="l"/>
+            <a:r>
+              <a:rPr b="1" sz="1417">
+                <a:latin typeface="Helvetica"/>
+              </a:rPr>
+              <a:t>Codigo:</a:t>
+            </a:r>
+          </a:p>
+        </p:txBody>
+      </p:sp>
+      <p:sp>
+        <p:nvSpPr>
+          <p:cNvPr id="8" name="TextBox 7"/>
+          <p:cNvSpPr txBox="1"/>
+          <p:nvPr/>
+        </p:nvSpPr>
+        <p:spPr>
+          <a:xfrm>
+            <a:off x="7272000" y="7380000"/>
+            <a:ext cx="1800000" cy="216000"/>
+          </a:xfrm>
+          <a:prstGeom prst="rect">
+            <a:avLst/>
+          </a:prstGeom>
+          <a:noFill/>
+        </p:spPr>
+        <p:txBody>
+          <a:bodyPr wrap="none">
+            <a:spAutoFit/>
+          </a:bodyPr>
+          <a:lstStyle/>
+          <a:p>
+            <a:pPr algn="l"/>
+            <a:r>
+              <a:rPr sz="1417">
+                <a:latin typeface="Helvetica"/>
+              </a:rPr>
+              <a:t>MPR28</a:t>
+            </a:r>
+          </a:p>
+        </p:txBody>
+      </p:sp>
+      <p:sp>
+        <p:nvSpPr>
+          <p:cNvPr id="9" name="TextBox 8"/>
+          <p:cNvSpPr txBox="1"/>
+          <p:nvPr/>
+        </p:nvSpPr>
+        <p:spPr>
+          <a:xfrm>
+            <a:off x="11340000" y="720000"/>
+            <a:ext cx="1080000" cy="216000"/>
+          </a:xfrm>
+          <a:prstGeom prst="rect">
+            <a:avLst/>
+          </a:prstGeom>
+          <a:noFill/>
+        </p:spPr>
+        <p:txBody>
+          <a:bodyPr wrap="none">
+            <a:spAutoFit/>
+          </a:bodyPr>
+          <a:lstStyle/>
+          <a:p>
+            <a:pPr algn="l"/>
+            <a:r>
+              <a:rPr b="1" sz="1417">
+                <a:latin typeface="Helvetica"/>
+              </a:rPr>
+              <a:t>Bairro</a:t>
+            </a:r>
+          </a:p>
+        </p:txBody>
+      </p:sp>
+      <p:sp>
+        <p:nvSpPr>
+          <p:cNvPr id="10" name="TextBox 9"/>
+          <p:cNvSpPr txBox="1"/>
+          <p:nvPr/>
+        </p:nvSpPr>
+        <p:spPr>
+          <a:xfrm>
+            <a:off x="11340000" y="972000"/>
+            <a:ext cx="1080000" cy="216000"/>
+          </a:xfrm>
+          <a:prstGeom prst="rect">
+            <a:avLst/>
+          </a:prstGeom>
+          <a:noFill/>
+        </p:spPr>
+        <p:txBody>
+          <a:bodyPr wrap="none">
+            <a:spAutoFit/>
+          </a:bodyPr>
+          <a:lstStyle/>
+          <a:p>
+            <a:pPr algn="l"/>
+            <a:r>
+              <a:rPr sz="1417">
+                <a:latin typeface="Helvetica"/>
+              </a:rPr>
+              <a:t>Glória/Centro</a:t>
+            </a:r>
+          </a:p>
+        </p:txBody>
+      </p:sp>
+      <p:sp>
+        <p:nvSpPr>
+          <p:cNvPr id="11" name="TextBox 10"/>
+          <p:cNvSpPr txBox="1"/>
+          <p:nvPr/>
+        </p:nvSpPr>
+        <p:spPr>
+          <a:xfrm>
+            <a:off x="11340000" y="1440000"/>
+            <a:ext cx="1080000" cy="216000"/>
+          </a:xfrm>
+          <a:prstGeom prst="rect">
+            <a:avLst/>
+          </a:prstGeom>
+          <a:noFill/>
+        </p:spPr>
+        <p:txBody>
+          <a:bodyPr wrap="none">
+            <a:spAutoFit/>
+          </a:bodyPr>
+          <a:lstStyle/>
+          <a:p>
+            <a:pPr algn="l"/>
+            <a:r>
+              <a:rPr b="1" sz="1417">
+                <a:latin typeface="Helvetica"/>
+              </a:rPr>
+              <a:t>Cidade </a:t>
+            </a:r>
+          </a:p>
+        </p:txBody>
+      </p:sp>
+      <p:sp>
+        <p:nvSpPr>
+          <p:cNvPr id="12" name="TextBox 11"/>
+          <p:cNvSpPr txBox="1"/>
+          <p:nvPr/>
+        </p:nvSpPr>
+        <p:spPr>
+          <a:xfrm>
+            <a:off x="11340000" y="1692000"/>
+            <a:ext cx="1080000" cy="216000"/>
+          </a:xfrm>
+          <a:prstGeom prst="rect">
+            <a:avLst/>
+          </a:prstGeom>
+          <a:noFill/>
+        </p:spPr>
+        <p:txBody>
+          <a:bodyPr wrap="none">
+            <a:spAutoFit/>
+          </a:bodyPr>
+          <a:lstStyle/>
+          <a:p>
+            <a:pPr algn="l"/>
+            <a:r>
+              <a:rPr sz="1417">
+                <a:latin typeface="Helvetica"/>
+              </a:rPr>
+              <a:t>Rio de Janeiro</a:t>
+            </a:r>
+          </a:p>
+        </p:txBody>
+      </p:sp>
+      <p:sp>
+        <p:nvSpPr>
+          <p:cNvPr id="13" name="TextBox 12"/>
+          <p:cNvSpPr txBox="1"/>
+          <p:nvPr/>
+        </p:nvSpPr>
+        <p:spPr>
+          <a:xfrm>
+            <a:off x="11340000" y="2160000"/>
+            <a:ext cx="1080000" cy="216000"/>
+          </a:xfrm>
+          <a:prstGeom prst="rect">
+            <a:avLst/>
+          </a:prstGeom>
+          <a:noFill/>
+        </p:spPr>
+        <p:txBody>
+          <a:bodyPr wrap="none">
+            <a:spAutoFit/>
+          </a:bodyPr>
+          <a:lstStyle/>
+          <a:p>
+            <a:pPr algn="l"/>
+            <a:r>
+              <a:rPr b="1" sz="1417">
+                <a:latin typeface="Helvetica"/>
+              </a:rPr>
+              <a:t>Formato</a:t>
+            </a:r>
+          </a:p>
+        </p:txBody>
+      </p:sp>
+      <p:sp>
+        <p:nvSpPr>
+          <p:cNvPr id="14" name="TextBox 13"/>
+          <p:cNvSpPr txBox="1"/>
+          <p:nvPr/>
+        </p:nvSpPr>
+        <p:spPr>
+          <a:xfrm>
+            <a:off x="11340000" y="2412000"/>
+            <a:ext cx="1080000" cy="216000"/>
+          </a:xfrm>
+          <a:prstGeom prst="rect">
+            <a:avLst/>
+          </a:prstGeom>
+          <a:noFill/>
+        </p:spPr>
+        <p:txBody>
+          <a:bodyPr wrap="none">
+            <a:spAutoFit/>
+          </a:bodyPr>
+          <a:lstStyle/>
+          <a:p>
+            <a:pPr algn="l"/>
+            <a:r>
+              <a:rPr sz="1417">
+                <a:latin typeface="Helvetica"/>
+              </a:rPr>
+              <a:t>2,80m x 2,00m </a:t>
+            </a:r>
+          </a:p>
+        </p:txBody>
+      </p:sp>
+      <p:sp>
+        <p:nvSpPr>
+          <p:cNvPr id="15" name="TextBox 14"/>
+          <p:cNvSpPr txBox="1"/>
+          <p:nvPr/>
+        </p:nvSpPr>
+        <p:spPr>
+          <a:xfrm>
+            <a:off x="13680000" y="7326000"/>
+            <a:ext cx="360000" cy="360000"/>
+          </a:xfrm>
+          <a:prstGeom prst="rect">
+            <a:avLst/>
+          </a:prstGeom>
+          <a:noFill/>
+        </p:spPr>
+        <p:txBody>
+          <a:bodyPr wrap="none">
+            <a:spAutoFit/>
+          </a:bodyPr>
+          <a:lstStyle/>
+          <a:p>
+            <a:pPr algn="ctr"/>
+            <a:r>
+              <a:rPr b="1" sz="2267">
+                <a:solidFill>
+                  <a:srgbClr val="FFFFFF"/>
+                </a:solidFill>
+                <a:latin typeface="Helvetica"/>
+              </a:rPr>
+              <a:t>7</a:t>
+            </a:r>
+          </a:p>
+        </p:txBody>
+      </p:sp>
+    </p:spTree>
+  </p:cSld>
+  <p:clrMapOvr>
+    <a:masterClrMapping/>
+  </p:clrMapOvr>
+</p:sld>
+</file>
+
+<file path=ppt/slides/slide8.xml><?xml version="1.0" encoding="utf-8"?>
+<p:sld xmlns:a="http://schemas.openxmlformats.org/drawingml/2006/main" xmlns:p="http://schemas.openxmlformats.org/presentationml/2006/main" xmlns:r="http://schemas.openxmlformats.org/officeDocument/2006/relationships">
+  <p:cSld>
+    <p:spTree>
+      <p:nvGrpSpPr>
+        <p:cNvPr id="1" name=""/>
+        <p:cNvGrpSpPr/>
+        <p:nvPr/>
+      </p:nvGrpSpPr>
+      <p:grpSpPr/>
+      <p:pic>
+        <p:nvPicPr>
+          <p:cNvPr id="2" name="Picture 1" descr="template_pdf.jpg"/>
+          <p:cNvPicPr>
+            <a:picLocks noChangeAspect="1"/>
+          </p:cNvPicPr>
+          <p:nvPr/>
+        </p:nvPicPr>
+        <p:blipFill>
+          <a:blip r:embed="rId2"/>
+          <a:stretch>
+            <a:fillRect/>
+          </a:stretch>
+        </p:blipFill>
+        <p:spPr>
+          <a:xfrm>
+            <a:off x="0" y="0"/>
+            <a:ext cx="14400000" cy="7920000"/>
+          </a:xfrm>
+          <a:prstGeom prst="rect">
+            <a:avLst/>
+          </a:prstGeom>
+        </p:spPr>
+      </p:pic>
+      <p:sp>
+        <p:nvSpPr>
+          <p:cNvPr id="3" name="TextBox 2"/>
+          <p:cNvSpPr txBox="1"/>
+          <p:nvPr/>
+        </p:nvSpPr>
+        <p:spPr>
+          <a:xfrm>
+            <a:off x="0" y="180000"/>
+            <a:ext cx="15120000" cy="180000"/>
+          </a:xfrm>
+          <a:prstGeom prst="rect">
+            <a:avLst/>
+          </a:prstGeom>
+          <a:noFill/>
+        </p:spPr>
+        <p:txBody>
+          <a:bodyPr wrap="none">
+            <a:spAutoFit/>
+          </a:bodyPr>
+          <a:lstStyle/>
+          <a:p>
+            <a:pPr algn="ctr"/>
+            <a:r>
+              <a:rPr b="1" sz="1984">
+                <a:solidFill>
+                  <a:srgbClr val="FFFFFF"/>
+                </a:solidFill>
+                <a:latin typeface="Helvetica"/>
+              </a:rPr>
+              <a:t>Rua da Lapa, 293</a:t>
+            </a:r>
+          </a:p>
+        </p:txBody>
+      </p:sp>
+      <p:pic>
+        <p:nvPicPr>
+          <p:cNvPr id="4" name="Picture 3" descr="temp_image6.jpg"/>
+          <p:cNvPicPr>
+            <a:picLocks noChangeAspect="1"/>
+          </p:cNvPicPr>
+          <p:nvPr/>
+        </p:nvPicPr>
+        <p:blipFill>
+          <a:blip r:embed="rId3"/>
+          <a:stretch>
+            <a:fillRect/>
+          </a:stretch>
+        </p:blipFill>
+        <p:spPr>
+          <a:xfrm>
+            <a:off x="108000" y="785160"/>
+            <a:ext cx="11160000" cy="6480000"/>
+          </a:xfrm>
+          <a:prstGeom prst="rect">
+            <a:avLst/>
+          </a:prstGeom>
+        </p:spPr>
+      </p:pic>
+      <p:sp>
+        <p:nvSpPr>
+          <p:cNvPr id="5" name="TextBox 4"/>
+          <p:cNvSpPr txBox="1"/>
+          <p:nvPr/>
+        </p:nvSpPr>
+        <p:spPr>
+          <a:xfrm>
+            <a:off x="108000" y="7380000"/>
+            <a:ext cx="1080000" cy="180000"/>
+          </a:xfrm>
+          <a:prstGeom prst="rect">
+            <a:avLst/>
+          </a:prstGeom>
+          <a:noFill/>
+        </p:spPr>
+        <p:txBody>
+          <a:bodyPr wrap="none">
+            <a:spAutoFit/>
+          </a:bodyPr>
+          <a:lstStyle/>
+          <a:p>
+            <a:pPr algn="l"/>
+            <a:r>
+              <a:rPr b="1" sz="1417">
+                <a:latin typeface="Helvetica"/>
+              </a:rPr>
+              <a:t>Coordenadas:</a:t>
+            </a:r>
+          </a:p>
+        </p:txBody>
+      </p:sp>
+      <p:sp>
+        <p:nvSpPr>
+          <p:cNvPr id="6" name="TextBox 5"/>
+          <p:cNvSpPr txBox="1"/>
+          <p:nvPr/>
+        </p:nvSpPr>
+        <p:spPr>
+          <a:xfrm>
+            <a:off x="1458000" y="7380000"/>
+            <a:ext cx="1800000" cy="216000"/>
+          </a:xfrm>
+          <a:prstGeom prst="rect">
+            <a:avLst/>
+          </a:prstGeom>
+          <a:noFill/>
+        </p:spPr>
+        <p:txBody>
+          <a:bodyPr wrap="none">
+            <a:spAutoFit/>
+          </a:bodyPr>
+          <a:lstStyle/>
+          <a:p>
+            <a:pPr algn="l"/>
+            <a:r>
+              <a:rPr sz="1417">
+                <a:latin typeface="Helvetica"/>
+              </a:rPr>
+              <a:t>-22.9168  -43.17691</a:t>
+            </a:r>
+          </a:p>
+        </p:txBody>
+      </p:sp>
+      <p:sp>
+        <p:nvSpPr>
+          <p:cNvPr id="7" name="TextBox 6"/>
+          <p:cNvSpPr txBox="1"/>
+          <p:nvPr/>
+        </p:nvSpPr>
+        <p:spPr>
+          <a:xfrm>
+            <a:off x="6480000" y="7380000"/>
+            <a:ext cx="1080000" cy="180000"/>
+          </a:xfrm>
+          <a:prstGeom prst="rect">
+            <a:avLst/>
+          </a:prstGeom>
+          <a:noFill/>
+        </p:spPr>
+        <p:txBody>
+          <a:bodyPr wrap="none">
+            <a:spAutoFit/>
+          </a:bodyPr>
+          <a:lstStyle/>
+          <a:p>
+            <a:pPr algn="l"/>
+            <a:r>
+              <a:rPr b="1" sz="1417">
+                <a:latin typeface="Helvetica"/>
+              </a:rPr>
+              <a:t>Codigo:</a:t>
+            </a:r>
+          </a:p>
+        </p:txBody>
+      </p:sp>
+      <p:sp>
+        <p:nvSpPr>
+          <p:cNvPr id="8" name="TextBox 7"/>
+          <p:cNvSpPr txBox="1"/>
+          <p:nvPr/>
+        </p:nvSpPr>
+        <p:spPr>
+          <a:xfrm>
+            <a:off x="7272000" y="7380000"/>
+            <a:ext cx="1800000" cy="216000"/>
+          </a:xfrm>
+          <a:prstGeom prst="rect">
+            <a:avLst/>
+          </a:prstGeom>
+          <a:noFill/>
+        </p:spPr>
+        <p:txBody>
+          <a:bodyPr wrap="none">
+            <a:spAutoFit/>
+          </a:bodyPr>
+          <a:lstStyle/>
+          <a:p>
+            <a:pPr algn="l"/>
+            <a:r>
+              <a:rPr sz="1417">
+                <a:latin typeface="Helvetica"/>
+              </a:rPr>
+              <a:t>MPR74</a:t>
+            </a:r>
+          </a:p>
+        </p:txBody>
+      </p:sp>
+      <p:sp>
+        <p:nvSpPr>
+          <p:cNvPr id="9" name="TextBox 8"/>
+          <p:cNvSpPr txBox="1"/>
+          <p:nvPr/>
+        </p:nvSpPr>
+        <p:spPr>
+          <a:xfrm>
+            <a:off x="11340000" y="720000"/>
+            <a:ext cx="1080000" cy="216000"/>
+          </a:xfrm>
+          <a:prstGeom prst="rect">
+            <a:avLst/>
+          </a:prstGeom>
+          <a:noFill/>
+        </p:spPr>
+        <p:txBody>
+          <a:bodyPr wrap="none">
+            <a:spAutoFit/>
+          </a:bodyPr>
+          <a:lstStyle/>
+          <a:p>
+            <a:pPr algn="l"/>
+            <a:r>
+              <a:rPr b="1" sz="1417">
+                <a:latin typeface="Helvetica"/>
+              </a:rPr>
+              <a:t>Bairro</a:t>
+            </a:r>
+          </a:p>
+        </p:txBody>
+      </p:sp>
+      <p:sp>
+        <p:nvSpPr>
+          <p:cNvPr id="10" name="TextBox 9"/>
+          <p:cNvSpPr txBox="1"/>
+          <p:nvPr/>
+        </p:nvSpPr>
+        <p:spPr>
+          <a:xfrm>
+            <a:off x="11340000" y="972000"/>
+            <a:ext cx="1080000" cy="216000"/>
+          </a:xfrm>
+          <a:prstGeom prst="rect">
+            <a:avLst/>
+          </a:prstGeom>
+          <a:noFill/>
+        </p:spPr>
+        <p:txBody>
+          <a:bodyPr wrap="none">
+            <a:spAutoFit/>
+          </a:bodyPr>
+          <a:lstStyle/>
+          <a:p>
+            <a:pPr algn="l"/>
+            <a:r>
+              <a:rPr sz="1417">
+                <a:latin typeface="Helvetica"/>
+              </a:rPr>
+              <a:t>Glória/Centro</a:t>
+            </a:r>
+          </a:p>
+        </p:txBody>
+      </p:sp>
+      <p:sp>
+        <p:nvSpPr>
+          <p:cNvPr id="11" name="TextBox 10"/>
+          <p:cNvSpPr txBox="1"/>
+          <p:nvPr/>
+        </p:nvSpPr>
+        <p:spPr>
+          <a:xfrm>
+            <a:off x="11340000" y="1440000"/>
+            <a:ext cx="1080000" cy="216000"/>
+          </a:xfrm>
+          <a:prstGeom prst="rect">
+            <a:avLst/>
+          </a:prstGeom>
+          <a:noFill/>
+        </p:spPr>
+        <p:txBody>
+          <a:bodyPr wrap="none">
+            <a:spAutoFit/>
+          </a:bodyPr>
+          <a:lstStyle/>
+          <a:p>
+            <a:pPr algn="l"/>
+            <a:r>
+              <a:rPr b="1" sz="1417">
+                <a:latin typeface="Helvetica"/>
+              </a:rPr>
+              <a:t>Cidade </a:t>
+            </a:r>
+          </a:p>
+        </p:txBody>
+      </p:sp>
+      <p:sp>
+        <p:nvSpPr>
+          <p:cNvPr id="12" name="TextBox 11"/>
+          <p:cNvSpPr txBox="1"/>
+          <p:nvPr/>
+        </p:nvSpPr>
+        <p:spPr>
+          <a:xfrm>
+            <a:off x="11340000" y="1692000"/>
+            <a:ext cx="1080000" cy="216000"/>
+          </a:xfrm>
+          <a:prstGeom prst="rect">
+            <a:avLst/>
+          </a:prstGeom>
+          <a:noFill/>
+        </p:spPr>
+        <p:txBody>
+          <a:bodyPr wrap="none">
+            <a:spAutoFit/>
+          </a:bodyPr>
+          <a:lstStyle/>
+          <a:p>
+            <a:pPr algn="l"/>
+            <a:r>
+              <a:rPr sz="1417">
+                <a:latin typeface="Helvetica"/>
+              </a:rPr>
+              <a:t>Rio de Janeiro</a:t>
+            </a:r>
+          </a:p>
+        </p:txBody>
+      </p:sp>
+      <p:sp>
+        <p:nvSpPr>
+          <p:cNvPr id="13" name="TextBox 12"/>
+          <p:cNvSpPr txBox="1"/>
+          <p:nvPr/>
+        </p:nvSpPr>
+        <p:spPr>
+          <a:xfrm>
+            <a:off x="11340000" y="2160000"/>
+            <a:ext cx="1080000" cy="216000"/>
+          </a:xfrm>
+          <a:prstGeom prst="rect">
+            <a:avLst/>
+          </a:prstGeom>
+          <a:noFill/>
+        </p:spPr>
+        <p:txBody>
+          <a:bodyPr wrap="none">
+            <a:spAutoFit/>
+          </a:bodyPr>
+          <a:lstStyle/>
+          <a:p>
+            <a:pPr algn="l"/>
+            <a:r>
+              <a:rPr b="1" sz="1417">
+                <a:latin typeface="Helvetica"/>
+              </a:rPr>
+              <a:t>Formato</a:t>
+            </a:r>
+          </a:p>
+        </p:txBody>
+      </p:sp>
+      <p:sp>
+        <p:nvSpPr>
+          <p:cNvPr id="14" name="TextBox 13"/>
+          <p:cNvSpPr txBox="1"/>
+          <p:nvPr/>
+        </p:nvSpPr>
+        <p:spPr>
+          <a:xfrm>
+            <a:off x="11340000" y="2412000"/>
+            <a:ext cx="1080000" cy="216000"/>
+          </a:xfrm>
+          <a:prstGeom prst="rect">
+            <a:avLst/>
+          </a:prstGeom>
+          <a:noFill/>
+        </p:spPr>
+        <p:txBody>
+          <a:bodyPr wrap="none">
+            <a:spAutoFit/>
+          </a:bodyPr>
+          <a:lstStyle/>
+          <a:p>
+            <a:pPr algn="l"/>
+            <a:r>
+              <a:rPr sz="1417">
+                <a:latin typeface="Helvetica"/>
+              </a:rPr>
+              <a:t>3,80m x 2,00m </a:t>
+            </a:r>
+          </a:p>
+        </p:txBody>
+      </p:sp>
+      <p:sp>
+        <p:nvSpPr>
+          <p:cNvPr id="15" name="TextBox 14"/>
+          <p:cNvSpPr txBox="1"/>
+          <p:nvPr/>
+        </p:nvSpPr>
+        <p:spPr>
+          <a:xfrm>
+            <a:off x="13680000" y="7326000"/>
+            <a:ext cx="360000" cy="360000"/>
+          </a:xfrm>
+          <a:prstGeom prst="rect">
+            <a:avLst/>
+          </a:prstGeom>
+          <a:noFill/>
+        </p:spPr>
+        <p:txBody>
+          <a:bodyPr wrap="none">
+            <a:spAutoFit/>
+          </a:bodyPr>
+          <a:lstStyle/>
+          <a:p>
+            <a:pPr algn="ctr"/>
+            <a:r>
+              <a:rPr b="1" sz="2267">
+                <a:solidFill>
+                  <a:srgbClr val="FFFFFF"/>
+                </a:solidFill>
+                <a:latin typeface="Helvetica"/>
+              </a:rPr>
+              <a:t>8</a:t>
+            </a:r>
+          </a:p>
+        </p:txBody>
+      </p:sp>
+    </p:spTree>
+  </p:cSld>
+  <p:clrMapOvr>
+    <a:masterClrMapping/>
+  </p:clrMapOvr>
+</p:sld>
+</file>
+
+<file path=ppt/slides/slide9.xml><?xml version="1.0" encoding="utf-8"?>
+<p:sld xmlns:a="http://schemas.openxmlformats.org/drawingml/2006/main" xmlns:p="http://schemas.openxmlformats.org/presentationml/2006/main" xmlns:r="http://schemas.openxmlformats.org/officeDocument/2006/relationships">
+  <p:cSld>
+    <p:spTree>
+      <p:nvGrpSpPr>
+        <p:cNvPr id="1" name=""/>
+        <p:cNvGrpSpPr/>
+        <p:nvPr/>
+      </p:nvGrpSpPr>
+      <p:grpSpPr/>
+      <p:pic>
+        <p:nvPicPr>
+          <p:cNvPr id="2" name="Picture 1" descr="template_pdf.jpg"/>
+          <p:cNvPicPr>
+            <a:picLocks noChangeAspect="1"/>
+          </p:cNvPicPr>
+          <p:nvPr/>
+        </p:nvPicPr>
+        <p:blipFill>
+          <a:blip r:embed="rId2"/>
+          <a:stretch>
+            <a:fillRect/>
+          </a:stretch>
+        </p:blipFill>
+        <p:spPr>
+          <a:xfrm>
+            <a:off x="0" y="0"/>
+            <a:ext cx="14400000" cy="7920000"/>
+          </a:xfrm>
+          <a:prstGeom prst="rect">
+            <a:avLst/>
+          </a:prstGeom>
+        </p:spPr>
+      </p:pic>
+      <p:sp>
+        <p:nvSpPr>
+          <p:cNvPr id="3" name="TextBox 2"/>
+          <p:cNvSpPr txBox="1"/>
+          <p:nvPr/>
+        </p:nvSpPr>
+        <p:spPr>
+          <a:xfrm>
+            <a:off x="0" y="180000"/>
+            <a:ext cx="15120000" cy="180000"/>
+          </a:xfrm>
+          <a:prstGeom prst="rect">
+            <a:avLst/>
+          </a:prstGeom>
+          <a:noFill/>
+        </p:spPr>
+        <p:txBody>
+          <a:bodyPr wrap="none">
+            <a:spAutoFit/>
+          </a:bodyPr>
+          <a:lstStyle/>
+          <a:p>
+            <a:pPr algn="ctr"/>
+            <a:r>
+              <a:rPr b="1" sz="1984">
+                <a:solidFill>
+                  <a:srgbClr val="FFFFFF"/>
+                </a:solidFill>
+                <a:latin typeface="Helvetica"/>
+              </a:rPr>
+              <a:t>Rua Do Riachuelo, 191 - Esq. Com Rua Andre Cavalcanti - Acesso Aos Arcos Da Lap</a:t>
+            </a:r>
+          </a:p>
+        </p:txBody>
+      </p:sp>
+      <p:pic>
+        <p:nvPicPr>
+          <p:cNvPr id="4" name="Picture 3" descr="temp_image7.jpg"/>
+          <p:cNvPicPr>
+            <a:picLocks noChangeAspect="1"/>
+          </p:cNvPicPr>
+          <p:nvPr/>
+        </p:nvPicPr>
+        <p:blipFill>
+          <a:blip r:embed="rId3"/>
+          <a:stretch>
+            <a:fillRect/>
+          </a:stretch>
+        </p:blipFill>
+        <p:spPr>
+          <a:xfrm>
+            <a:off x="108000" y="785160"/>
+            <a:ext cx="11160000" cy="6480000"/>
+          </a:xfrm>
+          <a:prstGeom prst="rect">
+            <a:avLst/>
+          </a:prstGeom>
+        </p:spPr>
+      </p:pic>
+      <p:sp>
+        <p:nvSpPr>
+          <p:cNvPr id="5" name="TextBox 4"/>
+          <p:cNvSpPr txBox="1"/>
+          <p:nvPr/>
+        </p:nvSpPr>
+        <p:spPr>
+          <a:xfrm>
+            <a:off x="108000" y="7380000"/>
+            <a:ext cx="1080000" cy="180000"/>
+          </a:xfrm>
+          <a:prstGeom prst="rect">
+            <a:avLst/>
+          </a:prstGeom>
+          <a:noFill/>
+        </p:spPr>
+        <p:txBody>
+          <a:bodyPr wrap="none">
+            <a:spAutoFit/>
+          </a:bodyPr>
+          <a:lstStyle/>
+          <a:p>
+            <a:pPr algn="l"/>
+            <a:r>
+              <a:rPr b="1" sz="1417">
+                <a:latin typeface="Helvetica"/>
+              </a:rPr>
+              <a:t>Coordenadas:</a:t>
+            </a:r>
+          </a:p>
+        </p:txBody>
+      </p:sp>
+      <p:sp>
+        <p:nvSpPr>
+          <p:cNvPr id="6" name="TextBox 5"/>
+          <p:cNvSpPr txBox="1"/>
+          <p:nvPr/>
+        </p:nvSpPr>
+        <p:spPr>
+          <a:xfrm>
+            <a:off x="1458000" y="7380000"/>
+            <a:ext cx="1800000" cy="216000"/>
+          </a:xfrm>
+          <a:prstGeom prst="rect">
+            <a:avLst/>
+          </a:prstGeom>
+          <a:noFill/>
+        </p:spPr>
+        <p:txBody>
+          <a:bodyPr wrap="none">
+            <a:spAutoFit/>
+          </a:bodyPr>
+          <a:lstStyle/>
+          <a:p>
+            <a:pPr algn="l"/>
+            <a:r>
+              <a:rPr sz="1417">
+                <a:latin typeface="Helvetica"/>
+              </a:rPr>
+              <a:t>-22.91494  -43.18647</a:t>
+            </a:r>
+          </a:p>
+        </p:txBody>
+      </p:sp>
+      <p:sp>
+        <p:nvSpPr>
+          <p:cNvPr id="7" name="TextBox 6"/>
+          <p:cNvSpPr txBox="1"/>
+          <p:nvPr/>
+        </p:nvSpPr>
+        <p:spPr>
+          <a:xfrm>
+            <a:off x="6480000" y="7380000"/>
+            <a:ext cx="1080000" cy="180000"/>
+          </a:xfrm>
+          <a:prstGeom prst="rect">
+            <a:avLst/>
+          </a:prstGeom>
+          <a:noFill/>
+        </p:spPr>
+        <p:txBody>
+          <a:bodyPr wrap="none">
+            <a:spAutoFit/>
+          </a:bodyPr>
+          <a:lstStyle/>
+          <a:p>
+            <a:pPr algn="l"/>
+            <a:r>
+              <a:rPr b="1" sz="1417">
+                <a:latin typeface="Helvetica"/>
+              </a:rPr>
+              <a:t>Codigo:</a:t>
+            </a:r>
+          </a:p>
+        </p:txBody>
+      </p:sp>
+      <p:sp>
+        <p:nvSpPr>
+          <p:cNvPr id="8" name="TextBox 7"/>
+          <p:cNvSpPr txBox="1"/>
+          <p:nvPr/>
+        </p:nvSpPr>
+        <p:spPr>
+          <a:xfrm>
+            <a:off x="7272000" y="7380000"/>
+            <a:ext cx="1800000" cy="216000"/>
+          </a:xfrm>
+          <a:prstGeom prst="rect">
+            <a:avLst/>
+          </a:prstGeom>
+          <a:noFill/>
+        </p:spPr>
+        <p:txBody>
+          <a:bodyPr wrap="none">
+            <a:spAutoFit/>
+          </a:bodyPr>
+          <a:lstStyle/>
+          <a:p>
+            <a:pPr algn="l"/>
+            <a:r>
+              <a:rPr sz="1417">
+                <a:latin typeface="Helvetica"/>
+              </a:rPr>
+              <a:t>MAI777</a:t>
+            </a:r>
+          </a:p>
+        </p:txBody>
+      </p:sp>
+      <p:sp>
+        <p:nvSpPr>
+          <p:cNvPr id="9" name="TextBox 8"/>
+          <p:cNvSpPr txBox="1"/>
+          <p:nvPr/>
+        </p:nvSpPr>
+        <p:spPr>
+          <a:xfrm>
+            <a:off x="11340000" y="720000"/>
+            <a:ext cx="1080000" cy="216000"/>
+          </a:xfrm>
+          <a:prstGeom prst="rect">
+            <a:avLst/>
+          </a:prstGeom>
+          <a:noFill/>
+        </p:spPr>
+        <p:txBody>
+          <a:bodyPr wrap="none">
+            <a:spAutoFit/>
+          </a:bodyPr>
+          <a:lstStyle/>
+          <a:p>
+            <a:pPr algn="l"/>
+            <a:r>
+              <a:rPr b="1" sz="1417">
+                <a:latin typeface="Helvetica"/>
+              </a:rPr>
+              <a:t>Bairro</a:t>
+            </a:r>
+          </a:p>
+        </p:txBody>
+      </p:sp>
+      <p:sp>
+        <p:nvSpPr>
+          <p:cNvPr id="10" name="TextBox 9"/>
+          <p:cNvSpPr txBox="1"/>
+          <p:nvPr/>
+        </p:nvSpPr>
+        <p:spPr>
+          <a:xfrm>
+            <a:off x="11340000" y="972000"/>
+            <a:ext cx="1080000" cy="216000"/>
+          </a:xfrm>
+          <a:prstGeom prst="rect">
+            <a:avLst/>
+          </a:prstGeom>
+          <a:noFill/>
+        </p:spPr>
+        <p:txBody>
+          <a:bodyPr wrap="none">
+            <a:spAutoFit/>
+          </a:bodyPr>
+          <a:lstStyle/>
+          <a:p>
+            <a:pPr algn="l"/>
+            <a:r>
+              <a:rPr sz="1417">
+                <a:latin typeface="Helvetica"/>
+              </a:rPr>
+              <a:t>Lapa</a:t>
+            </a:r>
+          </a:p>
+        </p:txBody>
+      </p:sp>
+      <p:sp>
+        <p:nvSpPr>
+          <p:cNvPr id="11" name="TextBox 10"/>
+          <p:cNvSpPr txBox="1"/>
+          <p:nvPr/>
+        </p:nvSpPr>
+        <p:spPr>
+          <a:xfrm>
+            <a:off x="11340000" y="1440000"/>
+            <a:ext cx="1080000" cy="216000"/>
+          </a:xfrm>
+          <a:prstGeom prst="rect">
+            <a:avLst/>
+          </a:prstGeom>
+          <a:noFill/>
+        </p:spPr>
+        <p:txBody>
+          <a:bodyPr wrap="none">
+            <a:spAutoFit/>
+          </a:bodyPr>
+          <a:lstStyle/>
+          <a:p>
+            <a:pPr algn="l"/>
+            <a:r>
+              <a:rPr b="1" sz="1417">
+                <a:latin typeface="Helvetica"/>
+              </a:rPr>
+              <a:t>Cidade </a:t>
+            </a:r>
+          </a:p>
+        </p:txBody>
+      </p:sp>
+      <p:sp>
+        <p:nvSpPr>
+          <p:cNvPr id="12" name="TextBox 11"/>
+          <p:cNvSpPr txBox="1"/>
+          <p:nvPr/>
+        </p:nvSpPr>
+        <p:spPr>
+          <a:xfrm>
+            <a:off x="11340000" y="1692000"/>
+            <a:ext cx="1080000" cy="216000"/>
+          </a:xfrm>
+          <a:prstGeom prst="rect">
+            <a:avLst/>
+          </a:prstGeom>
+          <a:noFill/>
+        </p:spPr>
+        <p:txBody>
+          <a:bodyPr wrap="none">
+            <a:spAutoFit/>
+          </a:bodyPr>
+          <a:lstStyle/>
+          <a:p>
+            <a:pPr algn="l"/>
+            <a:r>
+              <a:rPr sz="1417">
+                <a:latin typeface="Helvetica"/>
+              </a:rPr>
+              <a:t>Rio de Janeiro</a:t>
+            </a:r>
+          </a:p>
+        </p:txBody>
+      </p:sp>
+      <p:sp>
+        <p:nvSpPr>
+          <p:cNvPr id="13" name="TextBox 12"/>
+          <p:cNvSpPr txBox="1"/>
+          <p:nvPr/>
+        </p:nvSpPr>
+        <p:spPr>
+          <a:xfrm>
+            <a:off x="11340000" y="2160000"/>
+            <a:ext cx="1080000" cy="216000"/>
+          </a:xfrm>
+          <a:prstGeom prst="rect">
+            <a:avLst/>
+          </a:prstGeom>
+          <a:noFill/>
+        </p:spPr>
+        <p:txBody>
+          <a:bodyPr wrap="none">
+            <a:spAutoFit/>
+          </a:bodyPr>
+          <a:lstStyle/>
+          <a:p>
+            <a:pPr algn="l"/>
+            <a:r>
+              <a:rPr b="1" sz="1417">
+                <a:latin typeface="Helvetica"/>
+              </a:rPr>
+              <a:t>Formato</a:t>
+            </a:r>
+          </a:p>
+        </p:txBody>
+      </p:sp>
+      <p:sp>
+        <p:nvSpPr>
+          <p:cNvPr id="14" name="TextBox 13"/>
+          <p:cNvSpPr txBox="1"/>
+          <p:nvPr/>
+        </p:nvSpPr>
+        <p:spPr>
+          <a:xfrm>
+            <a:off x="11340000" y="2412000"/>
+            <a:ext cx="1080000" cy="216000"/>
+          </a:xfrm>
+          <a:prstGeom prst="rect">
+            <a:avLst/>
+          </a:prstGeom>
+          <a:noFill/>
+        </p:spPr>
+        <p:txBody>
+          <a:bodyPr wrap="none">
+            <a:spAutoFit/>
+          </a:bodyPr>
+          <a:lstStyle/>
+          <a:p>
+            <a:pPr algn="l"/>
+            <a:r>
+              <a:rPr sz="1417">
+                <a:latin typeface="Helvetica"/>
+              </a:rPr>
+              <a:t>Banca - 2,90 x 1,90</a:t>
+            </a:r>
+          </a:p>
+        </p:txBody>
+      </p:sp>
+      <p:sp>
+        <p:nvSpPr>
+          <p:cNvPr id="15" name="TextBox 14"/>
+          <p:cNvSpPr txBox="1"/>
+          <p:nvPr/>
+        </p:nvSpPr>
+        <p:spPr>
+          <a:xfrm>
+            <a:off x="13680000" y="7326000"/>
+            <a:ext cx="360000" cy="360000"/>
+          </a:xfrm>
+          <a:prstGeom prst="rect">
+            <a:avLst/>
+          </a:prstGeom>
+          <a:noFill/>
+        </p:spPr>
+        <p:txBody>
+          <a:bodyPr wrap="none">
+            <a:spAutoFit/>
+          </a:bodyPr>
+          <a:lstStyle/>
+          <a:p>
+            <a:pPr algn="ctr"/>
+            <a:r>
+              <a:rPr b="1" sz="2267">
+                <a:solidFill>
+                  <a:srgbClr val="FFFFFF"/>
+                </a:solidFill>
+                <a:latin typeface="Helvetica"/>
+              </a:rPr>
+              <a:t>9</a:t>
             </a:r>
           </a:p>
         </p:txBody>
